--- a/2018-02-05_BroadE_workshop/slides/2018-02-05_05_Differential Analysis.pptx
+++ b/2018-02-05_BroadE_workshop/slides/2018-02-05_05_Differential Analysis.pptx
@@ -5,10 +5,10 @@
     <p:sldMasterId id="2147483778" r:id="rId4"/>
   </p:sldMasterIdLst>
   <p:notesMasterIdLst>
-    <p:notesMasterId r:id="rId14"/>
+    <p:notesMasterId r:id="rId15"/>
   </p:notesMasterIdLst>
   <p:handoutMasterIdLst>
-    <p:handoutMasterId r:id="rId15"/>
+    <p:handoutMasterId r:id="rId16"/>
   </p:handoutMasterIdLst>
   <p:sldIdLst>
     <p:sldId id="1458" r:id="rId5"/>
@@ -16,10 +16,11 @@
     <p:sldId id="1459" r:id="rId7"/>
     <p:sldId id="1460" r:id="rId8"/>
     <p:sldId id="1461" r:id="rId9"/>
-    <p:sldId id="1463" r:id="rId10"/>
+    <p:sldId id="1475" r:id="rId10"/>
     <p:sldId id="1474" r:id="rId11"/>
     <p:sldId id="1472" r:id="rId12"/>
     <p:sldId id="1006" r:id="rId13"/>
+    <p:sldId id="1476" r:id="rId14"/>
   </p:sldIdLst>
   <p:sldSz cx="9144000" cy="6858000" type="screen4x3"/>
   <p:notesSz cx="7010400" cy="9372600"/>
@@ -302,7 +303,7 @@
               <a:pPr>
                 <a:defRPr/>
               </a:pPr>
-              <a:t>1/23/2018</a:t>
+              <a:t>2/4/2018</a:t>
             </a:fld>
             <a:endParaRPr lang="en-US"/>
           </a:p>
@@ -514,7 +515,7 @@
               <a:pPr>
                 <a:defRPr/>
               </a:pPr>
-              <a:t>1/23/2018</a:t>
+              <a:t>2/4/2018</a:t>
             </a:fld>
             <a:endParaRPr lang="en-US"/>
           </a:p>
@@ -1633,14 +1634,7 @@
                 <a:ea typeface="ＭＳ Ｐゴシック" charset="-128"/>
                 <a:cs typeface="ＭＳ Ｐゴシック" charset="-128"/>
               </a:rPr>
-              <a:t>When </a:t>
-            </a:r>
-            <a:r>
-              <a:rPr lang="en-US" dirty="0" smtClean="0">
-                <a:ea typeface="ＭＳ Ｐゴシック" charset="-128"/>
-                <a:cs typeface="ＭＳ Ｐゴシック" charset="-128"/>
-              </a:rPr>
-              <a:t>doing marker selection there are several levels of difficulty</a:t>
+              <a:t>When doing marker selection there are several levels of difficulty</a:t>
             </a:r>
           </a:p>
           <a:p>
@@ -1657,14 +1651,7 @@
                 <a:ea typeface="ＭＳ Ｐゴシック" charset="-128"/>
                 <a:cs typeface="ＭＳ Ｐゴシック" charset="-128"/>
               </a:rPr>
-              <a:t>The first level is finding genes that distinguish between tissue or cell </a:t>
-            </a:r>
-            <a:r>
-              <a:rPr lang="en-US" dirty="0" smtClean="0">
-                <a:ea typeface="ＭＳ Ｐゴシック" charset="-128"/>
-                <a:cs typeface="ＭＳ Ｐゴシック" charset="-128"/>
-              </a:rPr>
-              <a:t>type – there are</a:t>
+              <a:t>The first level is finding genes that distinguish between tissue or cell type – there are</a:t>
             </a:r>
             <a:r>
               <a:rPr lang="en-US" baseline="0" dirty="0" smtClean="0">
@@ -1692,14 +1679,7 @@
                 <a:ea typeface="ＭＳ Ｐゴシック" charset="-128"/>
                 <a:cs typeface="ＭＳ Ｐゴシック" charset="-128"/>
               </a:rPr>
-              <a:t>The second level is finding genes that distinguish between morphological types such as Leukemia ALL vs. </a:t>
-            </a:r>
-            <a:r>
-              <a:rPr lang="en-US" dirty="0" smtClean="0">
-                <a:ea typeface="ＭＳ Ｐゴシック" charset="-128"/>
-                <a:cs typeface="ＭＳ Ｐゴシック" charset="-128"/>
-              </a:rPr>
-              <a:t>AML</a:t>
+              <a:t>The second level is finding genes that distinguish between morphological types such as Leukemia ALL vs. AML</a:t>
             </a:r>
           </a:p>
           <a:p>
@@ -1902,14 +1882,14 @@
           <a:noFill/>
           <a:extLst>
             <a:ext uri="{909E8E84-426E-40dd-AFC4-6F175D3DCCD1}">
-              <a14:hiddenFill xmlns:a14="http://schemas.microsoft.com/office/drawing/2010/main" xmlns="">
+              <a14:hiddenFill xmlns="" xmlns:a14="http://schemas.microsoft.com/office/drawing/2010/main">
                 <a:solidFill>
                   <a:srgbClr val="FFFFFF"/>
                 </a:solidFill>
               </a14:hiddenFill>
             </a:ext>
             <a:ext uri="{91240B29-F687-4f45-9708-019B960494DF}">
-              <a14:hiddenLine xmlns:a14="http://schemas.microsoft.com/office/drawing/2010/main" xmlns="" w="9525">
+              <a14:hiddenLine xmlns="" xmlns:a14="http://schemas.microsoft.com/office/drawing/2010/main" w="9525">
                 <a:solidFill>
                   <a:srgbClr val="000000"/>
                 </a:solidFill>
@@ -2066,15 +2046,15 @@
             <a:tailEnd/>
           </a:ln>
           <a:extLst>
+            <a:ext uri="{FAA26D3D-D897-4be2-8F04-BA451C77F1D7}">
+              <ma14:placeholderFlag xmlns="" xmlns:ma14="http://schemas.microsoft.com/office/mac/drawingml/2011/main" val="1"/>
+            </a:ext>
             <a:ext uri="{909E8E84-426E-40dd-AFC4-6F175D3DCCD1}">
-              <a14:hiddenFill xmlns:a14="http://schemas.microsoft.com/office/drawing/2010/main" xmlns="">
+              <a14:hiddenFill xmlns="" xmlns:a14="http://schemas.microsoft.com/office/drawing/2010/main">
                 <a:solidFill>
                   <a:srgbClr val="FFFFFF"/>
                 </a:solidFill>
               </a14:hiddenFill>
-            </a:ext>
-            <a:ext uri="{FAA26D3D-D897-4be2-8F04-BA451C77F1D7}">
-              <ma14:placeholderFlag xmlns:ma14="http://schemas.microsoft.com/office/mac/drawingml/2011/main" xmlns="" val="1"/>
             </a:ext>
           </a:extLst>
         </p:spPr>
@@ -2093,14 +2073,14 @@
           <a:noFill/>
           <a:extLst>
             <a:ext uri="{909E8E84-426E-40dd-AFC4-6F175D3DCCD1}">
-              <a14:hiddenFill xmlns:a14="http://schemas.microsoft.com/office/drawing/2010/main" xmlns="">
+              <a14:hiddenFill xmlns="" xmlns:a14="http://schemas.microsoft.com/office/drawing/2010/main">
                 <a:solidFill>
                   <a:srgbClr val="FFFFFF"/>
                 </a:solidFill>
               </a14:hiddenFill>
             </a:ext>
             <a:ext uri="{91240B29-F687-4f45-9708-019B960494DF}">
-              <a14:hiddenLine xmlns:a14="http://schemas.microsoft.com/office/drawing/2010/main" xmlns="" w="9525">
+              <a14:hiddenLine xmlns="" xmlns:a14="http://schemas.microsoft.com/office/drawing/2010/main" w="9525">
                 <a:solidFill>
                   <a:srgbClr val="000000"/>
                 </a:solidFill>
@@ -2126,23 +2106,7 @@
                 <a:ea typeface="ＭＳ Ｐゴシック" charset="0"/>
                 <a:cs typeface="ＭＳ Ｐゴシック" charset="0"/>
               </a:rPr>
-              <a:t>Here we have 4 </a:t>
-            </a:r>
-            <a:r>
-              <a:rPr lang="en-US" dirty="0" err="1">
-                <a:latin typeface="Calibri" charset="0"/>
-                <a:ea typeface="ＭＳ Ｐゴシック" charset="0"/>
-                <a:cs typeface="ＭＳ Ｐゴシック" charset="0"/>
-              </a:rPr>
-              <a:t>heatmaps</a:t>
-            </a:r>
-            <a:r>
-              <a:rPr lang="en-US" dirty="0">
-                <a:latin typeface="Calibri" charset="0"/>
-                <a:ea typeface="ＭＳ Ｐゴシック" charset="0"/>
-                <a:cs typeface="ＭＳ Ｐゴシック" charset="0"/>
-              </a:rPr>
-              <a:t> with increasing sample size. </a:t>
+              <a:t>Old notes:</a:t>
             </a:r>
           </a:p>
           <a:p>
@@ -2164,7 +2128,50 @@
               </a:spcBef>
             </a:pPr>
             <a:r>
-              <a:rPr lang="en-US" dirty="0">
+              <a:rPr lang="en-US" dirty="0" smtClean="0">
+                <a:latin typeface="Calibri" charset="0"/>
+                <a:ea typeface="ＭＳ Ｐゴシック" charset="0"/>
+                <a:cs typeface="ＭＳ Ｐゴシック" charset="0"/>
+              </a:rPr>
+              <a:t>Here we have 4 </a:t>
+            </a:r>
+            <a:r>
+              <a:rPr lang="en-US" dirty="0" err="1" smtClean="0">
+                <a:latin typeface="Calibri" charset="0"/>
+                <a:ea typeface="ＭＳ Ｐゴシック" charset="0"/>
+                <a:cs typeface="ＭＳ Ｐゴシック" charset="0"/>
+              </a:rPr>
+              <a:t>heatmaps</a:t>
+            </a:r>
+            <a:r>
+              <a:rPr lang="en-US" dirty="0" smtClean="0">
+                <a:latin typeface="Calibri" charset="0"/>
+                <a:ea typeface="ＭＳ Ｐゴシック" charset="0"/>
+                <a:cs typeface="ＭＳ Ｐゴシック" charset="0"/>
+              </a:rPr>
+              <a:t> with increasing sample size. </a:t>
+            </a:r>
+          </a:p>
+          <a:p>
+            <a:pPr>
+              <a:spcBef>
+                <a:spcPct val="0"/>
+              </a:spcBef>
+            </a:pPr>
+            <a:endParaRPr lang="en-US" dirty="0" smtClean="0">
+              <a:latin typeface="Calibri" charset="0"/>
+              <a:ea typeface="ＭＳ Ｐゴシック" charset="0"/>
+              <a:cs typeface="ＭＳ Ｐゴシック" charset="0"/>
+            </a:endParaRPr>
+          </a:p>
+          <a:p>
+            <a:pPr>
+              <a:spcBef>
+                <a:spcPct val="0"/>
+              </a:spcBef>
+            </a:pPr>
+            <a:r>
+              <a:rPr lang="en-US" dirty="0" smtClean="0">
                 <a:latin typeface="Calibri" charset="0"/>
                 <a:ea typeface="ＭＳ Ｐゴシック" charset="0"/>
                 <a:cs typeface="ＭＳ Ｐゴシック" charset="0"/>
@@ -2178,7 +2185,7 @@
                 <a:spcPct val="0"/>
               </a:spcBef>
             </a:pPr>
-            <a:endParaRPr lang="en-US" sz="1800" dirty="0">
+            <a:endParaRPr lang="en-US" sz="1800" dirty="0" smtClean="0">
               <a:solidFill>
                 <a:srgbClr val="000066"/>
               </a:solidFill>
@@ -2227,21 +2234,14 @@
               <a:cs typeface="ＭＳ Ｐゴシック" charset="0"/>
             </a:endParaRPr>
           </a:p>
-          <a:p>
-            <a:pPr>
-              <a:spcBef>
-                <a:spcPct val="0"/>
-              </a:spcBef>
-            </a:pPr>
-            <a:endParaRPr lang="en-US" dirty="0">
-              <a:latin typeface="Calibri" charset="0"/>
-              <a:ea typeface="ＭＳ Ｐゴシック" charset="0"/>
-              <a:cs typeface="ＭＳ Ｐゴシック" charset="0"/>
-            </a:endParaRPr>
-          </a:p>
         </p:txBody>
       </p:sp>
     </p:spTree>
+    <p:extLst>
+      <p:ext uri="{BB962C8B-B14F-4D97-AF65-F5344CB8AC3E}">
+        <p14:creationId xmlns:p14="http://schemas.microsoft.com/office/powerpoint/2010/main" val="1699009494"/>
+      </p:ext>
+    </p:extLst>
   </p:cSld>
   <p:clrMapOvr>
     <a:masterClrMapping/>
@@ -3893,6 +3893,184 @@
     <p:extLst>
       <p:ext uri="{BB962C8B-B14F-4D97-AF65-F5344CB8AC3E}">
         <p14:creationId xmlns:p14="http://schemas.microsoft.com/office/powerpoint/2010/main" val="989397365"/>
+      </p:ext>
+    </p:extLst>
+  </p:cSld>
+  <p:clrMapOvr>
+    <a:masterClrMapping/>
+  </p:clrMapOvr>
+</p:sldLayout>
+</file>
+
+<file path=ppt/slideLayouts/slideLayout10.xml><?xml version="1.0" encoding="utf-8"?>
+<p:sldLayout xmlns:a="http://schemas.openxmlformats.org/drawingml/2006/main" xmlns:r="http://schemas.openxmlformats.org/officeDocument/2006/relationships" xmlns:p="http://schemas.openxmlformats.org/presentationml/2006/main" userDrawn="1">
+  <p:cSld name="Content Slide">
+    <p:spTree>
+      <p:nvGrpSpPr>
+        <p:cNvPr id="1" name=""/>
+        <p:cNvGrpSpPr/>
+        <p:nvPr/>
+      </p:nvGrpSpPr>
+      <p:grpSpPr>
+        <a:xfrm>
+          <a:off x="0" y="0"/>
+          <a:ext cx="0" cy="0"/>
+          <a:chOff x="0" y="0"/>
+          <a:chExt cx="0" cy="0"/>
+        </a:xfrm>
+      </p:grpSpPr>
+      <p:sp>
+        <p:nvSpPr>
+          <p:cNvPr id="2" name="Title 1"/>
+          <p:cNvSpPr>
+            <a:spLocks noGrp="1"/>
+          </p:cNvSpPr>
+          <p:nvPr>
+            <p:ph type="title"/>
+          </p:nvPr>
+        </p:nvSpPr>
+        <p:spPr>
+          <a:xfrm>
+            <a:off x="609600" y="106361"/>
+            <a:ext cx="7924800" cy="655638"/>
+          </a:xfrm>
+        </p:spPr>
+        <p:txBody>
+          <a:bodyPr/>
+          <a:lstStyle>
+            <a:lvl1pPr>
+              <a:defRPr sz="3400" b="1"/>
+            </a:lvl1pPr>
+          </a:lstStyle>
+          <a:p>
+            <a:r>
+              <a:rPr lang="en-US" dirty="0"/>
+              <a:t>Click to edit Master title style</a:t>
+            </a:r>
+          </a:p>
+        </p:txBody>
+      </p:sp>
+      <p:sp>
+        <p:nvSpPr>
+          <p:cNvPr id="5" name="Slide Number Placeholder 4"/>
+          <p:cNvSpPr>
+            <a:spLocks noGrp="1"/>
+          </p:cNvSpPr>
+          <p:nvPr>
+            <p:ph type="sldNum" sz="quarter" idx="12"/>
+          </p:nvPr>
+        </p:nvSpPr>
+        <p:spPr>
+          <a:xfrm>
+            <a:off x="8534400" y="606425"/>
+            <a:ext cx="527050" cy="152400"/>
+          </a:xfrm>
+        </p:spPr>
+        <p:txBody>
+          <a:bodyPr lIns="0" tIns="0" rIns="0" bIns="0" anchor="b" anchorCtr="0"/>
+          <a:lstStyle>
+            <a:lvl1pPr algn="r">
+              <a:defRPr sz="1200">
+                <a:latin typeface="Arial" charset="0"/>
+                <a:ea typeface="Arial" charset="0"/>
+                <a:cs typeface="Arial" charset="0"/>
+              </a:defRPr>
+            </a:lvl1pPr>
+          </a:lstStyle>
+          <a:p>
+            <a:pPr>
+              <a:defRPr/>
+            </a:pPr>
+            <a:fld id="{9BAA833E-05C9-0B46-8736-69229DC0BBB0}" type="slidenum">
+              <a:rPr lang="en-US" smtClean="0"/>
+              <a:pPr>
+                <a:defRPr/>
+              </a:pPr>
+              <a:t>‹#›</a:t>
+            </a:fld>
+            <a:r>
+              <a:rPr lang="en-US"/>
+              <a:t>/10</a:t>
+            </a:r>
+            <a:endParaRPr lang="en-US" dirty="0"/>
+          </a:p>
+        </p:txBody>
+      </p:sp>
+      <p:pic>
+        <p:nvPicPr>
+          <p:cNvPr id="6" name="Picture 5"/>
+          <p:cNvPicPr>
+            <a:picLocks noChangeAspect="1"/>
+          </p:cNvPicPr>
+          <p:nvPr userDrawn="1"/>
+        </p:nvPicPr>
+        <p:blipFill>
+          <a:blip r:embed="rId2" cstate="email">
+            <a:extLst>
+              <a:ext uri="{28A0092B-C50C-407E-A947-70E740481C1C}">
+                <a14:useLocalDpi xmlns:a14="http://schemas.microsoft.com/office/drawing/2010/main" val="0"/>
+              </a:ext>
+            </a:extLst>
+          </a:blip>
+          <a:stretch>
+            <a:fillRect/>
+          </a:stretch>
+        </p:blipFill>
+        <p:spPr>
+          <a:xfrm>
+            <a:off x="228600" y="106361"/>
+            <a:ext cx="628767" cy="655638"/>
+          </a:xfrm>
+          <a:prstGeom prst="rect">
+            <a:avLst/>
+          </a:prstGeom>
+        </p:spPr>
+      </p:pic>
+      <p:cxnSp>
+        <p:nvCxnSpPr>
+          <p:cNvPr id="8" name="Straight Connector 7"/>
+          <p:cNvCxnSpPr>
+            <a:cxnSpLocks noChangeShapeType="1"/>
+          </p:cNvCxnSpPr>
+          <p:nvPr userDrawn="1"/>
+        </p:nvCxnSpPr>
+        <p:spPr bwMode="auto">
+          <a:xfrm flipV="1">
+            <a:off x="76200" y="758825"/>
+            <a:ext cx="8985250" cy="3175"/>
+          </a:xfrm>
+          <a:prstGeom prst="line">
+            <a:avLst/>
+          </a:prstGeom>
+          <a:noFill/>
+          <a:ln w="19050">
+            <a:solidFill>
+              <a:srgbClr val="96BBD6"/>
+            </a:solidFill>
+            <a:round/>
+            <a:headEnd/>
+            <a:tailEnd/>
+          </a:ln>
+          <a:effectLst>
+            <a:outerShdw blurRad="63500" dist="12700" dir="5400000" algn="t" rotWithShape="0">
+              <a:srgbClr val="000000">
+                <a:alpha val="25000"/>
+              </a:srgbClr>
+            </a:outerShdw>
+          </a:effectLst>
+          <a:extLst>
+            <a:ext uri="{909E8E84-426E-40dd-AFC4-6F175D3DCCD1}">
+              <a14:hiddenFill xmlns="" xmlns:a14="http://schemas.microsoft.com/office/drawing/2010/main">
+                <a:noFill/>
+              </a14:hiddenFill>
+            </a:ext>
+          </a:extLst>
+        </p:spPr>
+      </p:cxnSp>
+    </p:spTree>
+    <p:extLst>
+      <p:ext uri="{BB962C8B-B14F-4D97-AF65-F5344CB8AC3E}">
+        <p14:creationId xmlns:p14="http://schemas.microsoft.com/office/powerpoint/2010/main" val="1030548364"/>
       </p:ext>
     </p:extLst>
   </p:cSld>
@@ -12656,7 +12834,7 @@
           <a:p>
             <a:fld id="{F5C1FD63-6B0F-1C4C-8730-30BFE7FDBD4F}" type="datetimeFigureOut">
               <a:rPr lang="en-US" smtClean="0"/>
-              <a:t>1/23/2018</a:t>
+              <a:t>2/4/2018</a:t>
             </a:fld>
             <a:endParaRPr lang="en-US"/>
           </a:p>
@@ -13034,6 +13212,7 @@
     <p:sldLayoutId id="2147486335" r:id="rId7"/>
     <p:sldLayoutId id="2147486336" r:id="rId8"/>
     <p:sldLayoutId id="2147486338" r:id="rId9"/>
+    <p:sldLayoutId id="2147486339" r:id="rId10"/>
   </p:sldLayoutIdLst>
   <p:txStyles>
     <p:titleStyle>
@@ -13505,6 +13684,123 @@
         </p:spPr>
       </p:pic>
     </p:spTree>
+  </p:cSld>
+  <p:clrMapOvr>
+    <a:masterClrMapping/>
+  </p:clrMapOvr>
+  <p:timing>
+    <p:tnLst>
+      <p:par>
+        <p:cTn id="1" dur="indefinite" restart="never" nodeType="tmRoot"/>
+      </p:par>
+    </p:tnLst>
+  </p:timing>
+</p:sld>
+</file>
+
+<file path=ppt/slides/slide10.xml><?xml version="1.0" encoding="utf-8"?>
+<p:sld xmlns:a="http://schemas.openxmlformats.org/drawingml/2006/main" xmlns:r="http://schemas.openxmlformats.org/officeDocument/2006/relationships" xmlns:p="http://schemas.openxmlformats.org/presentationml/2006/main">
+  <p:cSld>
+    <p:spTree>
+      <p:nvGrpSpPr>
+        <p:cNvPr id="1" name=""/>
+        <p:cNvGrpSpPr/>
+        <p:nvPr/>
+      </p:nvGrpSpPr>
+      <p:grpSpPr>
+        <a:xfrm>
+          <a:off x="0" y="0"/>
+          <a:ext cx="0" cy="0"/>
+          <a:chOff x="0" y="0"/>
+          <a:chExt cx="0" cy="0"/>
+        </a:xfrm>
+      </p:grpSpPr>
+      <p:sp>
+        <p:nvSpPr>
+          <p:cNvPr id="2" name="TextBox 1"/>
+          <p:cNvSpPr txBox="1"/>
+          <p:nvPr/>
+        </p:nvSpPr>
+        <p:spPr>
+          <a:xfrm>
+            <a:off x="3810000" y="2558427"/>
+            <a:ext cx="6629400" cy="769441"/>
+          </a:xfrm>
+          <a:prstGeom prst="rect">
+            <a:avLst/>
+          </a:prstGeom>
+          <a:noFill/>
+        </p:spPr>
+        <p:txBody>
+          <a:bodyPr wrap="square" rtlCol="0">
+            <a:spAutoFit/>
+          </a:bodyPr>
+          <a:lstStyle/>
+          <a:p>
+            <a:r>
+              <a:rPr lang="en-US" sz="4400" b="1" dirty="0" smtClean="0">
+                <a:effectLst>
+                  <a:outerShdw blurRad="38100" dist="38100" dir="2700000" algn="tl">
+                    <a:srgbClr val="000000">
+                      <a:alpha val="43137"/>
+                    </a:srgbClr>
+                  </a:outerShdw>
+                </a:effectLst>
+                <a:latin typeface="Calibri" panose="020F0502020204030204" pitchFamily="34" charset="0"/>
+                <a:cs typeface="Calibri" panose="020F0502020204030204" pitchFamily="34" charset="0"/>
+              </a:rPr>
+              <a:t>Lunch</a:t>
+            </a:r>
+            <a:endParaRPr lang="en-US" sz="4400" b="1" dirty="0">
+              <a:effectLst>
+                <a:outerShdw blurRad="38100" dist="38100" dir="2700000" algn="tl">
+                  <a:srgbClr val="000000">
+                    <a:alpha val="43137"/>
+                  </a:srgbClr>
+                </a:outerShdw>
+              </a:effectLst>
+              <a:latin typeface="Calibri" panose="020F0502020204030204" pitchFamily="34" charset="0"/>
+              <a:cs typeface="Calibri" panose="020F0502020204030204" pitchFamily="34" charset="0"/>
+            </a:endParaRPr>
+          </a:p>
+        </p:txBody>
+      </p:sp>
+      <p:pic>
+        <p:nvPicPr>
+          <p:cNvPr id="3" name="Picture 2"/>
+          <p:cNvPicPr>
+            <a:picLocks noChangeAspect="1"/>
+          </p:cNvPicPr>
+          <p:nvPr/>
+        </p:nvPicPr>
+        <p:blipFill>
+          <a:blip r:embed="rId2">
+            <a:extLst>
+              <a:ext uri="{28A0092B-C50C-407E-A947-70E740481C1C}">
+                <a14:useLocalDpi xmlns:a14="http://schemas.microsoft.com/office/drawing/2010/main" val="0"/>
+              </a:ext>
+            </a:extLst>
+          </a:blip>
+          <a:stretch>
+            <a:fillRect/>
+          </a:stretch>
+        </p:blipFill>
+        <p:spPr>
+          <a:xfrm>
+            <a:off x="2514600" y="2362196"/>
+            <a:ext cx="1114286" cy="1161905"/>
+          </a:xfrm>
+          <a:prstGeom prst="rect">
+            <a:avLst/>
+          </a:prstGeom>
+        </p:spPr>
+      </p:pic>
+    </p:spTree>
+    <p:extLst>
+      <p:ext uri="{BB962C8B-B14F-4D97-AF65-F5344CB8AC3E}">
+        <p14:creationId xmlns:p14="http://schemas.microsoft.com/office/powerpoint/2010/main" val="1734888993"/>
+      </p:ext>
+    </p:extLst>
   </p:cSld>
   <p:clrMapOvr>
     <a:masterClrMapping/>
@@ -18797,14 +19093,10 @@
             <a:spLocks noGrp="1" noChangeArrowheads="1"/>
           </p:cNvSpPr>
           <p:nvPr>
-            <p:ph type="title" idx="4294967295"/>
+            <p:ph type="title"/>
           </p:nvPr>
         </p:nvSpPr>
         <p:spPr>
-          <a:xfrm>
-            <a:off x="0" y="106363"/>
-            <a:ext cx="9144000" cy="655637"/>
-          </a:xfrm>
           <a:ln/>
         </p:spPr>
         <p:txBody>
@@ -18813,172 +19105,12 @@
           <a:p>
             <a:r>
               <a:rPr lang="en-US" dirty="0">
-                <a:latin typeface="Calibri" panose="020F0502020204030204" pitchFamily="34" charset="0"/>
-                <a:ea typeface="ＭＳ Ｐゴシック" charset="0"/>
-                <a:cs typeface="Calibri" panose="020F0502020204030204" pitchFamily="34" charset="0"/>
+                <a:latin typeface="Arial" charset="0"/>
+                <a:ea typeface="ＭＳ Ｐゴシック" charset="0"/>
+                <a:cs typeface="ＭＳ Ｐゴシック" charset="0"/>
               </a:rPr>
               <a:t>Effect of Sample Size</a:t>
             </a:r>
-          </a:p>
-        </p:txBody>
-      </p:sp>
-      <p:sp>
-        <p:nvSpPr>
-          <p:cNvPr id="27650" name="Text Box 18"/>
-          <p:cNvSpPr txBox="1">
-            <a:spLocks noChangeArrowheads="1"/>
-          </p:cNvSpPr>
-          <p:nvPr/>
-        </p:nvSpPr>
-        <p:spPr bwMode="auto">
-          <a:xfrm>
-            <a:off x="0" y="4206875"/>
-            <a:ext cx="184150" cy="366713"/>
-          </a:xfrm>
-          <a:prstGeom prst="rect">
-            <a:avLst/>
-          </a:prstGeom>
-          <a:noFill/>
-          <a:ln>
-            <a:noFill/>
-          </a:ln>
-          <a:extLst>
-            <a:ext uri="{909E8E84-426E-40dd-AFC4-6F175D3DCCD1}">
-              <a14:hiddenFill xmlns:a14="http://schemas.microsoft.com/office/drawing/2010/main" xmlns="">
-                <a:solidFill>
-                  <a:srgbClr val="FFFFFF"/>
-                </a:solidFill>
-              </a14:hiddenFill>
-            </a:ext>
-            <a:ext uri="{91240B29-F687-4f45-9708-019B960494DF}">
-              <a14:hiddenLine xmlns:a14="http://schemas.microsoft.com/office/drawing/2010/main" xmlns="" w="9525">
-                <a:solidFill>
-                  <a:srgbClr val="000000"/>
-                </a:solidFill>
-                <a:miter lim="800000"/>
-                <a:headEnd/>
-                <a:tailEnd/>
-              </a14:hiddenLine>
-            </a:ext>
-          </a:extLst>
-        </p:spPr>
-        <p:txBody>
-          <a:bodyPr wrap="none">
-            <a:spAutoFit/>
-          </a:bodyPr>
-          <a:lstStyle>
-            <a:lvl1pPr eaLnBrk="0" hangingPunct="0">
-              <a:defRPr sz="2400">
-                <a:solidFill>
-                  <a:schemeClr val="tx1"/>
-                </a:solidFill>
-                <a:latin typeface="Arial" charset="0"/>
-                <a:ea typeface="ＭＳ Ｐゴシック" charset="0"/>
-                <a:cs typeface="ＭＳ Ｐゴシック" charset="0"/>
-              </a:defRPr>
-            </a:lvl1pPr>
-            <a:lvl2pPr marL="742950" indent="-285750" eaLnBrk="0" hangingPunct="0">
-              <a:defRPr sz="2400">
-                <a:solidFill>
-                  <a:schemeClr val="tx1"/>
-                </a:solidFill>
-                <a:latin typeface="Arial" charset="0"/>
-                <a:ea typeface="ＭＳ Ｐゴシック" charset="0"/>
-              </a:defRPr>
-            </a:lvl2pPr>
-            <a:lvl3pPr marL="1143000" indent="-228600" eaLnBrk="0" hangingPunct="0">
-              <a:defRPr sz="2400">
-                <a:solidFill>
-                  <a:schemeClr val="tx1"/>
-                </a:solidFill>
-                <a:latin typeface="Arial" charset="0"/>
-                <a:ea typeface="ＭＳ Ｐゴシック" charset="0"/>
-              </a:defRPr>
-            </a:lvl3pPr>
-            <a:lvl4pPr marL="1600200" indent="-228600" eaLnBrk="0" hangingPunct="0">
-              <a:defRPr sz="2400">
-                <a:solidFill>
-                  <a:schemeClr val="tx1"/>
-                </a:solidFill>
-                <a:latin typeface="Arial" charset="0"/>
-                <a:ea typeface="ＭＳ Ｐゴシック" charset="0"/>
-              </a:defRPr>
-            </a:lvl4pPr>
-            <a:lvl5pPr marL="2057400" indent="-228600" eaLnBrk="0" hangingPunct="0">
-              <a:defRPr sz="2400">
-                <a:solidFill>
-                  <a:schemeClr val="tx1"/>
-                </a:solidFill>
-                <a:latin typeface="Arial" charset="0"/>
-                <a:ea typeface="ＭＳ Ｐゴシック" charset="0"/>
-              </a:defRPr>
-            </a:lvl5pPr>
-            <a:lvl6pPr marL="2514600" indent="-228600" eaLnBrk="0" fontAlgn="base" hangingPunct="0">
-              <a:spcBef>
-                <a:spcPct val="0"/>
-              </a:spcBef>
-              <a:spcAft>
-                <a:spcPct val="0"/>
-              </a:spcAft>
-              <a:defRPr sz="2400">
-                <a:solidFill>
-                  <a:schemeClr val="tx1"/>
-                </a:solidFill>
-                <a:latin typeface="Arial" charset="0"/>
-                <a:ea typeface="ＭＳ Ｐゴシック" charset="0"/>
-              </a:defRPr>
-            </a:lvl6pPr>
-            <a:lvl7pPr marL="2971800" indent="-228600" eaLnBrk="0" fontAlgn="base" hangingPunct="0">
-              <a:spcBef>
-                <a:spcPct val="0"/>
-              </a:spcBef>
-              <a:spcAft>
-                <a:spcPct val="0"/>
-              </a:spcAft>
-              <a:defRPr sz="2400">
-                <a:solidFill>
-                  <a:schemeClr val="tx1"/>
-                </a:solidFill>
-                <a:latin typeface="Arial" charset="0"/>
-                <a:ea typeface="ＭＳ Ｐゴシック" charset="0"/>
-              </a:defRPr>
-            </a:lvl7pPr>
-            <a:lvl8pPr marL="3429000" indent="-228600" eaLnBrk="0" fontAlgn="base" hangingPunct="0">
-              <a:spcBef>
-                <a:spcPct val="0"/>
-              </a:spcBef>
-              <a:spcAft>
-                <a:spcPct val="0"/>
-              </a:spcAft>
-              <a:defRPr sz="2400">
-                <a:solidFill>
-                  <a:schemeClr val="tx1"/>
-                </a:solidFill>
-                <a:latin typeface="Arial" charset="0"/>
-                <a:ea typeface="ＭＳ Ｐゴシック" charset="0"/>
-              </a:defRPr>
-            </a:lvl8pPr>
-            <a:lvl9pPr marL="3886200" indent="-228600" eaLnBrk="0" fontAlgn="base" hangingPunct="0">
-              <a:spcBef>
-                <a:spcPct val="0"/>
-              </a:spcBef>
-              <a:spcAft>
-                <a:spcPct val="0"/>
-              </a:spcAft>
-              <a:defRPr sz="2400">
-                <a:solidFill>
-                  <a:schemeClr val="tx1"/>
-                </a:solidFill>
-                <a:latin typeface="Arial" charset="0"/>
-                <a:ea typeface="ＭＳ Ｐゴシック" charset="0"/>
-              </a:defRPr>
-            </a:lvl9pPr>
-          </a:lstStyle>
-          <a:p>
-            <a:pPr eaLnBrk="1" hangingPunct="1"/>
-            <a:endParaRPr lang="en-US" sz="1800">
-              <a:latin typeface="Calibri" charset="0"/>
-            </a:endParaRPr>
           </a:p>
         </p:txBody>
       </p:sp>
@@ -18992,8 +19124,8 @@
         </p:nvSpPr>
         <p:spPr bwMode="auto">
           <a:xfrm>
-            <a:off x="1090613" y="1164318"/>
-            <a:ext cx="7239000" cy="1531938"/>
+            <a:off x="952500" y="1371600"/>
+            <a:ext cx="7239000" cy="1792798"/>
           </a:xfrm>
           <a:prstGeom prst="rect">
             <a:avLst/>
@@ -19048,7 +19180,16 @@
                 </a:solidFill>
                 <a:latin typeface="Calibri" charset="0"/>
               </a:rPr>
-              <a:t> a 10,000x100 matrix from a Gaussian (</a:t>
+              <a:t> a 10,000x100 matrix of </a:t>
+            </a:r>
+            <a:r>
+              <a:rPr lang="en-US" sz="1700" b="1" dirty="0">
+                <a:solidFill>
+                  <a:srgbClr val="000000"/>
+                </a:solidFill>
+                <a:latin typeface="Calibri" charset="0"/>
+              </a:rPr>
+              <a:t>random data</a:t>
             </a:r>
             <a:r>
               <a:rPr lang="en-US" sz="1700" dirty="0">
@@ -19056,9 +19197,8 @@
                   <a:srgbClr val="000000"/>
                 </a:solidFill>
                 <a:latin typeface="Calibri" charset="0"/>
-                <a:sym typeface="Symbol" charset="0"/>
               </a:rPr>
-              <a:t>mean=</a:t>
+              <a:t> </a:t>
             </a:r>
             <a:r>
               <a:rPr lang="en-US" sz="1700" dirty="0">
@@ -19066,8 +19206,55 @@
                   <a:srgbClr val="000000"/>
                 </a:solidFill>
                 <a:latin typeface="Calibri" charset="0"/>
+                <a:sym typeface="Wingdings" pitchFamily="2" charset="2"/>
               </a:rPr>
-              <a:t>0, SD</a:t>
+              <a:t> </a:t>
+            </a:r>
+            <a:r>
+              <a:rPr lang="en-US" sz="1700" dirty="0">
+                <a:solidFill>
+                  <a:srgbClr val="000000"/>
+                </a:solidFill>
+                <a:latin typeface="Calibri" charset="0"/>
+              </a:rPr>
+              <a:t>N(</a:t>
+            </a:r>
+            <a:r>
+              <a:rPr lang="el-GR" sz="1700" dirty="0">
+                <a:solidFill>
+                  <a:srgbClr val="000000"/>
+                </a:solidFill>
+                <a:latin typeface="Calibri" charset="0"/>
+              </a:rPr>
+              <a:t>μ</a:t>
+            </a:r>
+            <a:r>
+              <a:rPr lang="en-US" sz="1700" dirty="0">
+                <a:solidFill>
+                  <a:srgbClr val="000000"/>
+                </a:solidFill>
+                <a:latin typeface="Calibri" charset="0"/>
+                <a:sym typeface="Symbol" charset="0"/>
+              </a:rPr>
+              <a:t>=</a:t>
+            </a:r>
+            <a:r>
+              <a:rPr lang="en-US" sz="1700" dirty="0">
+                <a:solidFill>
+                  <a:srgbClr val="000000"/>
+                </a:solidFill>
+                <a:latin typeface="Calibri" charset="0"/>
+              </a:rPr>
+              <a:t>0, </a:t>
+            </a:r>
+            <a:r>
+              <a:rPr lang="el-GR" sz="1700" dirty="0">
+                <a:solidFill>
+                  <a:srgbClr val="000000"/>
+                </a:solidFill>
+                <a:latin typeface="Calibri" charset="0"/>
+              </a:rPr>
+              <a:t>σ</a:t>
             </a:r>
             <a:r>
               <a:rPr lang="en-US" sz="1700" dirty="0">
@@ -19141,7 +19328,48 @@
                 <a:latin typeface="Calibri" charset="0"/>
                 <a:cs typeface="Arial" charset="0"/>
               </a:rPr>
-              <a:t> columns (6,14,30,100)</a:t>
+              <a:t> columns </a:t>
+            </a:r>
+            <a:r>
+              <a:rPr lang="en-US" sz="1700" b="1" dirty="0">
+                <a:solidFill>
+                  <a:srgbClr val="000000"/>
+                </a:solidFill>
+                <a:latin typeface="Calibri" charset="0"/>
+                <a:cs typeface="Arial" charset="0"/>
+              </a:rPr>
+              <a:t>at random</a:t>
+            </a:r>
+            <a:r>
+              <a:rPr lang="en-US" sz="1700" dirty="0">
+                <a:solidFill>
+                  <a:srgbClr val="000000"/>
+                </a:solidFill>
+                <a:latin typeface="Calibri" charset="0"/>
+                <a:cs typeface="Arial" charset="0"/>
+              </a:rPr>
+              <a:t> </a:t>
+            </a:r>
+            <a:r>
+              <a:rPr lang="en-US" sz="1700" dirty="0">
+                <a:solidFill>
+                  <a:srgbClr val="000000"/>
+                </a:solidFill>
+                <a:latin typeface="Calibri" charset="0"/>
+                <a:cs typeface="Arial" charset="0"/>
+                <a:sym typeface="Wingdings" pitchFamily="2" charset="2"/>
+              </a:rPr>
+              <a:t></a:t>
+            </a:r>
+            <a:r>
+              <a:rPr lang="en-US" sz="1700" dirty="0">
+                <a:solidFill>
+                  <a:srgbClr val="000000"/>
+                </a:solidFill>
+                <a:latin typeface="Calibri" charset="0"/>
+                <a:cs typeface="Arial" charset="0"/>
+              </a:rPr>
+              <a:t> n = [100, 30, 14, 6]</a:t>
             </a:r>
           </a:p>
           <a:p>
@@ -19174,7 +19402,27 @@
                 <a:latin typeface="Calibri" charset="0"/>
                 <a:cs typeface="Arial" charset="0"/>
               </a:rPr>
-              <a:t>sample labels yellow and green</a:t>
+              <a:t>label yellow (e.g., tumor) to half of samples (chosen </a:t>
+            </a:r>
+            <a:r>
+              <a:rPr lang="en-US" sz="1700" b="1" dirty="0">
+                <a:solidFill>
+                  <a:srgbClr val="000000"/>
+                </a:solidFill>
+                <a:latin typeface="Calibri" charset="0"/>
+                <a:cs typeface="Arial" charset="0"/>
+              </a:rPr>
+              <a:t>at random</a:t>
+            </a:r>
+            <a:r>
+              <a:rPr lang="en-US" sz="1700" dirty="0">
+                <a:solidFill>
+                  <a:srgbClr val="000000"/>
+                </a:solidFill>
+                <a:latin typeface="Calibri" charset="0"/>
+                <a:cs typeface="Arial" charset="0"/>
+              </a:rPr>
+              <a:t>) and green (e.g., normal) the rest</a:t>
             </a:r>
           </a:p>
           <a:p>
@@ -19212,61 +19460,1900 @@
           </a:p>
         </p:txBody>
       </p:sp>
-      <p:sp>
-        <p:nvSpPr>
-          <p:cNvPr id="27652" name="Rectangle 29"/>
-          <p:cNvSpPr>
-            <a:spLocks noChangeArrowheads="1"/>
-          </p:cNvSpPr>
+      <p:grpSp>
+        <p:nvGrpSpPr>
+          <p:cNvPr id="27656" name="Group 41"/>
+          <p:cNvGrpSpPr>
+            <a:grpSpLocks/>
+          </p:cNvGrpSpPr>
           <p:nvPr/>
-        </p:nvSpPr>
-        <p:spPr bwMode="auto">
+        </p:nvGrpSpPr>
+        <p:grpSpPr bwMode="auto">
           <a:xfrm>
-            <a:off x="228600" y="6365875"/>
-            <a:ext cx="8763000" cy="415925"/>
+            <a:off x="357188" y="3075781"/>
+            <a:ext cx="3852864" cy="3473450"/>
+            <a:chOff x="5230813" y="2971800"/>
+            <a:chExt cx="3853302" cy="3473450"/>
           </a:xfrm>
-          <a:prstGeom prst="rect">
-            <a:avLst/>
-          </a:prstGeom>
-          <a:noFill/>
-          <a:ln>
-            <a:noFill/>
-          </a:ln>
-          <a:extLst>
-            <a:ext uri="{909E8E84-426E-40dd-AFC4-6F175D3DCCD1}">
-              <a14:hiddenFill xmlns:a14="http://schemas.microsoft.com/office/drawing/2010/main" xmlns="">
-                <a:solidFill>
-                  <a:srgbClr val="FFFFFF"/>
-                </a:solidFill>
-              </a14:hiddenFill>
-            </a:ext>
-            <a:ext uri="{91240B29-F687-4f45-9708-019B960494DF}">
-              <a14:hiddenLine xmlns:a14="http://schemas.microsoft.com/office/drawing/2010/main" xmlns="" w="9525">
-                <a:solidFill>
-                  <a:srgbClr val="000000"/>
-                </a:solidFill>
-                <a:miter lim="800000"/>
+        </p:grpSpPr>
+        <p:grpSp>
+          <p:nvGrpSpPr>
+            <p:cNvPr id="27657" name="Group 33"/>
+            <p:cNvGrpSpPr>
+              <a:grpSpLocks/>
+            </p:cNvGrpSpPr>
+            <p:nvPr/>
+          </p:nvGrpSpPr>
+          <p:grpSpPr bwMode="auto">
+            <a:xfrm>
+              <a:off x="5230813" y="2971800"/>
+              <a:ext cx="3853302" cy="3473450"/>
+              <a:chOff x="5230814" y="1298575"/>
+              <a:chExt cx="3852865" cy="3473451"/>
+            </a:xfrm>
+          </p:grpSpPr>
+          <p:grpSp>
+            <p:nvGrpSpPr>
+              <p:cNvPr id="27660" name="Group 30"/>
+              <p:cNvGrpSpPr>
+                <a:grpSpLocks/>
+              </p:cNvGrpSpPr>
+              <p:nvPr/>
+            </p:nvGrpSpPr>
+            <p:grpSpPr bwMode="auto">
+              <a:xfrm>
+                <a:off x="5230814" y="1298575"/>
+                <a:ext cx="3852865" cy="3473451"/>
+                <a:chOff x="5230814" y="1298575"/>
+                <a:chExt cx="3852865" cy="3473451"/>
+              </a:xfrm>
+            </p:grpSpPr>
+            <p:pic>
+              <p:nvPicPr>
+                <p:cNvPr id="27662" name="Picture 7" descr="heatmap"/>
+                <p:cNvPicPr>
+                  <a:picLocks noChangeAspect="1" noChangeArrowheads="1"/>
+                </p:cNvPicPr>
+                <p:nvPr/>
+              </p:nvPicPr>
+              <p:blipFill rotWithShape="1">
+                <a:blip r:embed="rId3" cstate="email">
+                  <a:extLst>
+                    <a:ext uri="{28A0092B-C50C-407E-A947-70E740481C1C}">
+                      <a14:useLocalDpi xmlns:a14="http://schemas.microsoft.com/office/drawing/2010/main" val="0"/>
+                    </a:ext>
+                  </a:extLst>
+                </a:blip>
+                <a:srcRect r="15730"/>
+                <a:stretch/>
+              </p:blipFill>
+              <p:spPr bwMode="auto">
+                <a:xfrm>
+                  <a:off x="5230814" y="1490663"/>
+                  <a:ext cx="3852865" cy="3281363"/>
+                </a:xfrm>
+                <a:prstGeom prst="rect">
+                  <a:avLst/>
+                </a:prstGeom>
+                <a:noFill/>
+                <a:ln>
+                  <a:noFill/>
+                </a:ln>
+                <a:extLst>
+                  <a:ext uri="{909E8E84-426E-40dd-AFC4-6F175D3DCCD1}">
+                    <a14:hiddenFill xmlns="" xmlns:a14="http://schemas.microsoft.com/office/drawing/2010/main">
+                      <a:solidFill>
+                        <a:srgbClr val="FFFFFF"/>
+                      </a:solidFill>
+                    </a14:hiddenFill>
+                  </a:ext>
+                  <a:ext uri="{91240B29-F687-4f45-9708-019B960494DF}">
+                    <a14:hiddenLine xmlns="" xmlns:a14="http://schemas.microsoft.com/office/drawing/2010/main" w="9525">
+                      <a:solidFill>
+                        <a:srgbClr val="000000"/>
+                      </a:solidFill>
+                      <a:miter lim="800000"/>
+                      <a:headEnd/>
+                      <a:tailEnd/>
+                    </a14:hiddenLine>
+                  </a:ext>
+                </a:extLst>
+              </p:spPr>
+            </p:pic>
+            <p:sp>
+              <p:nvSpPr>
+                <p:cNvPr id="27663" name="Text Box 13"/>
+                <p:cNvSpPr txBox="1">
+                  <a:spLocks noChangeArrowheads="1"/>
+                </p:cNvSpPr>
+                <p:nvPr/>
+              </p:nvSpPr>
+              <p:spPr bwMode="auto">
+                <a:xfrm>
+                  <a:off x="5803900" y="1298575"/>
+                  <a:ext cx="2993441" cy="246221"/>
+                </a:xfrm>
+                <a:prstGeom prst="rect">
+                  <a:avLst/>
+                </a:prstGeom>
+                <a:noFill/>
+                <a:ln>
+                  <a:noFill/>
+                </a:ln>
+                <a:extLst>
+                  <a:ext uri="{909E8E84-426E-40dd-AFC4-6F175D3DCCD1}">
+                    <a14:hiddenFill xmlns="" xmlns:a14="http://schemas.microsoft.com/office/drawing/2010/main">
+                      <a:solidFill>
+                        <a:srgbClr val="FFFFFF"/>
+                      </a:solidFill>
+                    </a14:hiddenFill>
+                  </a:ext>
+                  <a:ext uri="{91240B29-F687-4f45-9708-019B960494DF}">
+                    <a14:hiddenLine xmlns="" xmlns:a14="http://schemas.microsoft.com/office/drawing/2010/main" w="9525">
+                      <a:solidFill>
+                        <a:srgbClr val="000000"/>
+                      </a:solidFill>
+                      <a:miter lim="800000"/>
+                      <a:headEnd/>
+                      <a:tailEnd/>
+                    </a14:hiddenLine>
+                  </a:ext>
+                </a:extLst>
+              </p:spPr>
+              <p:txBody>
+                <a:bodyPr wrap="none">
+                  <a:spAutoFit/>
+                </a:bodyPr>
+                <a:lstStyle>
+                  <a:lvl1pPr eaLnBrk="0" hangingPunct="0">
+                    <a:defRPr sz="2400">
+                      <a:solidFill>
+                        <a:schemeClr val="tx1"/>
+                      </a:solidFill>
+                      <a:latin typeface="Arial" charset="0"/>
+                      <a:ea typeface="ＭＳ Ｐゴシック" charset="0"/>
+                      <a:cs typeface="ＭＳ Ｐゴシック" charset="0"/>
+                    </a:defRPr>
+                  </a:lvl1pPr>
+                  <a:lvl2pPr marL="742950" indent="-285750" eaLnBrk="0" hangingPunct="0">
+                    <a:defRPr sz="2400">
+                      <a:solidFill>
+                        <a:schemeClr val="tx1"/>
+                      </a:solidFill>
+                      <a:latin typeface="Arial" charset="0"/>
+                      <a:ea typeface="ＭＳ Ｐゴシック" charset="0"/>
+                    </a:defRPr>
+                  </a:lvl2pPr>
+                  <a:lvl3pPr marL="1143000" indent="-228600" eaLnBrk="0" hangingPunct="0">
+                    <a:defRPr sz="2400">
+                      <a:solidFill>
+                        <a:schemeClr val="tx1"/>
+                      </a:solidFill>
+                      <a:latin typeface="Arial" charset="0"/>
+                      <a:ea typeface="ＭＳ Ｐゴシック" charset="0"/>
+                    </a:defRPr>
+                  </a:lvl3pPr>
+                  <a:lvl4pPr marL="1600200" indent="-228600" eaLnBrk="0" hangingPunct="0">
+                    <a:defRPr sz="2400">
+                      <a:solidFill>
+                        <a:schemeClr val="tx1"/>
+                      </a:solidFill>
+                      <a:latin typeface="Arial" charset="0"/>
+                      <a:ea typeface="ＭＳ Ｐゴシック" charset="0"/>
+                    </a:defRPr>
+                  </a:lvl4pPr>
+                  <a:lvl5pPr marL="2057400" indent="-228600" eaLnBrk="0" hangingPunct="0">
+                    <a:defRPr sz="2400">
+                      <a:solidFill>
+                        <a:schemeClr val="tx1"/>
+                      </a:solidFill>
+                      <a:latin typeface="Arial" charset="0"/>
+                      <a:ea typeface="ＭＳ Ｐゴシック" charset="0"/>
+                    </a:defRPr>
+                  </a:lvl5pPr>
+                  <a:lvl6pPr marL="2514600" indent="-228600" eaLnBrk="0" fontAlgn="base" hangingPunct="0">
+                    <a:spcBef>
+                      <a:spcPct val="0"/>
+                    </a:spcBef>
+                    <a:spcAft>
+                      <a:spcPct val="0"/>
+                    </a:spcAft>
+                    <a:defRPr sz="2400">
+                      <a:solidFill>
+                        <a:schemeClr val="tx1"/>
+                      </a:solidFill>
+                      <a:latin typeface="Arial" charset="0"/>
+                      <a:ea typeface="ＭＳ Ｐゴシック" charset="0"/>
+                    </a:defRPr>
+                  </a:lvl6pPr>
+                  <a:lvl7pPr marL="2971800" indent="-228600" eaLnBrk="0" fontAlgn="base" hangingPunct="0">
+                    <a:spcBef>
+                      <a:spcPct val="0"/>
+                    </a:spcBef>
+                    <a:spcAft>
+                      <a:spcPct val="0"/>
+                    </a:spcAft>
+                    <a:defRPr sz="2400">
+                      <a:solidFill>
+                        <a:schemeClr val="tx1"/>
+                      </a:solidFill>
+                      <a:latin typeface="Arial" charset="0"/>
+                      <a:ea typeface="ＭＳ Ｐゴシック" charset="0"/>
+                    </a:defRPr>
+                  </a:lvl7pPr>
+                  <a:lvl8pPr marL="3429000" indent="-228600" eaLnBrk="0" fontAlgn="base" hangingPunct="0">
+                    <a:spcBef>
+                      <a:spcPct val="0"/>
+                    </a:spcBef>
+                    <a:spcAft>
+                      <a:spcPct val="0"/>
+                    </a:spcAft>
+                    <a:defRPr sz="2400">
+                      <a:solidFill>
+                        <a:schemeClr val="tx1"/>
+                      </a:solidFill>
+                      <a:latin typeface="Arial" charset="0"/>
+                      <a:ea typeface="ＭＳ Ｐゴシック" charset="0"/>
+                    </a:defRPr>
+                  </a:lvl8pPr>
+                  <a:lvl9pPr marL="3886200" indent="-228600" eaLnBrk="0" fontAlgn="base" hangingPunct="0">
+                    <a:spcBef>
+                      <a:spcPct val="0"/>
+                    </a:spcBef>
+                    <a:spcAft>
+                      <a:spcPct val="0"/>
+                    </a:spcAft>
+                    <a:defRPr sz="2400">
+                      <a:solidFill>
+                        <a:schemeClr val="tx1"/>
+                      </a:solidFill>
+                      <a:latin typeface="Arial" charset="0"/>
+                      <a:ea typeface="ＭＳ Ｐゴシック" charset="0"/>
+                    </a:defRPr>
+                  </a:lvl9pPr>
+                </a:lstStyle>
+                <a:p>
+                  <a:pPr eaLnBrk="1" hangingPunct="1"/>
+                  <a:r>
+                    <a:rPr lang="en-US" sz="1000">
+                      <a:latin typeface="Calibri" charset="0"/>
+                    </a:rPr>
+                    <a:t>Yellow		                 Green</a:t>
+                  </a:r>
+                </a:p>
+              </p:txBody>
+            </p:sp>
+            <p:sp>
+              <p:nvSpPr>
+                <p:cNvPr id="27664" name="Text Box 19"/>
+                <p:cNvSpPr txBox="1">
+                  <a:spLocks noChangeArrowheads="1"/>
+                </p:cNvSpPr>
+                <p:nvPr/>
+              </p:nvSpPr>
+              <p:spPr bwMode="auto">
+                <a:xfrm>
+                  <a:off x="6703942" y="4267200"/>
+                  <a:ext cx="966931" cy="276999"/>
+                </a:xfrm>
+                <a:prstGeom prst="rect">
+                  <a:avLst/>
+                </a:prstGeom>
+                <a:noFill/>
+                <a:ln>
+                  <a:noFill/>
+                </a:ln>
+                <a:extLst>
+                  <a:ext uri="{909E8E84-426E-40dd-AFC4-6F175D3DCCD1}">
+                    <a14:hiddenFill xmlns="" xmlns:a14="http://schemas.microsoft.com/office/drawing/2010/main">
+                      <a:solidFill>
+                        <a:srgbClr val="FFFFFF"/>
+                      </a:solidFill>
+                    </a14:hiddenFill>
+                  </a:ext>
+                  <a:ext uri="{91240B29-F687-4f45-9708-019B960494DF}">
+                    <a14:hiddenLine xmlns="" xmlns:a14="http://schemas.microsoft.com/office/drawing/2010/main" w="9525">
+                      <a:solidFill>
+                        <a:srgbClr val="000000"/>
+                      </a:solidFill>
+                      <a:miter lim="800000"/>
+                      <a:headEnd/>
+                      <a:tailEnd/>
+                    </a14:hiddenLine>
+                  </a:ext>
+                </a:extLst>
+              </p:spPr>
+              <p:txBody>
+                <a:bodyPr wrap="none">
+                  <a:spAutoFit/>
+                </a:bodyPr>
+                <a:lstStyle>
+                  <a:lvl1pPr eaLnBrk="0" hangingPunct="0">
+                    <a:defRPr sz="2400">
+                      <a:solidFill>
+                        <a:schemeClr val="tx1"/>
+                      </a:solidFill>
+                      <a:latin typeface="Arial" charset="0"/>
+                      <a:ea typeface="ＭＳ Ｐゴシック" charset="0"/>
+                      <a:cs typeface="ＭＳ Ｐゴシック" charset="0"/>
+                    </a:defRPr>
+                  </a:lvl1pPr>
+                  <a:lvl2pPr marL="742950" indent="-285750" eaLnBrk="0" hangingPunct="0">
+                    <a:defRPr sz="2400">
+                      <a:solidFill>
+                        <a:schemeClr val="tx1"/>
+                      </a:solidFill>
+                      <a:latin typeface="Arial" charset="0"/>
+                      <a:ea typeface="ＭＳ Ｐゴシック" charset="0"/>
+                    </a:defRPr>
+                  </a:lvl2pPr>
+                  <a:lvl3pPr marL="1143000" indent="-228600" eaLnBrk="0" hangingPunct="0">
+                    <a:defRPr sz="2400">
+                      <a:solidFill>
+                        <a:schemeClr val="tx1"/>
+                      </a:solidFill>
+                      <a:latin typeface="Arial" charset="0"/>
+                      <a:ea typeface="ＭＳ Ｐゴシック" charset="0"/>
+                    </a:defRPr>
+                  </a:lvl3pPr>
+                  <a:lvl4pPr marL="1600200" indent="-228600" eaLnBrk="0" hangingPunct="0">
+                    <a:defRPr sz="2400">
+                      <a:solidFill>
+                        <a:schemeClr val="tx1"/>
+                      </a:solidFill>
+                      <a:latin typeface="Arial" charset="0"/>
+                      <a:ea typeface="ＭＳ Ｐゴシック" charset="0"/>
+                    </a:defRPr>
+                  </a:lvl4pPr>
+                  <a:lvl5pPr marL="2057400" indent="-228600" eaLnBrk="0" hangingPunct="0">
+                    <a:defRPr sz="2400">
+                      <a:solidFill>
+                        <a:schemeClr val="tx1"/>
+                      </a:solidFill>
+                      <a:latin typeface="Arial" charset="0"/>
+                      <a:ea typeface="ＭＳ Ｐゴシック" charset="0"/>
+                    </a:defRPr>
+                  </a:lvl5pPr>
+                  <a:lvl6pPr marL="2514600" indent="-228600" eaLnBrk="0" fontAlgn="base" hangingPunct="0">
+                    <a:spcBef>
+                      <a:spcPct val="0"/>
+                    </a:spcBef>
+                    <a:spcAft>
+                      <a:spcPct val="0"/>
+                    </a:spcAft>
+                    <a:defRPr sz="2400">
+                      <a:solidFill>
+                        <a:schemeClr val="tx1"/>
+                      </a:solidFill>
+                      <a:latin typeface="Arial" charset="0"/>
+                      <a:ea typeface="ＭＳ Ｐゴシック" charset="0"/>
+                    </a:defRPr>
+                  </a:lvl6pPr>
+                  <a:lvl7pPr marL="2971800" indent="-228600" eaLnBrk="0" fontAlgn="base" hangingPunct="0">
+                    <a:spcBef>
+                      <a:spcPct val="0"/>
+                    </a:spcBef>
+                    <a:spcAft>
+                      <a:spcPct val="0"/>
+                    </a:spcAft>
+                    <a:defRPr sz="2400">
+                      <a:solidFill>
+                        <a:schemeClr val="tx1"/>
+                      </a:solidFill>
+                      <a:latin typeface="Arial" charset="0"/>
+                      <a:ea typeface="ＭＳ Ｐゴシック" charset="0"/>
+                    </a:defRPr>
+                  </a:lvl7pPr>
+                  <a:lvl8pPr marL="3429000" indent="-228600" eaLnBrk="0" fontAlgn="base" hangingPunct="0">
+                    <a:spcBef>
+                      <a:spcPct val="0"/>
+                    </a:spcBef>
+                    <a:spcAft>
+                      <a:spcPct val="0"/>
+                    </a:spcAft>
+                    <a:defRPr sz="2400">
+                      <a:solidFill>
+                        <a:schemeClr val="tx1"/>
+                      </a:solidFill>
+                      <a:latin typeface="Arial" charset="0"/>
+                      <a:ea typeface="ＭＳ Ｐゴシック" charset="0"/>
+                    </a:defRPr>
+                  </a:lvl8pPr>
+                  <a:lvl9pPr marL="3886200" indent="-228600" eaLnBrk="0" fontAlgn="base" hangingPunct="0">
+                    <a:spcBef>
+                      <a:spcPct val="0"/>
+                    </a:spcBef>
+                    <a:spcAft>
+                      <a:spcPct val="0"/>
+                    </a:spcAft>
+                    <a:defRPr sz="2400">
+                      <a:solidFill>
+                        <a:schemeClr val="tx1"/>
+                      </a:solidFill>
+                      <a:latin typeface="Arial" charset="0"/>
+                      <a:ea typeface="ＭＳ Ｐゴシック" charset="0"/>
+                    </a:defRPr>
+                  </a:lvl9pPr>
+                </a:lstStyle>
+                <a:p>
+                  <a:pPr eaLnBrk="1" hangingPunct="1"/>
+                  <a:r>
+                    <a:rPr lang="en-US" sz="1200">
+                      <a:latin typeface="Calibri" charset="0"/>
+                    </a:rPr>
+                    <a:t>100 samples</a:t>
+                  </a:r>
+                </a:p>
+              </p:txBody>
+            </p:sp>
+          </p:grpSp>
+          <p:sp>
+            <p:nvSpPr>
+              <p:cNvPr id="27661" name="Line 17"/>
+              <p:cNvSpPr>
+                <a:spLocks noChangeShapeType="1"/>
+              </p:cNvSpPr>
+              <p:nvPr/>
+            </p:nvSpPr>
+            <p:spPr bwMode="auto">
+              <a:xfrm flipH="1">
+                <a:off x="7169150" y="1336675"/>
+                <a:ext cx="0" cy="161925"/>
+              </a:xfrm>
+              <a:prstGeom prst="line">
+                <a:avLst/>
+              </a:prstGeom>
+              <a:noFill/>
+              <a:ln w="9525">
+                <a:solidFill>
+                  <a:schemeClr val="tx1"/>
+                </a:solidFill>
+                <a:round/>
                 <a:headEnd/>
                 <a:tailEnd/>
-              </a14:hiddenLine>
-            </a:ext>
-          </a:extLst>
-        </p:spPr>
-        <p:txBody>
-          <a:bodyPr>
-            <a:spAutoFit/>
-          </a:bodyPr>
-          <a:lstStyle/>
-          <a:p>
-            <a:r>
-              <a:rPr lang="en-US" sz="2100" dirty="0">
-                <a:latin typeface="Calibri" charset="0"/>
-              </a:rPr>
-              <a:t>With small sample size it is easy to find genes correlated with phenotype</a:t>
-            </a:r>
-          </a:p>
-        </p:txBody>
-      </p:sp>
+              </a:ln>
+              <a:extLst>
+                <a:ext uri="{909E8E84-426E-40dd-AFC4-6F175D3DCCD1}">
+                  <a14:hiddenFill xmlns="" xmlns:a14="http://schemas.microsoft.com/office/drawing/2010/main">
+                    <a:noFill/>
+                  </a14:hiddenFill>
+                </a:ext>
+              </a:extLst>
+            </p:spPr>
+            <p:txBody>
+              <a:bodyPr/>
+              <a:lstStyle/>
+              <a:p>
+                <a:endParaRPr lang="en-US"/>
+              </a:p>
+            </p:txBody>
+          </p:sp>
+        </p:grpSp>
+        <p:sp>
+          <p:nvSpPr>
+            <p:cNvPr id="34" name="Rectangle 33"/>
+            <p:cNvSpPr/>
+            <p:nvPr/>
+          </p:nvSpPr>
+          <p:spPr>
+            <a:xfrm>
+              <a:off x="5270504" y="3200400"/>
+              <a:ext cx="1892515" cy="46038"/>
+            </a:xfrm>
+            <a:prstGeom prst="rect">
+              <a:avLst/>
+            </a:prstGeom>
+            <a:solidFill>
+              <a:srgbClr val="FFFF00"/>
+            </a:solidFill>
+            <a:ln w="38100" cap="flat" cmpd="sng" algn="ctr">
+              <a:noFill/>
+              <a:prstDash val="solid"/>
+              <a:round/>
+              <a:headEnd type="none" w="med" len="med"/>
+              <a:tailEnd type="none" w="med" len="med"/>
+            </a:ln>
+            <a:effectLst/>
+          </p:spPr>
+          <p:style>
+            <a:lnRef idx="1">
+              <a:schemeClr val="accent1"/>
+            </a:lnRef>
+            <a:fillRef idx="3">
+              <a:schemeClr val="accent1"/>
+            </a:fillRef>
+            <a:effectRef idx="2">
+              <a:schemeClr val="accent1"/>
+            </a:effectRef>
+            <a:fontRef idx="minor">
+              <a:schemeClr val="lt1"/>
+            </a:fontRef>
+          </p:style>
+          <p:txBody>
+            <a:bodyPr anchor="ctr"/>
+            <a:lstStyle/>
+            <a:p>
+              <a:pPr algn="ctr">
+                <a:defRPr/>
+              </a:pPr>
+              <a:endParaRPr lang="en-US"/>
+            </a:p>
+          </p:txBody>
+        </p:sp>
+        <p:sp>
+          <p:nvSpPr>
+            <p:cNvPr id="41" name="Rectangle 40"/>
+            <p:cNvSpPr/>
+            <p:nvPr/>
+          </p:nvSpPr>
+          <p:spPr>
+            <a:xfrm>
+              <a:off x="7163019" y="3200400"/>
+              <a:ext cx="1882989" cy="46038"/>
+            </a:xfrm>
+            <a:prstGeom prst="rect">
+              <a:avLst/>
+            </a:prstGeom>
+            <a:solidFill>
+              <a:srgbClr val="008000"/>
+            </a:solidFill>
+            <a:ln w="38100" cap="flat" cmpd="sng" algn="ctr">
+              <a:noFill/>
+              <a:prstDash val="solid"/>
+              <a:round/>
+              <a:headEnd type="none" w="med" len="med"/>
+              <a:tailEnd type="none" w="med" len="med"/>
+            </a:ln>
+            <a:effectLst/>
+          </p:spPr>
+          <p:style>
+            <a:lnRef idx="1">
+              <a:schemeClr val="accent1"/>
+            </a:lnRef>
+            <a:fillRef idx="3">
+              <a:schemeClr val="accent1"/>
+            </a:fillRef>
+            <a:effectRef idx="2">
+              <a:schemeClr val="accent1"/>
+            </a:effectRef>
+            <a:fontRef idx="minor">
+              <a:schemeClr val="lt1"/>
+            </a:fontRef>
+          </p:style>
+          <p:txBody>
+            <a:bodyPr anchor="ctr"/>
+            <a:lstStyle/>
+            <a:p>
+              <a:pPr algn="ctr">
+                <a:defRPr/>
+              </a:pPr>
+              <a:endParaRPr lang="en-US"/>
+            </a:p>
+          </p:txBody>
+        </p:sp>
+      </p:grpSp>
+      <p:grpSp>
+        <p:nvGrpSpPr>
+          <p:cNvPr id="7" name="Group 6"/>
+          <p:cNvGrpSpPr/>
+          <p:nvPr/>
+        </p:nvGrpSpPr>
+        <p:grpSpPr>
+          <a:xfrm>
+            <a:off x="-23813" y="3384933"/>
+            <a:ext cx="392461" cy="1307081"/>
+            <a:chOff x="-76200" y="3280952"/>
+            <a:chExt cx="392461" cy="1307081"/>
+          </a:xfrm>
+        </p:grpSpPr>
+        <p:sp>
+          <p:nvSpPr>
+            <p:cNvPr id="48" name="Left Bracket 47"/>
+            <p:cNvSpPr/>
+            <p:nvPr/>
+          </p:nvSpPr>
+          <p:spPr>
+            <a:xfrm>
+              <a:off x="222219" y="3280952"/>
+              <a:ext cx="94042" cy="1307081"/>
+            </a:xfrm>
+            <a:prstGeom prst="leftBracket">
+              <a:avLst/>
+            </a:prstGeom>
+            <a:ln w="38100">
+              <a:solidFill>
+                <a:srgbClr val="FFC000"/>
+              </a:solidFill>
+            </a:ln>
+          </p:spPr>
+          <p:style>
+            <a:lnRef idx="1">
+              <a:schemeClr val="accent1"/>
+            </a:lnRef>
+            <a:fillRef idx="0">
+              <a:schemeClr val="accent1"/>
+            </a:fillRef>
+            <a:effectRef idx="0">
+              <a:schemeClr val="accent1"/>
+            </a:effectRef>
+            <a:fontRef idx="minor">
+              <a:schemeClr val="tx1"/>
+            </a:fontRef>
+          </p:style>
+          <p:txBody>
+            <a:bodyPr rtlCol="0" anchor="ctr"/>
+            <a:lstStyle/>
+            <a:p>
+              <a:pPr algn="ctr"/>
+              <a:endParaRPr lang="en-US"/>
+            </a:p>
+          </p:txBody>
+        </p:sp>
+        <p:sp>
+          <p:nvSpPr>
+            <p:cNvPr id="49" name="TextBox 48"/>
+            <p:cNvSpPr txBox="1"/>
+            <p:nvPr/>
+          </p:nvSpPr>
+          <p:spPr>
+            <a:xfrm>
+              <a:off x="-76200" y="3795992"/>
+              <a:ext cx="354584" cy="276999"/>
+            </a:xfrm>
+            <a:prstGeom prst="rect">
+              <a:avLst/>
+            </a:prstGeom>
+            <a:noFill/>
+          </p:spPr>
+          <p:txBody>
+            <a:bodyPr wrap="none" rtlCol="0">
+              <a:spAutoFit/>
+            </a:bodyPr>
+            <a:lstStyle/>
+            <a:p>
+              <a:r>
+                <a:rPr lang="en-US" sz="1200" dirty="0"/>
+                <a:t>25</a:t>
+              </a:r>
+            </a:p>
+          </p:txBody>
+        </p:sp>
+      </p:grpSp>
+      <p:grpSp>
+        <p:nvGrpSpPr>
+          <p:cNvPr id="8" name="Group 7"/>
+          <p:cNvGrpSpPr/>
+          <p:nvPr/>
+        </p:nvGrpSpPr>
+        <p:grpSpPr>
+          <a:xfrm>
+            <a:off x="-21619" y="4740501"/>
+            <a:ext cx="390267" cy="1265638"/>
+            <a:chOff x="-74006" y="4636519"/>
+            <a:chExt cx="390267" cy="1307081"/>
+          </a:xfrm>
+        </p:grpSpPr>
+        <p:sp>
+          <p:nvSpPr>
+            <p:cNvPr id="44" name="Left Bracket 43"/>
+            <p:cNvSpPr/>
+            <p:nvPr/>
+          </p:nvSpPr>
+          <p:spPr>
+            <a:xfrm>
+              <a:off x="222219" y="4636519"/>
+              <a:ext cx="94042" cy="1307081"/>
+            </a:xfrm>
+            <a:prstGeom prst="leftBracket">
+              <a:avLst/>
+            </a:prstGeom>
+            <a:ln w="38100">
+              <a:solidFill>
+                <a:srgbClr val="008001"/>
+              </a:solidFill>
+            </a:ln>
+          </p:spPr>
+          <p:style>
+            <a:lnRef idx="1">
+              <a:schemeClr val="accent1"/>
+            </a:lnRef>
+            <a:fillRef idx="0">
+              <a:schemeClr val="accent1"/>
+            </a:fillRef>
+            <a:effectRef idx="0">
+              <a:schemeClr val="accent1"/>
+            </a:effectRef>
+            <a:fontRef idx="minor">
+              <a:schemeClr val="tx1"/>
+            </a:fontRef>
+          </p:style>
+          <p:txBody>
+            <a:bodyPr rtlCol="0" anchor="ctr"/>
+            <a:lstStyle/>
+            <a:p>
+              <a:pPr algn="ctr"/>
+              <a:endParaRPr lang="en-US"/>
+            </a:p>
+          </p:txBody>
+        </p:sp>
+        <p:sp>
+          <p:nvSpPr>
+            <p:cNvPr id="50" name="TextBox 49"/>
+            <p:cNvSpPr txBox="1"/>
+            <p:nvPr/>
+          </p:nvSpPr>
+          <p:spPr>
+            <a:xfrm>
+              <a:off x="-74006" y="5151559"/>
+              <a:ext cx="354584" cy="276999"/>
+            </a:xfrm>
+            <a:prstGeom prst="rect">
+              <a:avLst/>
+            </a:prstGeom>
+            <a:noFill/>
+          </p:spPr>
+          <p:txBody>
+            <a:bodyPr wrap="none" rtlCol="0">
+              <a:spAutoFit/>
+            </a:bodyPr>
+            <a:lstStyle/>
+            <a:p>
+              <a:r>
+                <a:rPr lang="en-US" sz="1200" dirty="0"/>
+                <a:t>25</a:t>
+              </a:r>
+            </a:p>
+          </p:txBody>
+        </p:sp>
+      </p:grpSp>
+      <p:grpSp>
+        <p:nvGrpSpPr>
+          <p:cNvPr id="27655" name="Group 39"/>
+          <p:cNvGrpSpPr>
+            <a:grpSpLocks/>
+          </p:cNvGrpSpPr>
+          <p:nvPr/>
+        </p:nvGrpSpPr>
+        <p:grpSpPr bwMode="auto">
+          <a:xfrm>
+            <a:off x="4167187" y="3079750"/>
+            <a:ext cx="2387600" cy="3473450"/>
+            <a:chOff x="2743200" y="2971800"/>
+            <a:chExt cx="2387600" cy="3473450"/>
+          </a:xfrm>
+        </p:grpSpPr>
+        <p:grpSp>
+          <p:nvGrpSpPr>
+            <p:cNvPr id="27665" name="Group 32"/>
+            <p:cNvGrpSpPr>
+              <a:grpSpLocks/>
+            </p:cNvGrpSpPr>
+            <p:nvPr/>
+          </p:nvGrpSpPr>
+          <p:grpSpPr bwMode="auto">
+            <a:xfrm>
+              <a:off x="2743200" y="2971800"/>
+              <a:ext cx="2387600" cy="3473450"/>
+              <a:chOff x="2743195" y="1298575"/>
+              <a:chExt cx="2387744" cy="3473451"/>
+            </a:xfrm>
+          </p:grpSpPr>
+          <p:grpSp>
+            <p:nvGrpSpPr>
+              <p:cNvPr id="27668" name="Group 29"/>
+              <p:cNvGrpSpPr>
+                <a:grpSpLocks/>
+              </p:cNvGrpSpPr>
+              <p:nvPr/>
+            </p:nvGrpSpPr>
+            <p:grpSpPr bwMode="auto">
+              <a:xfrm>
+                <a:off x="2743195" y="1298575"/>
+                <a:ext cx="2387744" cy="3473451"/>
+                <a:chOff x="2743195" y="1298575"/>
+                <a:chExt cx="2387744" cy="3473451"/>
+              </a:xfrm>
+            </p:grpSpPr>
+            <p:pic>
+              <p:nvPicPr>
+                <p:cNvPr id="27670" name="Picture 6" descr="heatmap"/>
+                <p:cNvPicPr>
+                  <a:picLocks noChangeAspect="1" noChangeArrowheads="1"/>
+                </p:cNvPicPr>
+                <p:nvPr/>
+              </p:nvPicPr>
+              <p:blipFill>
+                <a:blip r:embed="rId4" cstate="email">
+                  <a:extLst>
+                    <a:ext uri="{28A0092B-C50C-407E-A947-70E740481C1C}">
+                      <a14:useLocalDpi xmlns:a14="http://schemas.microsoft.com/office/drawing/2010/main" val="0"/>
+                    </a:ext>
+                  </a:extLst>
+                </a:blip>
+                <a:srcRect r="14972"/>
+                <a:stretch>
+                  <a:fillRect/>
+                </a:stretch>
+              </p:blipFill>
+              <p:spPr bwMode="auto">
+                <a:xfrm>
+                  <a:off x="2849563" y="1490663"/>
+                  <a:ext cx="2217738" cy="3281363"/>
+                </a:xfrm>
+                <a:prstGeom prst="rect">
+                  <a:avLst/>
+                </a:prstGeom>
+                <a:noFill/>
+                <a:ln>
+                  <a:noFill/>
+                </a:ln>
+                <a:extLst>
+                  <a:ext uri="{909E8E84-426E-40dd-AFC4-6F175D3DCCD1}">
+                    <a14:hiddenFill xmlns="" xmlns:a14="http://schemas.microsoft.com/office/drawing/2010/main">
+                      <a:solidFill>
+                        <a:srgbClr val="FFFFFF"/>
+                      </a:solidFill>
+                    </a14:hiddenFill>
+                  </a:ext>
+                  <a:ext uri="{91240B29-F687-4f45-9708-019B960494DF}">
+                    <a14:hiddenLine xmlns="" xmlns:a14="http://schemas.microsoft.com/office/drawing/2010/main" w="9525">
+                      <a:solidFill>
+                        <a:srgbClr val="000000"/>
+                      </a:solidFill>
+                      <a:miter lim="800000"/>
+                      <a:headEnd/>
+                      <a:tailEnd/>
+                    </a14:hiddenLine>
+                  </a:ext>
+                </a:extLst>
+              </p:spPr>
+            </p:pic>
+            <p:sp>
+              <p:nvSpPr>
+                <p:cNvPr id="27671" name="Text Box 12"/>
+                <p:cNvSpPr txBox="1">
+                  <a:spLocks noChangeArrowheads="1"/>
+                </p:cNvSpPr>
+                <p:nvPr/>
+              </p:nvSpPr>
+              <p:spPr bwMode="auto">
+                <a:xfrm>
+                  <a:off x="2743195" y="1298575"/>
+                  <a:ext cx="2387744" cy="246221"/>
+                </a:xfrm>
+                <a:prstGeom prst="rect">
+                  <a:avLst/>
+                </a:prstGeom>
+                <a:noFill/>
+                <a:ln>
+                  <a:noFill/>
+                </a:ln>
+                <a:extLst>
+                  <a:ext uri="{909E8E84-426E-40dd-AFC4-6F175D3DCCD1}">
+                    <a14:hiddenFill xmlns="" xmlns:a14="http://schemas.microsoft.com/office/drawing/2010/main">
+                      <a:solidFill>
+                        <a:srgbClr val="FFFFFF"/>
+                      </a:solidFill>
+                    </a14:hiddenFill>
+                  </a:ext>
+                  <a:ext uri="{91240B29-F687-4f45-9708-019B960494DF}">
+                    <a14:hiddenLine xmlns="" xmlns:a14="http://schemas.microsoft.com/office/drawing/2010/main" w="9525">
+                      <a:solidFill>
+                        <a:srgbClr val="000000"/>
+                      </a:solidFill>
+                      <a:miter lim="800000"/>
+                      <a:headEnd/>
+                      <a:tailEnd/>
+                    </a14:hiddenLine>
+                  </a:ext>
+                </a:extLst>
+              </p:spPr>
+              <p:txBody>
+                <a:bodyPr wrap="none">
+                  <a:spAutoFit/>
+                </a:bodyPr>
+                <a:lstStyle>
+                  <a:lvl1pPr eaLnBrk="0" hangingPunct="0">
+                    <a:defRPr sz="2400">
+                      <a:solidFill>
+                        <a:schemeClr val="tx1"/>
+                      </a:solidFill>
+                      <a:latin typeface="Arial" charset="0"/>
+                      <a:ea typeface="ＭＳ Ｐゴシック" charset="0"/>
+                      <a:cs typeface="ＭＳ Ｐゴシック" charset="0"/>
+                    </a:defRPr>
+                  </a:lvl1pPr>
+                  <a:lvl2pPr marL="742950" indent="-285750" eaLnBrk="0" hangingPunct="0">
+                    <a:defRPr sz="2400">
+                      <a:solidFill>
+                        <a:schemeClr val="tx1"/>
+                      </a:solidFill>
+                      <a:latin typeface="Arial" charset="0"/>
+                      <a:ea typeface="ＭＳ Ｐゴシック" charset="0"/>
+                    </a:defRPr>
+                  </a:lvl2pPr>
+                  <a:lvl3pPr marL="1143000" indent="-228600" eaLnBrk="0" hangingPunct="0">
+                    <a:defRPr sz="2400">
+                      <a:solidFill>
+                        <a:schemeClr val="tx1"/>
+                      </a:solidFill>
+                      <a:latin typeface="Arial" charset="0"/>
+                      <a:ea typeface="ＭＳ Ｐゴシック" charset="0"/>
+                    </a:defRPr>
+                  </a:lvl3pPr>
+                  <a:lvl4pPr marL="1600200" indent="-228600" eaLnBrk="0" hangingPunct="0">
+                    <a:defRPr sz="2400">
+                      <a:solidFill>
+                        <a:schemeClr val="tx1"/>
+                      </a:solidFill>
+                      <a:latin typeface="Arial" charset="0"/>
+                      <a:ea typeface="ＭＳ Ｐゴシック" charset="0"/>
+                    </a:defRPr>
+                  </a:lvl4pPr>
+                  <a:lvl5pPr marL="2057400" indent="-228600" eaLnBrk="0" hangingPunct="0">
+                    <a:defRPr sz="2400">
+                      <a:solidFill>
+                        <a:schemeClr val="tx1"/>
+                      </a:solidFill>
+                      <a:latin typeface="Arial" charset="0"/>
+                      <a:ea typeface="ＭＳ Ｐゴシック" charset="0"/>
+                    </a:defRPr>
+                  </a:lvl5pPr>
+                  <a:lvl6pPr marL="2514600" indent="-228600" eaLnBrk="0" fontAlgn="base" hangingPunct="0">
+                    <a:spcBef>
+                      <a:spcPct val="0"/>
+                    </a:spcBef>
+                    <a:spcAft>
+                      <a:spcPct val="0"/>
+                    </a:spcAft>
+                    <a:defRPr sz="2400">
+                      <a:solidFill>
+                        <a:schemeClr val="tx1"/>
+                      </a:solidFill>
+                      <a:latin typeface="Arial" charset="0"/>
+                      <a:ea typeface="ＭＳ Ｐゴシック" charset="0"/>
+                    </a:defRPr>
+                  </a:lvl6pPr>
+                  <a:lvl7pPr marL="2971800" indent="-228600" eaLnBrk="0" fontAlgn="base" hangingPunct="0">
+                    <a:spcBef>
+                      <a:spcPct val="0"/>
+                    </a:spcBef>
+                    <a:spcAft>
+                      <a:spcPct val="0"/>
+                    </a:spcAft>
+                    <a:defRPr sz="2400">
+                      <a:solidFill>
+                        <a:schemeClr val="tx1"/>
+                      </a:solidFill>
+                      <a:latin typeface="Arial" charset="0"/>
+                      <a:ea typeface="ＭＳ Ｐゴシック" charset="0"/>
+                    </a:defRPr>
+                  </a:lvl7pPr>
+                  <a:lvl8pPr marL="3429000" indent="-228600" eaLnBrk="0" fontAlgn="base" hangingPunct="0">
+                    <a:spcBef>
+                      <a:spcPct val="0"/>
+                    </a:spcBef>
+                    <a:spcAft>
+                      <a:spcPct val="0"/>
+                    </a:spcAft>
+                    <a:defRPr sz="2400">
+                      <a:solidFill>
+                        <a:schemeClr val="tx1"/>
+                      </a:solidFill>
+                      <a:latin typeface="Arial" charset="0"/>
+                      <a:ea typeface="ＭＳ Ｐゴシック" charset="0"/>
+                    </a:defRPr>
+                  </a:lvl8pPr>
+                  <a:lvl9pPr marL="3886200" indent="-228600" eaLnBrk="0" fontAlgn="base" hangingPunct="0">
+                    <a:spcBef>
+                      <a:spcPct val="0"/>
+                    </a:spcBef>
+                    <a:spcAft>
+                      <a:spcPct val="0"/>
+                    </a:spcAft>
+                    <a:defRPr sz="2400">
+                      <a:solidFill>
+                        <a:schemeClr val="tx1"/>
+                      </a:solidFill>
+                      <a:latin typeface="Arial" charset="0"/>
+                      <a:ea typeface="ＭＳ Ｐゴシック" charset="0"/>
+                    </a:defRPr>
+                  </a:lvl9pPr>
+                </a:lstStyle>
+                <a:p>
+                  <a:pPr eaLnBrk="1" hangingPunct="1"/>
+                  <a:r>
+                    <a:rPr lang="en-US" sz="1000">
+                      <a:latin typeface="Calibri" charset="0"/>
+                    </a:rPr>
+                    <a:t>Yellow	  	Green</a:t>
+                  </a:r>
+                </a:p>
+              </p:txBody>
+            </p:sp>
+            <p:sp>
+              <p:nvSpPr>
+                <p:cNvPr id="27672" name="Text Box 19"/>
+                <p:cNvSpPr txBox="1">
+                  <a:spLocks noChangeArrowheads="1"/>
+                </p:cNvSpPr>
+                <p:nvPr/>
+              </p:nvSpPr>
+              <p:spPr bwMode="auto">
+                <a:xfrm>
+                  <a:off x="3505200" y="4267200"/>
+                  <a:ext cx="889987" cy="276999"/>
+                </a:xfrm>
+                <a:prstGeom prst="rect">
+                  <a:avLst/>
+                </a:prstGeom>
+                <a:noFill/>
+                <a:ln>
+                  <a:noFill/>
+                </a:ln>
+                <a:extLst>
+                  <a:ext uri="{909E8E84-426E-40dd-AFC4-6F175D3DCCD1}">
+                    <a14:hiddenFill xmlns="" xmlns:a14="http://schemas.microsoft.com/office/drawing/2010/main">
+                      <a:solidFill>
+                        <a:srgbClr val="FFFFFF"/>
+                      </a:solidFill>
+                    </a14:hiddenFill>
+                  </a:ext>
+                  <a:ext uri="{91240B29-F687-4f45-9708-019B960494DF}">
+                    <a14:hiddenLine xmlns="" xmlns:a14="http://schemas.microsoft.com/office/drawing/2010/main" w="9525">
+                      <a:solidFill>
+                        <a:srgbClr val="000000"/>
+                      </a:solidFill>
+                      <a:miter lim="800000"/>
+                      <a:headEnd/>
+                      <a:tailEnd/>
+                    </a14:hiddenLine>
+                  </a:ext>
+                </a:extLst>
+              </p:spPr>
+              <p:txBody>
+                <a:bodyPr wrap="none">
+                  <a:spAutoFit/>
+                </a:bodyPr>
+                <a:lstStyle>
+                  <a:lvl1pPr eaLnBrk="0" hangingPunct="0">
+                    <a:defRPr sz="2400">
+                      <a:solidFill>
+                        <a:schemeClr val="tx1"/>
+                      </a:solidFill>
+                      <a:latin typeface="Arial" charset="0"/>
+                      <a:ea typeface="ＭＳ Ｐゴシック" charset="0"/>
+                      <a:cs typeface="ＭＳ Ｐゴシック" charset="0"/>
+                    </a:defRPr>
+                  </a:lvl1pPr>
+                  <a:lvl2pPr marL="742950" indent="-285750" eaLnBrk="0" hangingPunct="0">
+                    <a:defRPr sz="2400">
+                      <a:solidFill>
+                        <a:schemeClr val="tx1"/>
+                      </a:solidFill>
+                      <a:latin typeface="Arial" charset="0"/>
+                      <a:ea typeface="ＭＳ Ｐゴシック" charset="0"/>
+                    </a:defRPr>
+                  </a:lvl2pPr>
+                  <a:lvl3pPr marL="1143000" indent="-228600" eaLnBrk="0" hangingPunct="0">
+                    <a:defRPr sz="2400">
+                      <a:solidFill>
+                        <a:schemeClr val="tx1"/>
+                      </a:solidFill>
+                      <a:latin typeface="Arial" charset="0"/>
+                      <a:ea typeface="ＭＳ Ｐゴシック" charset="0"/>
+                    </a:defRPr>
+                  </a:lvl3pPr>
+                  <a:lvl4pPr marL="1600200" indent="-228600" eaLnBrk="0" hangingPunct="0">
+                    <a:defRPr sz="2400">
+                      <a:solidFill>
+                        <a:schemeClr val="tx1"/>
+                      </a:solidFill>
+                      <a:latin typeface="Arial" charset="0"/>
+                      <a:ea typeface="ＭＳ Ｐゴシック" charset="0"/>
+                    </a:defRPr>
+                  </a:lvl4pPr>
+                  <a:lvl5pPr marL="2057400" indent="-228600" eaLnBrk="0" hangingPunct="0">
+                    <a:defRPr sz="2400">
+                      <a:solidFill>
+                        <a:schemeClr val="tx1"/>
+                      </a:solidFill>
+                      <a:latin typeface="Arial" charset="0"/>
+                      <a:ea typeface="ＭＳ Ｐゴシック" charset="0"/>
+                    </a:defRPr>
+                  </a:lvl5pPr>
+                  <a:lvl6pPr marL="2514600" indent="-228600" eaLnBrk="0" fontAlgn="base" hangingPunct="0">
+                    <a:spcBef>
+                      <a:spcPct val="0"/>
+                    </a:spcBef>
+                    <a:spcAft>
+                      <a:spcPct val="0"/>
+                    </a:spcAft>
+                    <a:defRPr sz="2400">
+                      <a:solidFill>
+                        <a:schemeClr val="tx1"/>
+                      </a:solidFill>
+                      <a:latin typeface="Arial" charset="0"/>
+                      <a:ea typeface="ＭＳ Ｐゴシック" charset="0"/>
+                    </a:defRPr>
+                  </a:lvl6pPr>
+                  <a:lvl7pPr marL="2971800" indent="-228600" eaLnBrk="0" fontAlgn="base" hangingPunct="0">
+                    <a:spcBef>
+                      <a:spcPct val="0"/>
+                    </a:spcBef>
+                    <a:spcAft>
+                      <a:spcPct val="0"/>
+                    </a:spcAft>
+                    <a:defRPr sz="2400">
+                      <a:solidFill>
+                        <a:schemeClr val="tx1"/>
+                      </a:solidFill>
+                      <a:latin typeface="Arial" charset="0"/>
+                      <a:ea typeface="ＭＳ Ｐゴシック" charset="0"/>
+                    </a:defRPr>
+                  </a:lvl7pPr>
+                  <a:lvl8pPr marL="3429000" indent="-228600" eaLnBrk="0" fontAlgn="base" hangingPunct="0">
+                    <a:spcBef>
+                      <a:spcPct val="0"/>
+                    </a:spcBef>
+                    <a:spcAft>
+                      <a:spcPct val="0"/>
+                    </a:spcAft>
+                    <a:defRPr sz="2400">
+                      <a:solidFill>
+                        <a:schemeClr val="tx1"/>
+                      </a:solidFill>
+                      <a:latin typeface="Arial" charset="0"/>
+                      <a:ea typeface="ＭＳ Ｐゴシック" charset="0"/>
+                    </a:defRPr>
+                  </a:lvl8pPr>
+                  <a:lvl9pPr marL="3886200" indent="-228600" eaLnBrk="0" fontAlgn="base" hangingPunct="0">
+                    <a:spcBef>
+                      <a:spcPct val="0"/>
+                    </a:spcBef>
+                    <a:spcAft>
+                      <a:spcPct val="0"/>
+                    </a:spcAft>
+                    <a:defRPr sz="2400">
+                      <a:solidFill>
+                        <a:schemeClr val="tx1"/>
+                      </a:solidFill>
+                      <a:latin typeface="Arial" charset="0"/>
+                      <a:ea typeface="ＭＳ Ｐゴシック" charset="0"/>
+                    </a:defRPr>
+                  </a:lvl9pPr>
+                </a:lstStyle>
+                <a:p>
+                  <a:pPr eaLnBrk="1" hangingPunct="1"/>
+                  <a:r>
+                    <a:rPr lang="en-US" sz="1200">
+                      <a:latin typeface="Calibri" charset="0"/>
+                    </a:rPr>
+                    <a:t>30 samples</a:t>
+                  </a:r>
+                </a:p>
+              </p:txBody>
+            </p:sp>
+          </p:grpSp>
+          <p:sp>
+            <p:nvSpPr>
+              <p:cNvPr id="27669" name="Line 16"/>
+              <p:cNvSpPr>
+                <a:spLocks noChangeShapeType="1"/>
+              </p:cNvSpPr>
+              <p:nvPr/>
+            </p:nvSpPr>
+            <p:spPr bwMode="auto">
+              <a:xfrm flipH="1">
+                <a:off x="3962469" y="1343025"/>
+                <a:ext cx="0" cy="161925"/>
+              </a:xfrm>
+              <a:prstGeom prst="line">
+                <a:avLst/>
+              </a:prstGeom>
+              <a:noFill/>
+              <a:ln w="9525">
+                <a:solidFill>
+                  <a:schemeClr val="tx1"/>
+                </a:solidFill>
+                <a:round/>
+                <a:headEnd/>
+                <a:tailEnd/>
+              </a:ln>
+              <a:extLst>
+                <a:ext uri="{909E8E84-426E-40dd-AFC4-6F175D3DCCD1}">
+                  <a14:hiddenFill xmlns="" xmlns:a14="http://schemas.microsoft.com/office/drawing/2010/main">
+                    <a:noFill/>
+                  </a14:hiddenFill>
+                </a:ext>
+              </a:extLst>
+            </p:spPr>
+            <p:txBody>
+              <a:bodyPr/>
+              <a:lstStyle/>
+              <a:p>
+                <a:endParaRPr lang="en-US"/>
+              </a:p>
+            </p:txBody>
+          </p:sp>
+        </p:grpSp>
+        <p:sp>
+          <p:nvSpPr>
+            <p:cNvPr id="33" name="Rectangle 32"/>
+            <p:cNvSpPr/>
+            <p:nvPr/>
+          </p:nvSpPr>
+          <p:spPr>
+            <a:xfrm>
+              <a:off x="2871788" y="3200400"/>
+              <a:ext cx="1090612" cy="46038"/>
+            </a:xfrm>
+            <a:prstGeom prst="rect">
+              <a:avLst/>
+            </a:prstGeom>
+            <a:solidFill>
+              <a:srgbClr val="FFFF00"/>
+            </a:solidFill>
+            <a:ln w="38100" cap="flat" cmpd="sng" algn="ctr">
+              <a:noFill/>
+              <a:prstDash val="solid"/>
+              <a:round/>
+              <a:headEnd type="none" w="med" len="med"/>
+              <a:tailEnd type="none" w="med" len="med"/>
+            </a:ln>
+            <a:effectLst/>
+          </p:spPr>
+          <p:style>
+            <a:lnRef idx="1">
+              <a:schemeClr val="accent1"/>
+            </a:lnRef>
+            <a:fillRef idx="3">
+              <a:schemeClr val="accent1"/>
+            </a:fillRef>
+            <a:effectRef idx="2">
+              <a:schemeClr val="accent1"/>
+            </a:effectRef>
+            <a:fontRef idx="minor">
+              <a:schemeClr val="lt1"/>
+            </a:fontRef>
+          </p:style>
+          <p:txBody>
+            <a:bodyPr anchor="ctr"/>
+            <a:lstStyle/>
+            <a:p>
+              <a:pPr algn="ctr">
+                <a:defRPr/>
+              </a:pPr>
+              <a:endParaRPr lang="en-US"/>
+            </a:p>
+          </p:txBody>
+        </p:sp>
+        <p:sp>
+          <p:nvSpPr>
+            <p:cNvPr id="39" name="Rectangle 38"/>
+            <p:cNvSpPr/>
+            <p:nvPr/>
+          </p:nvSpPr>
+          <p:spPr>
+            <a:xfrm>
+              <a:off x="3962400" y="3200400"/>
+              <a:ext cx="1060450" cy="46038"/>
+            </a:xfrm>
+            <a:prstGeom prst="rect">
+              <a:avLst/>
+            </a:prstGeom>
+            <a:solidFill>
+              <a:srgbClr val="008000"/>
+            </a:solidFill>
+            <a:ln w="38100" cap="flat" cmpd="sng" algn="ctr">
+              <a:noFill/>
+              <a:prstDash val="solid"/>
+              <a:round/>
+              <a:headEnd type="none" w="med" len="med"/>
+              <a:tailEnd type="none" w="med" len="med"/>
+            </a:ln>
+            <a:effectLst/>
+          </p:spPr>
+          <p:style>
+            <a:lnRef idx="1">
+              <a:schemeClr val="accent1"/>
+            </a:lnRef>
+            <a:fillRef idx="3">
+              <a:schemeClr val="accent1"/>
+            </a:fillRef>
+            <a:effectRef idx="2">
+              <a:schemeClr val="accent1"/>
+            </a:effectRef>
+            <a:fontRef idx="minor">
+              <a:schemeClr val="lt1"/>
+            </a:fontRef>
+          </p:style>
+          <p:txBody>
+            <a:bodyPr anchor="ctr"/>
+            <a:lstStyle/>
+            <a:p>
+              <a:pPr algn="ctr">
+                <a:defRPr/>
+              </a:pPr>
+              <a:endParaRPr lang="en-US"/>
+            </a:p>
+          </p:txBody>
+        </p:sp>
+      </p:grpSp>
+      <p:grpSp>
+        <p:nvGrpSpPr>
+          <p:cNvPr id="27654" name="Group 37"/>
+          <p:cNvGrpSpPr>
+            <a:grpSpLocks/>
+          </p:cNvGrpSpPr>
+          <p:nvPr/>
+        </p:nvGrpSpPr>
+        <p:grpSpPr bwMode="auto">
+          <a:xfrm>
+            <a:off x="6605587" y="3075781"/>
+            <a:ext cx="1593850" cy="3473450"/>
+            <a:chOff x="1130300" y="2971800"/>
+            <a:chExt cx="1593850" cy="3473450"/>
+          </a:xfrm>
+        </p:grpSpPr>
+        <p:grpSp>
+          <p:nvGrpSpPr>
+            <p:cNvPr id="27673" name="Group 31"/>
+            <p:cNvGrpSpPr>
+              <a:grpSpLocks/>
+            </p:cNvGrpSpPr>
+            <p:nvPr/>
+          </p:nvGrpSpPr>
+          <p:grpSpPr bwMode="auto">
+            <a:xfrm>
+              <a:off x="1130300" y="2971800"/>
+              <a:ext cx="1593850" cy="3473450"/>
+              <a:chOff x="1130300" y="1298575"/>
+              <a:chExt cx="1593850" cy="3473451"/>
+            </a:xfrm>
+          </p:grpSpPr>
+          <p:grpSp>
+            <p:nvGrpSpPr>
+              <p:cNvPr id="27676" name="Group 28"/>
+              <p:cNvGrpSpPr>
+                <a:grpSpLocks/>
+              </p:cNvGrpSpPr>
+              <p:nvPr/>
+            </p:nvGrpSpPr>
+            <p:grpSpPr bwMode="auto">
+              <a:xfrm>
+                <a:off x="1130300" y="1298575"/>
+                <a:ext cx="1593850" cy="3473451"/>
+                <a:chOff x="1130300" y="1298575"/>
+                <a:chExt cx="1593850" cy="3473451"/>
+              </a:xfrm>
+            </p:grpSpPr>
+            <p:pic>
+              <p:nvPicPr>
+                <p:cNvPr id="27678" name="Picture 8" descr="heatmap"/>
+                <p:cNvPicPr>
+                  <a:picLocks noChangeAspect="1" noChangeArrowheads="1"/>
+                </p:cNvPicPr>
+                <p:nvPr/>
+              </p:nvPicPr>
+              <p:blipFill>
+                <a:blip r:embed="rId5" cstate="email">
+                  <a:extLst>
+                    <a:ext uri="{28A0092B-C50C-407E-A947-70E740481C1C}">
+                      <a14:useLocalDpi xmlns:a14="http://schemas.microsoft.com/office/drawing/2010/main" val="0"/>
+                    </a:ext>
+                  </a:extLst>
+                </a:blip>
+                <a:srcRect r="14166"/>
+                <a:stretch>
+                  <a:fillRect/>
+                </a:stretch>
+              </p:blipFill>
+              <p:spPr bwMode="auto">
+                <a:xfrm>
+                  <a:off x="1130300" y="1490663"/>
+                  <a:ext cx="1593850" cy="3281363"/>
+                </a:xfrm>
+                <a:prstGeom prst="rect">
+                  <a:avLst/>
+                </a:prstGeom>
+                <a:noFill/>
+                <a:ln>
+                  <a:noFill/>
+                </a:ln>
+                <a:extLst>
+                  <a:ext uri="{909E8E84-426E-40dd-AFC4-6F175D3DCCD1}">
+                    <a14:hiddenFill xmlns="" xmlns:a14="http://schemas.microsoft.com/office/drawing/2010/main">
+                      <a:solidFill>
+                        <a:srgbClr val="FFFFFF"/>
+                      </a:solidFill>
+                    </a14:hiddenFill>
+                  </a:ext>
+                  <a:ext uri="{91240B29-F687-4f45-9708-019B960494DF}">
+                    <a14:hiddenLine xmlns="" xmlns:a14="http://schemas.microsoft.com/office/drawing/2010/main" w="9525">
+                      <a:solidFill>
+                        <a:srgbClr val="000000"/>
+                      </a:solidFill>
+                      <a:miter lim="800000"/>
+                      <a:headEnd/>
+                      <a:tailEnd/>
+                    </a14:hiddenLine>
+                  </a:ext>
+                </a:extLst>
+              </p:spPr>
+            </p:pic>
+            <p:sp>
+              <p:nvSpPr>
+                <p:cNvPr id="27679" name="Text Box 11"/>
+                <p:cNvSpPr txBox="1">
+                  <a:spLocks noChangeArrowheads="1"/>
+                </p:cNvSpPr>
+                <p:nvPr/>
+              </p:nvSpPr>
+              <p:spPr bwMode="auto">
+                <a:xfrm>
+                  <a:off x="1223963" y="1298575"/>
+                  <a:ext cx="1464413" cy="246221"/>
+                </a:xfrm>
+                <a:prstGeom prst="rect">
+                  <a:avLst/>
+                </a:prstGeom>
+                <a:noFill/>
+                <a:ln>
+                  <a:noFill/>
+                </a:ln>
+                <a:extLst>
+                  <a:ext uri="{909E8E84-426E-40dd-AFC4-6F175D3DCCD1}">
+                    <a14:hiddenFill xmlns="" xmlns:a14="http://schemas.microsoft.com/office/drawing/2010/main">
+                      <a:solidFill>
+                        <a:srgbClr val="FFFFFF"/>
+                      </a:solidFill>
+                    </a14:hiddenFill>
+                  </a:ext>
+                  <a:ext uri="{91240B29-F687-4f45-9708-019B960494DF}">
+                    <a14:hiddenLine xmlns="" xmlns:a14="http://schemas.microsoft.com/office/drawing/2010/main" w="9525">
+                      <a:solidFill>
+                        <a:srgbClr val="000000"/>
+                      </a:solidFill>
+                      <a:miter lim="800000"/>
+                      <a:headEnd/>
+                      <a:tailEnd/>
+                    </a14:hiddenLine>
+                  </a:ext>
+                </a:extLst>
+              </p:spPr>
+              <p:txBody>
+                <a:bodyPr wrap="none">
+                  <a:spAutoFit/>
+                </a:bodyPr>
+                <a:lstStyle>
+                  <a:lvl1pPr eaLnBrk="0" hangingPunct="0">
+                    <a:defRPr sz="2400">
+                      <a:solidFill>
+                        <a:schemeClr val="tx1"/>
+                      </a:solidFill>
+                      <a:latin typeface="Arial" charset="0"/>
+                      <a:ea typeface="ＭＳ Ｐゴシック" charset="0"/>
+                      <a:cs typeface="ＭＳ Ｐゴシック" charset="0"/>
+                    </a:defRPr>
+                  </a:lvl1pPr>
+                  <a:lvl2pPr marL="742950" indent="-285750" eaLnBrk="0" hangingPunct="0">
+                    <a:defRPr sz="2400">
+                      <a:solidFill>
+                        <a:schemeClr val="tx1"/>
+                      </a:solidFill>
+                      <a:latin typeface="Arial" charset="0"/>
+                      <a:ea typeface="ＭＳ Ｐゴシック" charset="0"/>
+                    </a:defRPr>
+                  </a:lvl2pPr>
+                  <a:lvl3pPr marL="1143000" indent="-228600" eaLnBrk="0" hangingPunct="0">
+                    <a:defRPr sz="2400">
+                      <a:solidFill>
+                        <a:schemeClr val="tx1"/>
+                      </a:solidFill>
+                      <a:latin typeface="Arial" charset="0"/>
+                      <a:ea typeface="ＭＳ Ｐゴシック" charset="0"/>
+                    </a:defRPr>
+                  </a:lvl3pPr>
+                  <a:lvl4pPr marL="1600200" indent="-228600" eaLnBrk="0" hangingPunct="0">
+                    <a:defRPr sz="2400">
+                      <a:solidFill>
+                        <a:schemeClr val="tx1"/>
+                      </a:solidFill>
+                      <a:latin typeface="Arial" charset="0"/>
+                      <a:ea typeface="ＭＳ Ｐゴシック" charset="0"/>
+                    </a:defRPr>
+                  </a:lvl4pPr>
+                  <a:lvl5pPr marL="2057400" indent="-228600" eaLnBrk="0" hangingPunct="0">
+                    <a:defRPr sz="2400">
+                      <a:solidFill>
+                        <a:schemeClr val="tx1"/>
+                      </a:solidFill>
+                      <a:latin typeface="Arial" charset="0"/>
+                      <a:ea typeface="ＭＳ Ｐゴシック" charset="0"/>
+                    </a:defRPr>
+                  </a:lvl5pPr>
+                  <a:lvl6pPr marL="2514600" indent="-228600" eaLnBrk="0" fontAlgn="base" hangingPunct="0">
+                    <a:spcBef>
+                      <a:spcPct val="0"/>
+                    </a:spcBef>
+                    <a:spcAft>
+                      <a:spcPct val="0"/>
+                    </a:spcAft>
+                    <a:defRPr sz="2400">
+                      <a:solidFill>
+                        <a:schemeClr val="tx1"/>
+                      </a:solidFill>
+                      <a:latin typeface="Arial" charset="0"/>
+                      <a:ea typeface="ＭＳ Ｐゴシック" charset="0"/>
+                    </a:defRPr>
+                  </a:lvl6pPr>
+                  <a:lvl7pPr marL="2971800" indent="-228600" eaLnBrk="0" fontAlgn="base" hangingPunct="0">
+                    <a:spcBef>
+                      <a:spcPct val="0"/>
+                    </a:spcBef>
+                    <a:spcAft>
+                      <a:spcPct val="0"/>
+                    </a:spcAft>
+                    <a:defRPr sz="2400">
+                      <a:solidFill>
+                        <a:schemeClr val="tx1"/>
+                      </a:solidFill>
+                      <a:latin typeface="Arial" charset="0"/>
+                      <a:ea typeface="ＭＳ Ｐゴシック" charset="0"/>
+                    </a:defRPr>
+                  </a:lvl7pPr>
+                  <a:lvl8pPr marL="3429000" indent="-228600" eaLnBrk="0" fontAlgn="base" hangingPunct="0">
+                    <a:spcBef>
+                      <a:spcPct val="0"/>
+                    </a:spcBef>
+                    <a:spcAft>
+                      <a:spcPct val="0"/>
+                    </a:spcAft>
+                    <a:defRPr sz="2400">
+                      <a:solidFill>
+                        <a:schemeClr val="tx1"/>
+                      </a:solidFill>
+                      <a:latin typeface="Arial" charset="0"/>
+                      <a:ea typeface="ＭＳ Ｐゴシック" charset="0"/>
+                    </a:defRPr>
+                  </a:lvl8pPr>
+                  <a:lvl9pPr marL="3886200" indent="-228600" eaLnBrk="0" fontAlgn="base" hangingPunct="0">
+                    <a:spcBef>
+                      <a:spcPct val="0"/>
+                    </a:spcBef>
+                    <a:spcAft>
+                      <a:spcPct val="0"/>
+                    </a:spcAft>
+                    <a:defRPr sz="2400">
+                      <a:solidFill>
+                        <a:schemeClr val="tx1"/>
+                      </a:solidFill>
+                      <a:latin typeface="Arial" charset="0"/>
+                      <a:ea typeface="ＭＳ Ｐゴシック" charset="0"/>
+                    </a:defRPr>
+                  </a:lvl9pPr>
+                </a:lstStyle>
+                <a:p>
+                  <a:pPr eaLnBrk="1" hangingPunct="1"/>
+                  <a:r>
+                    <a:rPr lang="en-US" sz="1000">
+                      <a:latin typeface="Calibri" charset="0"/>
+                    </a:rPr>
+                    <a:t> Yellow	Green</a:t>
+                  </a:r>
+                </a:p>
+              </p:txBody>
+            </p:sp>
+            <p:sp>
+              <p:nvSpPr>
+                <p:cNvPr id="27680" name="Text Box 19"/>
+                <p:cNvSpPr txBox="1">
+                  <a:spLocks noChangeArrowheads="1"/>
+                </p:cNvSpPr>
+                <p:nvPr/>
+              </p:nvSpPr>
+              <p:spPr bwMode="auto">
+                <a:xfrm>
+                  <a:off x="1447800" y="4267200"/>
+                  <a:ext cx="889987" cy="276999"/>
+                </a:xfrm>
+                <a:prstGeom prst="rect">
+                  <a:avLst/>
+                </a:prstGeom>
+                <a:noFill/>
+                <a:ln>
+                  <a:noFill/>
+                </a:ln>
+                <a:extLst>
+                  <a:ext uri="{909E8E84-426E-40dd-AFC4-6F175D3DCCD1}">
+                    <a14:hiddenFill xmlns="" xmlns:a14="http://schemas.microsoft.com/office/drawing/2010/main">
+                      <a:solidFill>
+                        <a:srgbClr val="FFFFFF"/>
+                      </a:solidFill>
+                    </a14:hiddenFill>
+                  </a:ext>
+                  <a:ext uri="{91240B29-F687-4f45-9708-019B960494DF}">
+                    <a14:hiddenLine xmlns="" xmlns:a14="http://schemas.microsoft.com/office/drawing/2010/main" w="9525">
+                      <a:solidFill>
+                        <a:srgbClr val="000000"/>
+                      </a:solidFill>
+                      <a:miter lim="800000"/>
+                      <a:headEnd/>
+                      <a:tailEnd/>
+                    </a14:hiddenLine>
+                  </a:ext>
+                </a:extLst>
+              </p:spPr>
+              <p:txBody>
+                <a:bodyPr wrap="none">
+                  <a:spAutoFit/>
+                </a:bodyPr>
+                <a:lstStyle>
+                  <a:lvl1pPr eaLnBrk="0" hangingPunct="0">
+                    <a:defRPr sz="2400">
+                      <a:solidFill>
+                        <a:schemeClr val="tx1"/>
+                      </a:solidFill>
+                      <a:latin typeface="Arial" charset="0"/>
+                      <a:ea typeface="ＭＳ Ｐゴシック" charset="0"/>
+                      <a:cs typeface="ＭＳ Ｐゴシック" charset="0"/>
+                    </a:defRPr>
+                  </a:lvl1pPr>
+                  <a:lvl2pPr marL="742950" indent="-285750" eaLnBrk="0" hangingPunct="0">
+                    <a:defRPr sz="2400">
+                      <a:solidFill>
+                        <a:schemeClr val="tx1"/>
+                      </a:solidFill>
+                      <a:latin typeface="Arial" charset="0"/>
+                      <a:ea typeface="ＭＳ Ｐゴシック" charset="0"/>
+                    </a:defRPr>
+                  </a:lvl2pPr>
+                  <a:lvl3pPr marL="1143000" indent="-228600" eaLnBrk="0" hangingPunct="0">
+                    <a:defRPr sz="2400">
+                      <a:solidFill>
+                        <a:schemeClr val="tx1"/>
+                      </a:solidFill>
+                      <a:latin typeface="Arial" charset="0"/>
+                      <a:ea typeface="ＭＳ Ｐゴシック" charset="0"/>
+                    </a:defRPr>
+                  </a:lvl3pPr>
+                  <a:lvl4pPr marL="1600200" indent="-228600" eaLnBrk="0" hangingPunct="0">
+                    <a:defRPr sz="2400">
+                      <a:solidFill>
+                        <a:schemeClr val="tx1"/>
+                      </a:solidFill>
+                      <a:latin typeface="Arial" charset="0"/>
+                      <a:ea typeface="ＭＳ Ｐゴシック" charset="0"/>
+                    </a:defRPr>
+                  </a:lvl4pPr>
+                  <a:lvl5pPr marL="2057400" indent="-228600" eaLnBrk="0" hangingPunct="0">
+                    <a:defRPr sz="2400">
+                      <a:solidFill>
+                        <a:schemeClr val="tx1"/>
+                      </a:solidFill>
+                      <a:latin typeface="Arial" charset="0"/>
+                      <a:ea typeface="ＭＳ Ｐゴシック" charset="0"/>
+                    </a:defRPr>
+                  </a:lvl5pPr>
+                  <a:lvl6pPr marL="2514600" indent="-228600" eaLnBrk="0" fontAlgn="base" hangingPunct="0">
+                    <a:spcBef>
+                      <a:spcPct val="0"/>
+                    </a:spcBef>
+                    <a:spcAft>
+                      <a:spcPct val="0"/>
+                    </a:spcAft>
+                    <a:defRPr sz="2400">
+                      <a:solidFill>
+                        <a:schemeClr val="tx1"/>
+                      </a:solidFill>
+                      <a:latin typeface="Arial" charset="0"/>
+                      <a:ea typeface="ＭＳ Ｐゴシック" charset="0"/>
+                    </a:defRPr>
+                  </a:lvl6pPr>
+                  <a:lvl7pPr marL="2971800" indent="-228600" eaLnBrk="0" fontAlgn="base" hangingPunct="0">
+                    <a:spcBef>
+                      <a:spcPct val="0"/>
+                    </a:spcBef>
+                    <a:spcAft>
+                      <a:spcPct val="0"/>
+                    </a:spcAft>
+                    <a:defRPr sz="2400">
+                      <a:solidFill>
+                        <a:schemeClr val="tx1"/>
+                      </a:solidFill>
+                      <a:latin typeface="Arial" charset="0"/>
+                      <a:ea typeface="ＭＳ Ｐゴシック" charset="0"/>
+                    </a:defRPr>
+                  </a:lvl7pPr>
+                  <a:lvl8pPr marL="3429000" indent="-228600" eaLnBrk="0" fontAlgn="base" hangingPunct="0">
+                    <a:spcBef>
+                      <a:spcPct val="0"/>
+                    </a:spcBef>
+                    <a:spcAft>
+                      <a:spcPct val="0"/>
+                    </a:spcAft>
+                    <a:defRPr sz="2400">
+                      <a:solidFill>
+                        <a:schemeClr val="tx1"/>
+                      </a:solidFill>
+                      <a:latin typeface="Arial" charset="0"/>
+                      <a:ea typeface="ＭＳ Ｐゴシック" charset="0"/>
+                    </a:defRPr>
+                  </a:lvl8pPr>
+                  <a:lvl9pPr marL="3886200" indent="-228600" eaLnBrk="0" fontAlgn="base" hangingPunct="0">
+                    <a:spcBef>
+                      <a:spcPct val="0"/>
+                    </a:spcBef>
+                    <a:spcAft>
+                      <a:spcPct val="0"/>
+                    </a:spcAft>
+                    <a:defRPr sz="2400">
+                      <a:solidFill>
+                        <a:schemeClr val="tx1"/>
+                      </a:solidFill>
+                      <a:latin typeface="Arial" charset="0"/>
+                      <a:ea typeface="ＭＳ Ｐゴシック" charset="0"/>
+                    </a:defRPr>
+                  </a:lvl9pPr>
+                </a:lstStyle>
+                <a:p>
+                  <a:pPr eaLnBrk="1" hangingPunct="1"/>
+                  <a:r>
+                    <a:rPr lang="en-US" sz="1200">
+                      <a:latin typeface="Calibri" charset="0"/>
+                    </a:rPr>
+                    <a:t>14 samples</a:t>
+                  </a:r>
+                </a:p>
+              </p:txBody>
+            </p:sp>
+          </p:grpSp>
+          <p:sp>
+            <p:nvSpPr>
+              <p:cNvPr id="27677" name="Line 15"/>
+              <p:cNvSpPr>
+                <a:spLocks noChangeShapeType="1"/>
+              </p:cNvSpPr>
+              <p:nvPr/>
+            </p:nvSpPr>
+            <p:spPr bwMode="auto">
+              <a:xfrm flipH="1">
+                <a:off x="1912938" y="1365250"/>
+                <a:ext cx="0" cy="161925"/>
+              </a:xfrm>
+              <a:prstGeom prst="line">
+                <a:avLst/>
+              </a:prstGeom>
+              <a:noFill/>
+              <a:ln w="9525">
+                <a:solidFill>
+                  <a:schemeClr val="tx1"/>
+                </a:solidFill>
+                <a:round/>
+                <a:headEnd/>
+                <a:tailEnd/>
+              </a:ln>
+              <a:extLst>
+                <a:ext uri="{909E8E84-426E-40dd-AFC4-6F175D3DCCD1}">
+                  <a14:hiddenFill xmlns="" xmlns:a14="http://schemas.microsoft.com/office/drawing/2010/main">
+                    <a:noFill/>
+                  </a14:hiddenFill>
+                </a:ext>
+              </a:extLst>
+            </p:spPr>
+            <p:txBody>
+              <a:bodyPr/>
+              <a:lstStyle/>
+              <a:p>
+                <a:endParaRPr lang="en-US"/>
+              </a:p>
+            </p:txBody>
+          </p:sp>
+        </p:grpSp>
+        <p:sp>
+          <p:nvSpPr>
+            <p:cNvPr id="32" name="Rectangle 31"/>
+            <p:cNvSpPr/>
+            <p:nvPr/>
+          </p:nvSpPr>
+          <p:spPr>
+            <a:xfrm>
+              <a:off x="1143000" y="3200400"/>
+              <a:ext cx="777875" cy="46038"/>
+            </a:xfrm>
+            <a:prstGeom prst="rect">
+              <a:avLst/>
+            </a:prstGeom>
+            <a:solidFill>
+              <a:srgbClr val="FFFF00"/>
+            </a:solidFill>
+            <a:ln w="38100" cap="flat" cmpd="sng" algn="ctr">
+              <a:noFill/>
+              <a:prstDash val="solid"/>
+              <a:round/>
+              <a:headEnd type="none" w="med" len="med"/>
+              <a:tailEnd type="none" w="med" len="med"/>
+            </a:ln>
+            <a:effectLst/>
+          </p:spPr>
+          <p:style>
+            <a:lnRef idx="1">
+              <a:schemeClr val="accent1"/>
+            </a:lnRef>
+            <a:fillRef idx="3">
+              <a:schemeClr val="accent1"/>
+            </a:fillRef>
+            <a:effectRef idx="2">
+              <a:schemeClr val="accent1"/>
+            </a:effectRef>
+            <a:fontRef idx="minor">
+              <a:schemeClr val="lt1"/>
+            </a:fontRef>
+          </p:style>
+          <p:txBody>
+            <a:bodyPr anchor="ctr"/>
+            <a:lstStyle/>
+            <a:p>
+              <a:pPr algn="ctr">
+                <a:defRPr/>
+              </a:pPr>
+              <a:endParaRPr lang="en-US"/>
+            </a:p>
+          </p:txBody>
+        </p:sp>
+        <p:sp>
+          <p:nvSpPr>
+            <p:cNvPr id="36" name="Rectangle 35"/>
+            <p:cNvSpPr/>
+            <p:nvPr/>
+          </p:nvSpPr>
+          <p:spPr>
+            <a:xfrm>
+              <a:off x="1911350" y="3200400"/>
+              <a:ext cx="776288" cy="46038"/>
+            </a:xfrm>
+            <a:prstGeom prst="rect">
+              <a:avLst/>
+            </a:prstGeom>
+            <a:solidFill>
+              <a:srgbClr val="008000"/>
+            </a:solidFill>
+            <a:ln w="38100" cap="flat" cmpd="sng" algn="ctr">
+              <a:noFill/>
+              <a:prstDash val="solid"/>
+              <a:round/>
+              <a:headEnd type="none" w="med" len="med"/>
+              <a:tailEnd type="none" w="med" len="med"/>
+            </a:ln>
+            <a:effectLst/>
+          </p:spPr>
+          <p:style>
+            <a:lnRef idx="1">
+              <a:schemeClr val="accent1"/>
+            </a:lnRef>
+            <a:fillRef idx="3">
+              <a:schemeClr val="accent1"/>
+            </a:fillRef>
+            <a:effectRef idx="2">
+              <a:schemeClr val="accent1"/>
+            </a:effectRef>
+            <a:fontRef idx="minor">
+              <a:schemeClr val="lt1"/>
+            </a:fontRef>
+          </p:style>
+          <p:txBody>
+            <a:bodyPr anchor="ctr"/>
+            <a:lstStyle/>
+            <a:p>
+              <a:pPr algn="ctr">
+                <a:defRPr/>
+              </a:pPr>
+              <a:endParaRPr lang="en-US"/>
+            </a:p>
+          </p:txBody>
+        </p:sp>
+      </p:grpSp>
       <p:grpSp>
         <p:nvGrpSpPr>
           <p:cNvPr id="27653" name="Group 36"/>
@@ -19277,7 +21364,7 @@
         </p:nvGrpSpPr>
         <p:grpSpPr bwMode="auto">
           <a:xfrm>
-            <a:off x="76200" y="2971800"/>
+            <a:off x="8129587" y="3075781"/>
             <a:ext cx="1014413" cy="3473450"/>
             <a:chOff x="76200" y="2971800"/>
             <a:chExt cx="1013969" cy="3473450"/>
@@ -19308,7 +21395,7 @@
               <p:nvPr/>
             </p:nvPicPr>
             <p:blipFill>
-              <a:blip r:embed="rId3" cstate="email">
+              <a:blip r:embed="rId6" cstate="email">
                 <a:extLst>
                   <a:ext uri="{28A0092B-C50C-407E-A947-70E740481C1C}">
                     <a14:useLocalDpi xmlns:a14="http://schemas.microsoft.com/office/drawing/2010/main" val="0"/>
@@ -19334,14 +21421,14 @@
               </a:ln>
               <a:extLst>
                 <a:ext uri="{909E8E84-426E-40dd-AFC4-6F175D3DCCD1}">
-                  <a14:hiddenFill xmlns:a14="http://schemas.microsoft.com/office/drawing/2010/main" xmlns="">
+                  <a14:hiddenFill xmlns="" xmlns:a14="http://schemas.microsoft.com/office/drawing/2010/main">
                     <a:solidFill>
                       <a:srgbClr val="FFFFFF"/>
                     </a:solidFill>
                   </a14:hiddenFill>
                 </a:ext>
                 <a:ext uri="{91240B29-F687-4f45-9708-019B960494DF}">
-                  <a14:hiddenLine xmlns:a14="http://schemas.microsoft.com/office/drawing/2010/main" xmlns="" w="9525">
+                  <a14:hiddenLine xmlns="" xmlns:a14="http://schemas.microsoft.com/office/drawing/2010/main" w="9525">
                     <a:solidFill>
                       <a:srgbClr val="000000"/>
                     </a:solidFill>
@@ -19375,14 +21462,14 @@
               </a:ln>
               <a:extLst>
                 <a:ext uri="{909E8E84-426E-40dd-AFC4-6F175D3DCCD1}">
-                  <a14:hiddenFill xmlns:a14="http://schemas.microsoft.com/office/drawing/2010/main" xmlns="">
+                  <a14:hiddenFill xmlns="" xmlns:a14="http://schemas.microsoft.com/office/drawing/2010/main">
                     <a:solidFill>
                       <a:srgbClr val="FFFFFF"/>
                     </a:solidFill>
                   </a14:hiddenFill>
                 </a:ext>
                 <a:ext uri="{91240B29-F687-4f45-9708-019B960494DF}">
-                  <a14:hiddenLine xmlns:a14="http://schemas.microsoft.com/office/drawing/2010/main" xmlns="" w="9525">
+                  <a14:hiddenLine xmlns="" xmlns:a14="http://schemas.microsoft.com/office/drawing/2010/main" w="9525">
                     <a:solidFill>
                       <a:srgbClr val="000000"/>
                     </a:solidFill>
@@ -19543,7 +21630,7 @@
               </a:ln>
               <a:extLst>
                 <a:ext uri="{909E8E84-426E-40dd-AFC4-6F175D3DCCD1}">
-                  <a14:hiddenFill xmlns:a14="http://schemas.microsoft.com/office/drawing/2010/main" xmlns="">
+                  <a14:hiddenFill xmlns="" xmlns:a14="http://schemas.microsoft.com/office/drawing/2010/main">
                     <a:noFill/>
                   </a14:hiddenFill>
                 </a:ext>
@@ -19579,14 +21666,14 @@
               </a:ln>
               <a:extLst>
                 <a:ext uri="{909E8E84-426E-40dd-AFC4-6F175D3DCCD1}">
-                  <a14:hiddenFill xmlns:a14="http://schemas.microsoft.com/office/drawing/2010/main" xmlns="">
+                  <a14:hiddenFill xmlns="" xmlns:a14="http://schemas.microsoft.com/office/drawing/2010/main">
                     <a:solidFill>
                       <a:srgbClr val="FFFFFF"/>
                     </a:solidFill>
                   </a14:hiddenFill>
                 </a:ext>
                 <a:ext uri="{91240B29-F687-4f45-9708-019B960494DF}">
-                  <a14:hiddenLine xmlns:a14="http://schemas.microsoft.com/office/drawing/2010/main" xmlns="" w="9525">
+                  <a14:hiddenLine xmlns="" xmlns:a14="http://schemas.microsoft.com/office/drawing/2010/main" w="9525">
                     <a:solidFill>
                       <a:srgbClr val="000000"/>
                     </a:solidFill>
@@ -19824,1729 +21911,142 @@
           </p:txBody>
         </p:sp>
       </p:grpSp>
-      <p:grpSp>
-        <p:nvGrpSpPr>
-          <p:cNvPr id="27654" name="Group 37"/>
-          <p:cNvGrpSpPr>
-            <a:grpSpLocks/>
-          </p:cNvGrpSpPr>
+      <p:sp>
+        <p:nvSpPr>
+          <p:cNvPr id="4" name="TextBox 3">
+            <a:extLst>
+              <a:ext uri="{FF2B5EF4-FFF2-40B4-BE49-F238E27FC236}">
+                <a16:creationId xmlns:a16="http://schemas.microsoft.com/office/drawing/2014/main" id="{8D7772B2-7591-F849-A160-18BA72DCB4B1}"/>
+              </a:ext>
+            </a:extLst>
+          </p:cNvPr>
+          <p:cNvSpPr txBox="1"/>
           <p:nvPr/>
-        </p:nvGrpSpPr>
-        <p:grpSpPr bwMode="auto">
+        </p:nvSpPr>
+        <p:spPr>
           <a:xfrm>
-            <a:off x="1130300" y="2971800"/>
-            <a:ext cx="1593850" cy="3473450"/>
-            <a:chOff x="1130300" y="2971800"/>
-            <a:chExt cx="1593850" cy="3473450"/>
+            <a:off x="952500" y="909935"/>
+            <a:ext cx="6498895" cy="461665"/>
           </a:xfrm>
-        </p:grpSpPr>
-        <p:grpSp>
-          <p:nvGrpSpPr>
-            <p:cNvPr id="27673" name="Group 31"/>
-            <p:cNvGrpSpPr>
-              <a:grpSpLocks/>
-            </p:cNvGrpSpPr>
-            <p:nvPr/>
-          </p:nvGrpSpPr>
-          <p:grpSpPr bwMode="auto">
-            <a:xfrm>
-              <a:off x="1130300" y="2971800"/>
-              <a:ext cx="1593850" cy="3473450"/>
-              <a:chOff x="1130300" y="1298575"/>
-              <a:chExt cx="1593850" cy="3473451"/>
-            </a:xfrm>
-          </p:grpSpPr>
-          <p:grpSp>
-            <p:nvGrpSpPr>
-              <p:cNvPr id="27676" name="Group 28"/>
-              <p:cNvGrpSpPr>
-                <a:grpSpLocks/>
-              </p:cNvGrpSpPr>
-              <p:nvPr/>
-            </p:nvGrpSpPr>
-            <p:grpSpPr bwMode="auto">
-              <a:xfrm>
-                <a:off x="1130300" y="1298575"/>
-                <a:ext cx="1593850" cy="3473451"/>
-                <a:chOff x="1130300" y="1298575"/>
-                <a:chExt cx="1593850" cy="3473451"/>
-              </a:xfrm>
-            </p:grpSpPr>
-            <p:pic>
-              <p:nvPicPr>
-                <p:cNvPr id="27678" name="Picture 8" descr="heatmap"/>
-                <p:cNvPicPr>
-                  <a:picLocks noChangeAspect="1" noChangeArrowheads="1"/>
-                </p:cNvPicPr>
-                <p:nvPr/>
-              </p:nvPicPr>
-              <p:blipFill>
-                <a:blip r:embed="rId4" cstate="email">
-                  <a:extLst>
-                    <a:ext uri="{28A0092B-C50C-407E-A947-70E740481C1C}">
-                      <a14:useLocalDpi xmlns:a14="http://schemas.microsoft.com/office/drawing/2010/main" val="0"/>
-                    </a:ext>
-                  </a:extLst>
-                </a:blip>
-                <a:srcRect r="14166"/>
-                <a:stretch>
-                  <a:fillRect/>
-                </a:stretch>
-              </p:blipFill>
-              <p:spPr bwMode="auto">
-                <a:xfrm>
-                  <a:off x="1130300" y="1490663"/>
-                  <a:ext cx="1593850" cy="3281363"/>
-                </a:xfrm>
-                <a:prstGeom prst="rect">
-                  <a:avLst/>
-                </a:prstGeom>
-                <a:noFill/>
-                <a:ln>
-                  <a:noFill/>
-                </a:ln>
-                <a:extLst>
-                  <a:ext uri="{909E8E84-426E-40dd-AFC4-6F175D3DCCD1}">
-                    <a14:hiddenFill xmlns:a14="http://schemas.microsoft.com/office/drawing/2010/main" xmlns="">
-                      <a:solidFill>
-                        <a:srgbClr val="FFFFFF"/>
-                      </a:solidFill>
-                    </a14:hiddenFill>
-                  </a:ext>
-                  <a:ext uri="{91240B29-F687-4f45-9708-019B960494DF}">
-                    <a14:hiddenLine xmlns:a14="http://schemas.microsoft.com/office/drawing/2010/main" xmlns="" w="9525">
-                      <a:solidFill>
-                        <a:srgbClr val="000000"/>
-                      </a:solidFill>
-                      <a:miter lim="800000"/>
-                      <a:headEnd/>
-                      <a:tailEnd/>
-                    </a14:hiddenLine>
-                  </a:ext>
-                </a:extLst>
-              </p:spPr>
-            </p:pic>
-            <p:sp>
-              <p:nvSpPr>
-                <p:cNvPr id="27679" name="Text Box 11"/>
-                <p:cNvSpPr txBox="1">
-                  <a:spLocks noChangeArrowheads="1"/>
-                </p:cNvSpPr>
-                <p:nvPr/>
-              </p:nvSpPr>
-              <p:spPr bwMode="auto">
-                <a:xfrm>
-                  <a:off x="1223963" y="1298575"/>
-                  <a:ext cx="1464413" cy="246221"/>
-                </a:xfrm>
-                <a:prstGeom prst="rect">
-                  <a:avLst/>
-                </a:prstGeom>
-                <a:noFill/>
-                <a:ln>
-                  <a:noFill/>
-                </a:ln>
-                <a:extLst>
-                  <a:ext uri="{909E8E84-426E-40dd-AFC4-6F175D3DCCD1}">
-                    <a14:hiddenFill xmlns:a14="http://schemas.microsoft.com/office/drawing/2010/main" xmlns="">
-                      <a:solidFill>
-                        <a:srgbClr val="FFFFFF"/>
-                      </a:solidFill>
-                    </a14:hiddenFill>
-                  </a:ext>
-                  <a:ext uri="{91240B29-F687-4f45-9708-019B960494DF}">
-                    <a14:hiddenLine xmlns:a14="http://schemas.microsoft.com/office/drawing/2010/main" xmlns="" w="9525">
-                      <a:solidFill>
-                        <a:srgbClr val="000000"/>
-                      </a:solidFill>
-                      <a:miter lim="800000"/>
-                      <a:headEnd/>
-                      <a:tailEnd/>
-                    </a14:hiddenLine>
-                  </a:ext>
-                </a:extLst>
-              </p:spPr>
-              <p:txBody>
-                <a:bodyPr wrap="none">
-                  <a:spAutoFit/>
-                </a:bodyPr>
-                <a:lstStyle>
-                  <a:lvl1pPr eaLnBrk="0" hangingPunct="0">
-                    <a:defRPr sz="2400">
-                      <a:solidFill>
-                        <a:schemeClr val="tx1"/>
-                      </a:solidFill>
-                      <a:latin typeface="Arial" charset="0"/>
-                      <a:ea typeface="ＭＳ Ｐゴシック" charset="0"/>
-                      <a:cs typeface="ＭＳ Ｐゴシック" charset="0"/>
-                    </a:defRPr>
-                  </a:lvl1pPr>
-                  <a:lvl2pPr marL="742950" indent="-285750" eaLnBrk="0" hangingPunct="0">
-                    <a:defRPr sz="2400">
-                      <a:solidFill>
-                        <a:schemeClr val="tx1"/>
-                      </a:solidFill>
-                      <a:latin typeface="Arial" charset="0"/>
-                      <a:ea typeface="ＭＳ Ｐゴシック" charset="0"/>
-                    </a:defRPr>
-                  </a:lvl2pPr>
-                  <a:lvl3pPr marL="1143000" indent="-228600" eaLnBrk="0" hangingPunct="0">
-                    <a:defRPr sz="2400">
-                      <a:solidFill>
-                        <a:schemeClr val="tx1"/>
-                      </a:solidFill>
-                      <a:latin typeface="Arial" charset="0"/>
-                      <a:ea typeface="ＭＳ Ｐゴシック" charset="0"/>
-                    </a:defRPr>
-                  </a:lvl3pPr>
-                  <a:lvl4pPr marL="1600200" indent="-228600" eaLnBrk="0" hangingPunct="0">
-                    <a:defRPr sz="2400">
-                      <a:solidFill>
-                        <a:schemeClr val="tx1"/>
-                      </a:solidFill>
-                      <a:latin typeface="Arial" charset="0"/>
-                      <a:ea typeface="ＭＳ Ｐゴシック" charset="0"/>
-                    </a:defRPr>
-                  </a:lvl4pPr>
-                  <a:lvl5pPr marL="2057400" indent="-228600" eaLnBrk="0" hangingPunct="0">
-                    <a:defRPr sz="2400">
-                      <a:solidFill>
-                        <a:schemeClr val="tx1"/>
-                      </a:solidFill>
-                      <a:latin typeface="Arial" charset="0"/>
-                      <a:ea typeface="ＭＳ Ｐゴシック" charset="0"/>
-                    </a:defRPr>
-                  </a:lvl5pPr>
-                  <a:lvl6pPr marL="2514600" indent="-228600" eaLnBrk="0" fontAlgn="base" hangingPunct="0">
-                    <a:spcBef>
-                      <a:spcPct val="0"/>
-                    </a:spcBef>
-                    <a:spcAft>
-                      <a:spcPct val="0"/>
-                    </a:spcAft>
-                    <a:defRPr sz="2400">
-                      <a:solidFill>
-                        <a:schemeClr val="tx1"/>
-                      </a:solidFill>
-                      <a:latin typeface="Arial" charset="0"/>
-                      <a:ea typeface="ＭＳ Ｐゴシック" charset="0"/>
-                    </a:defRPr>
-                  </a:lvl6pPr>
-                  <a:lvl7pPr marL="2971800" indent="-228600" eaLnBrk="0" fontAlgn="base" hangingPunct="0">
-                    <a:spcBef>
-                      <a:spcPct val="0"/>
-                    </a:spcBef>
-                    <a:spcAft>
-                      <a:spcPct val="0"/>
-                    </a:spcAft>
-                    <a:defRPr sz="2400">
-                      <a:solidFill>
-                        <a:schemeClr val="tx1"/>
-                      </a:solidFill>
-                      <a:latin typeface="Arial" charset="0"/>
-                      <a:ea typeface="ＭＳ Ｐゴシック" charset="0"/>
-                    </a:defRPr>
-                  </a:lvl7pPr>
-                  <a:lvl8pPr marL="3429000" indent="-228600" eaLnBrk="0" fontAlgn="base" hangingPunct="0">
-                    <a:spcBef>
-                      <a:spcPct val="0"/>
-                    </a:spcBef>
-                    <a:spcAft>
-                      <a:spcPct val="0"/>
-                    </a:spcAft>
-                    <a:defRPr sz="2400">
-                      <a:solidFill>
-                        <a:schemeClr val="tx1"/>
-                      </a:solidFill>
-                      <a:latin typeface="Arial" charset="0"/>
-                      <a:ea typeface="ＭＳ Ｐゴシック" charset="0"/>
-                    </a:defRPr>
-                  </a:lvl8pPr>
-                  <a:lvl9pPr marL="3886200" indent="-228600" eaLnBrk="0" fontAlgn="base" hangingPunct="0">
-                    <a:spcBef>
-                      <a:spcPct val="0"/>
-                    </a:spcBef>
-                    <a:spcAft>
-                      <a:spcPct val="0"/>
-                    </a:spcAft>
-                    <a:defRPr sz="2400">
-                      <a:solidFill>
-                        <a:schemeClr val="tx1"/>
-                      </a:solidFill>
-                      <a:latin typeface="Arial" charset="0"/>
-                      <a:ea typeface="ＭＳ Ｐゴシック" charset="0"/>
-                    </a:defRPr>
-                  </a:lvl9pPr>
-                </a:lstStyle>
-                <a:p>
-                  <a:pPr eaLnBrk="1" hangingPunct="1"/>
-                  <a:r>
-                    <a:rPr lang="en-US" sz="1000">
-                      <a:latin typeface="Calibri" charset="0"/>
-                    </a:rPr>
-                    <a:t> Yellow	Green</a:t>
-                  </a:r>
-                </a:p>
-              </p:txBody>
-            </p:sp>
-            <p:sp>
-              <p:nvSpPr>
-                <p:cNvPr id="27680" name="Text Box 19"/>
-                <p:cNvSpPr txBox="1">
-                  <a:spLocks noChangeArrowheads="1"/>
-                </p:cNvSpPr>
-                <p:nvPr/>
-              </p:nvSpPr>
-              <p:spPr bwMode="auto">
-                <a:xfrm>
-                  <a:off x="1447800" y="4267200"/>
-                  <a:ext cx="889987" cy="276999"/>
-                </a:xfrm>
-                <a:prstGeom prst="rect">
-                  <a:avLst/>
-                </a:prstGeom>
-                <a:noFill/>
-                <a:ln>
-                  <a:noFill/>
-                </a:ln>
-                <a:extLst>
-                  <a:ext uri="{909E8E84-426E-40dd-AFC4-6F175D3DCCD1}">
-                    <a14:hiddenFill xmlns:a14="http://schemas.microsoft.com/office/drawing/2010/main" xmlns="">
-                      <a:solidFill>
-                        <a:srgbClr val="FFFFFF"/>
-                      </a:solidFill>
-                    </a14:hiddenFill>
-                  </a:ext>
-                  <a:ext uri="{91240B29-F687-4f45-9708-019B960494DF}">
-                    <a14:hiddenLine xmlns:a14="http://schemas.microsoft.com/office/drawing/2010/main" xmlns="" w="9525">
-                      <a:solidFill>
-                        <a:srgbClr val="000000"/>
-                      </a:solidFill>
-                      <a:miter lim="800000"/>
-                      <a:headEnd/>
-                      <a:tailEnd/>
-                    </a14:hiddenLine>
-                  </a:ext>
-                </a:extLst>
-              </p:spPr>
-              <p:txBody>
-                <a:bodyPr wrap="none">
-                  <a:spAutoFit/>
-                </a:bodyPr>
-                <a:lstStyle>
-                  <a:lvl1pPr eaLnBrk="0" hangingPunct="0">
-                    <a:defRPr sz="2400">
-                      <a:solidFill>
-                        <a:schemeClr val="tx1"/>
-                      </a:solidFill>
-                      <a:latin typeface="Arial" charset="0"/>
-                      <a:ea typeface="ＭＳ Ｐゴシック" charset="0"/>
-                      <a:cs typeface="ＭＳ Ｐゴシック" charset="0"/>
-                    </a:defRPr>
-                  </a:lvl1pPr>
-                  <a:lvl2pPr marL="742950" indent="-285750" eaLnBrk="0" hangingPunct="0">
-                    <a:defRPr sz="2400">
-                      <a:solidFill>
-                        <a:schemeClr val="tx1"/>
-                      </a:solidFill>
-                      <a:latin typeface="Arial" charset="0"/>
-                      <a:ea typeface="ＭＳ Ｐゴシック" charset="0"/>
-                    </a:defRPr>
-                  </a:lvl2pPr>
-                  <a:lvl3pPr marL="1143000" indent="-228600" eaLnBrk="0" hangingPunct="0">
-                    <a:defRPr sz="2400">
-                      <a:solidFill>
-                        <a:schemeClr val="tx1"/>
-                      </a:solidFill>
-                      <a:latin typeface="Arial" charset="0"/>
-                      <a:ea typeface="ＭＳ Ｐゴシック" charset="0"/>
-                    </a:defRPr>
-                  </a:lvl3pPr>
-                  <a:lvl4pPr marL="1600200" indent="-228600" eaLnBrk="0" hangingPunct="0">
-                    <a:defRPr sz="2400">
-                      <a:solidFill>
-                        <a:schemeClr val="tx1"/>
-                      </a:solidFill>
-                      <a:latin typeface="Arial" charset="0"/>
-                      <a:ea typeface="ＭＳ Ｐゴシック" charset="0"/>
-                    </a:defRPr>
-                  </a:lvl4pPr>
-                  <a:lvl5pPr marL="2057400" indent="-228600" eaLnBrk="0" hangingPunct="0">
-                    <a:defRPr sz="2400">
-                      <a:solidFill>
-                        <a:schemeClr val="tx1"/>
-                      </a:solidFill>
-                      <a:latin typeface="Arial" charset="0"/>
-                      <a:ea typeface="ＭＳ Ｐゴシック" charset="0"/>
-                    </a:defRPr>
-                  </a:lvl5pPr>
-                  <a:lvl6pPr marL="2514600" indent="-228600" eaLnBrk="0" fontAlgn="base" hangingPunct="0">
-                    <a:spcBef>
-                      <a:spcPct val="0"/>
-                    </a:spcBef>
-                    <a:spcAft>
-                      <a:spcPct val="0"/>
-                    </a:spcAft>
-                    <a:defRPr sz="2400">
-                      <a:solidFill>
-                        <a:schemeClr val="tx1"/>
-                      </a:solidFill>
-                      <a:latin typeface="Arial" charset="0"/>
-                      <a:ea typeface="ＭＳ Ｐゴシック" charset="0"/>
-                    </a:defRPr>
-                  </a:lvl6pPr>
-                  <a:lvl7pPr marL="2971800" indent="-228600" eaLnBrk="0" fontAlgn="base" hangingPunct="0">
-                    <a:spcBef>
-                      <a:spcPct val="0"/>
-                    </a:spcBef>
-                    <a:spcAft>
-                      <a:spcPct val="0"/>
-                    </a:spcAft>
-                    <a:defRPr sz="2400">
-                      <a:solidFill>
-                        <a:schemeClr val="tx1"/>
-                      </a:solidFill>
-                      <a:latin typeface="Arial" charset="0"/>
-                      <a:ea typeface="ＭＳ Ｐゴシック" charset="0"/>
-                    </a:defRPr>
-                  </a:lvl7pPr>
-                  <a:lvl8pPr marL="3429000" indent="-228600" eaLnBrk="0" fontAlgn="base" hangingPunct="0">
-                    <a:spcBef>
-                      <a:spcPct val="0"/>
-                    </a:spcBef>
-                    <a:spcAft>
-                      <a:spcPct val="0"/>
-                    </a:spcAft>
-                    <a:defRPr sz="2400">
-                      <a:solidFill>
-                        <a:schemeClr val="tx1"/>
-                      </a:solidFill>
-                      <a:latin typeface="Arial" charset="0"/>
-                      <a:ea typeface="ＭＳ Ｐゴシック" charset="0"/>
-                    </a:defRPr>
-                  </a:lvl8pPr>
-                  <a:lvl9pPr marL="3886200" indent="-228600" eaLnBrk="0" fontAlgn="base" hangingPunct="0">
-                    <a:spcBef>
-                      <a:spcPct val="0"/>
-                    </a:spcBef>
-                    <a:spcAft>
-                      <a:spcPct val="0"/>
-                    </a:spcAft>
-                    <a:defRPr sz="2400">
-                      <a:solidFill>
-                        <a:schemeClr val="tx1"/>
-                      </a:solidFill>
-                      <a:latin typeface="Arial" charset="0"/>
-                      <a:ea typeface="ＭＳ Ｐゴシック" charset="0"/>
-                    </a:defRPr>
-                  </a:lvl9pPr>
-                </a:lstStyle>
-                <a:p>
-                  <a:pPr eaLnBrk="1" hangingPunct="1"/>
-                  <a:r>
-                    <a:rPr lang="en-US" sz="1200">
-                      <a:latin typeface="Calibri" charset="0"/>
-                    </a:rPr>
-                    <a:t>14 samples</a:t>
-                  </a:r>
-                </a:p>
-              </p:txBody>
-            </p:sp>
-          </p:grpSp>
-          <p:sp>
-            <p:nvSpPr>
-              <p:cNvPr id="27677" name="Line 15"/>
-              <p:cNvSpPr>
-                <a:spLocks noChangeShapeType="1"/>
-              </p:cNvSpPr>
-              <p:nvPr/>
-            </p:nvSpPr>
-            <p:spPr bwMode="auto">
-              <a:xfrm flipH="1">
-                <a:off x="1912938" y="1365250"/>
-                <a:ext cx="0" cy="161925"/>
-              </a:xfrm>
-              <a:prstGeom prst="line">
-                <a:avLst/>
-              </a:prstGeom>
-              <a:noFill/>
-              <a:ln w="9525">
-                <a:solidFill>
-                  <a:schemeClr val="tx1"/>
-                </a:solidFill>
-                <a:round/>
+          <a:prstGeom prst="rect">
+            <a:avLst/>
+          </a:prstGeom>
+          <a:noFill/>
+        </p:spPr>
+        <p:txBody>
+          <a:bodyPr wrap="none" rtlCol="0">
+            <a:spAutoFit/>
+          </a:bodyPr>
+          <a:lstStyle/>
+          <a:p>
+            <a:r>
+              <a:rPr lang="en-US" dirty="0"/>
+              <a:t>Exercise: select markers for random samples</a:t>
+            </a:r>
+          </a:p>
+        </p:txBody>
+      </p:sp>
+      <p:sp>
+        <p:nvSpPr>
+          <p:cNvPr id="27652" name="Rectangle 29"/>
+          <p:cNvSpPr>
+            <a:spLocks noChangeArrowheads="1"/>
+          </p:cNvSpPr>
+          <p:nvPr/>
+        </p:nvSpPr>
+        <p:spPr bwMode="auto">
+          <a:xfrm>
+            <a:off x="228600" y="6365875"/>
+            <a:ext cx="8763000" cy="415925"/>
+          </a:xfrm>
+          <a:prstGeom prst="rect">
+            <a:avLst/>
+          </a:prstGeom>
+          <a:noFill/>
+          <a:ln>
+            <a:noFill/>
+          </a:ln>
+          <a:extLst>
+            <a:ext uri="{909E8E84-426E-40dd-AFC4-6F175D3DCCD1}">
+              <a14:hiddenFill xmlns="" xmlns:a14="http://schemas.microsoft.com/office/drawing/2010/main">
+                <a:solidFill>
+                  <a:srgbClr val="FFFFFF"/>
+                </a:solidFill>
+              </a14:hiddenFill>
+            </a:ext>
+            <a:ext uri="{91240B29-F687-4f45-9708-019B960494DF}">
+              <a14:hiddenLine xmlns="" xmlns:a14="http://schemas.microsoft.com/office/drawing/2010/main" w="9525">
+                <a:solidFill>
+                  <a:srgbClr val="000000"/>
+                </a:solidFill>
+                <a:miter lim="800000"/>
                 <a:headEnd/>
                 <a:tailEnd/>
-              </a:ln>
-              <a:extLst>
-                <a:ext uri="{909E8E84-426E-40dd-AFC4-6F175D3DCCD1}">
-                  <a14:hiddenFill xmlns:a14="http://schemas.microsoft.com/office/drawing/2010/main" xmlns="">
-                    <a:noFill/>
-                  </a14:hiddenFill>
-                </a:ext>
-              </a:extLst>
-            </p:spPr>
-            <p:txBody>
-              <a:bodyPr/>
-              <a:lstStyle/>
-              <a:p>
-                <a:endParaRPr lang="en-US"/>
-              </a:p>
-            </p:txBody>
-          </p:sp>
-        </p:grpSp>
-        <p:sp>
-          <p:nvSpPr>
-            <p:cNvPr id="32" name="Rectangle 31"/>
-            <p:cNvSpPr/>
-            <p:nvPr/>
-          </p:nvSpPr>
-          <p:spPr>
-            <a:xfrm>
-              <a:off x="1143000" y="3200400"/>
-              <a:ext cx="777875" cy="46038"/>
-            </a:xfrm>
-            <a:prstGeom prst="rect">
-              <a:avLst/>
-            </a:prstGeom>
-            <a:solidFill>
-              <a:srgbClr val="FFFF00"/>
-            </a:solidFill>
-            <a:ln w="38100" cap="flat" cmpd="sng" algn="ctr">
-              <a:noFill/>
-              <a:prstDash val="solid"/>
-              <a:round/>
-              <a:headEnd type="none" w="med" len="med"/>
-              <a:tailEnd type="none" w="med" len="med"/>
-            </a:ln>
-            <a:effectLst/>
-          </p:spPr>
-          <p:style>
-            <a:lnRef idx="1">
-              <a:schemeClr val="accent1"/>
-            </a:lnRef>
-            <a:fillRef idx="3">
-              <a:schemeClr val="accent1"/>
-            </a:fillRef>
-            <a:effectRef idx="2">
-              <a:schemeClr val="accent1"/>
-            </a:effectRef>
-            <a:fontRef idx="minor">
-              <a:schemeClr val="lt1"/>
-            </a:fontRef>
-          </p:style>
-          <p:txBody>
-            <a:bodyPr anchor="ctr"/>
-            <a:lstStyle/>
-            <a:p>
-              <a:pPr algn="ctr">
+              </a14:hiddenLine>
+            </a:ext>
+          </a:extLst>
+        </p:spPr>
+        <p:txBody>
+          <a:bodyPr>
+            <a:spAutoFit/>
+          </a:bodyPr>
+          <a:lstStyle/>
+          <a:p>
+            <a:pPr algn="ctr"/>
+            <a:r>
+              <a:rPr lang="en-US" sz="2100" dirty="0">
+                <a:latin typeface="Calibri" charset="0"/>
+              </a:rPr>
+              <a:t>With small sample size it is easy to find genes considered significant by chance!</a:t>
+            </a:r>
+          </a:p>
+        </p:txBody>
+      </p:sp>
+      <p:sp>
+        <p:nvSpPr>
+          <p:cNvPr id="5" name="Slide Number Placeholder 4">
+            <a:extLst>
+              <a:ext uri="{FF2B5EF4-FFF2-40B4-BE49-F238E27FC236}">
+                <a16:creationId xmlns:a16="http://schemas.microsoft.com/office/drawing/2014/main" id="{32207109-DE67-3448-AE7F-C0612ED19B66}"/>
+              </a:ext>
+            </a:extLst>
+          </p:cNvPr>
+          <p:cNvSpPr>
+            <a:spLocks noGrp="1"/>
+          </p:cNvSpPr>
+          <p:nvPr>
+            <p:ph type="sldNum" sz="quarter" idx="12"/>
+          </p:nvPr>
+        </p:nvSpPr>
+        <p:spPr/>
+        <p:txBody>
+          <a:bodyPr/>
+          <a:lstStyle/>
+          <a:p>
+            <a:pPr>
+              <a:defRPr/>
+            </a:pPr>
+            <a:fld id="{9BAA833E-05C9-0B46-8736-69229DC0BBB0}" type="slidenum">
+              <a:rPr lang="en-US" smtClean="0"/>
+              <a:pPr>
                 <a:defRPr/>
               </a:pPr>
-              <a:endParaRPr lang="en-US"/>
-            </a:p>
-          </p:txBody>
-        </p:sp>
-        <p:sp>
-          <p:nvSpPr>
-            <p:cNvPr id="36" name="Rectangle 35"/>
-            <p:cNvSpPr/>
-            <p:nvPr/>
-          </p:nvSpPr>
-          <p:spPr>
-            <a:xfrm>
-              <a:off x="1911350" y="3200400"/>
-              <a:ext cx="776288" cy="46038"/>
-            </a:xfrm>
-            <a:prstGeom prst="rect">
-              <a:avLst/>
-            </a:prstGeom>
-            <a:solidFill>
-              <a:srgbClr val="008000"/>
-            </a:solidFill>
-            <a:ln w="38100" cap="flat" cmpd="sng" algn="ctr">
-              <a:noFill/>
-              <a:prstDash val="solid"/>
-              <a:round/>
-              <a:headEnd type="none" w="med" len="med"/>
-              <a:tailEnd type="none" w="med" len="med"/>
-            </a:ln>
-            <a:effectLst/>
-          </p:spPr>
-          <p:style>
-            <a:lnRef idx="1">
-              <a:schemeClr val="accent1"/>
-            </a:lnRef>
-            <a:fillRef idx="3">
-              <a:schemeClr val="accent1"/>
-            </a:fillRef>
-            <a:effectRef idx="2">
-              <a:schemeClr val="accent1"/>
-            </a:effectRef>
-            <a:fontRef idx="minor">
-              <a:schemeClr val="lt1"/>
-            </a:fontRef>
-          </p:style>
-          <p:txBody>
-            <a:bodyPr anchor="ctr"/>
-            <a:lstStyle/>
-            <a:p>
-              <a:pPr algn="ctr">
-                <a:defRPr/>
-              </a:pPr>
-              <a:endParaRPr lang="en-US"/>
-            </a:p>
-          </p:txBody>
-        </p:sp>
-      </p:grpSp>
-      <p:grpSp>
-        <p:nvGrpSpPr>
-          <p:cNvPr id="27655" name="Group 39"/>
-          <p:cNvGrpSpPr>
-            <a:grpSpLocks/>
-          </p:cNvGrpSpPr>
-          <p:nvPr/>
-        </p:nvGrpSpPr>
-        <p:grpSpPr bwMode="auto">
-          <a:xfrm>
-            <a:off x="2743200" y="2971800"/>
-            <a:ext cx="2387600" cy="3473450"/>
-            <a:chOff x="2743200" y="2971800"/>
-            <a:chExt cx="2387600" cy="3473450"/>
-          </a:xfrm>
-        </p:grpSpPr>
-        <p:grpSp>
-          <p:nvGrpSpPr>
-            <p:cNvPr id="27665" name="Group 32"/>
-            <p:cNvGrpSpPr>
-              <a:grpSpLocks/>
-            </p:cNvGrpSpPr>
-            <p:nvPr/>
-          </p:nvGrpSpPr>
-          <p:grpSpPr bwMode="auto">
-            <a:xfrm>
-              <a:off x="2743200" y="2971800"/>
-              <a:ext cx="2387600" cy="3473450"/>
-              <a:chOff x="2743195" y="1298575"/>
-              <a:chExt cx="2387744" cy="3473451"/>
-            </a:xfrm>
-          </p:grpSpPr>
-          <p:grpSp>
-            <p:nvGrpSpPr>
-              <p:cNvPr id="27668" name="Group 29"/>
-              <p:cNvGrpSpPr>
-                <a:grpSpLocks/>
-              </p:cNvGrpSpPr>
-              <p:nvPr/>
-            </p:nvGrpSpPr>
-            <p:grpSpPr bwMode="auto">
-              <a:xfrm>
-                <a:off x="2743195" y="1298575"/>
-                <a:ext cx="2387744" cy="3473451"/>
-                <a:chOff x="2743195" y="1298575"/>
-                <a:chExt cx="2387744" cy="3473451"/>
-              </a:xfrm>
-            </p:grpSpPr>
-            <p:pic>
-              <p:nvPicPr>
-                <p:cNvPr id="27670" name="Picture 6" descr="heatmap"/>
-                <p:cNvPicPr>
-                  <a:picLocks noChangeAspect="1" noChangeArrowheads="1"/>
-                </p:cNvPicPr>
-                <p:nvPr/>
-              </p:nvPicPr>
-              <p:blipFill>
-                <a:blip r:embed="rId5" cstate="email">
-                  <a:extLst>
-                    <a:ext uri="{28A0092B-C50C-407E-A947-70E740481C1C}">
-                      <a14:useLocalDpi xmlns:a14="http://schemas.microsoft.com/office/drawing/2010/main" val="0"/>
-                    </a:ext>
-                  </a:extLst>
-                </a:blip>
-                <a:srcRect r="14972"/>
-                <a:stretch>
-                  <a:fillRect/>
-                </a:stretch>
-              </p:blipFill>
-              <p:spPr bwMode="auto">
-                <a:xfrm>
-                  <a:off x="2849563" y="1490663"/>
-                  <a:ext cx="2217738" cy="3281363"/>
-                </a:xfrm>
-                <a:prstGeom prst="rect">
-                  <a:avLst/>
-                </a:prstGeom>
-                <a:noFill/>
-                <a:ln>
-                  <a:noFill/>
-                </a:ln>
-                <a:extLst>
-                  <a:ext uri="{909E8E84-426E-40dd-AFC4-6F175D3DCCD1}">
-                    <a14:hiddenFill xmlns:a14="http://schemas.microsoft.com/office/drawing/2010/main" xmlns="">
-                      <a:solidFill>
-                        <a:srgbClr val="FFFFFF"/>
-                      </a:solidFill>
-                    </a14:hiddenFill>
-                  </a:ext>
-                  <a:ext uri="{91240B29-F687-4f45-9708-019B960494DF}">
-                    <a14:hiddenLine xmlns:a14="http://schemas.microsoft.com/office/drawing/2010/main" xmlns="" w="9525">
-                      <a:solidFill>
-                        <a:srgbClr val="000000"/>
-                      </a:solidFill>
-                      <a:miter lim="800000"/>
-                      <a:headEnd/>
-                      <a:tailEnd/>
-                    </a14:hiddenLine>
-                  </a:ext>
-                </a:extLst>
-              </p:spPr>
-            </p:pic>
-            <p:sp>
-              <p:nvSpPr>
-                <p:cNvPr id="27671" name="Text Box 12"/>
-                <p:cNvSpPr txBox="1">
-                  <a:spLocks noChangeArrowheads="1"/>
-                </p:cNvSpPr>
-                <p:nvPr/>
-              </p:nvSpPr>
-              <p:spPr bwMode="auto">
-                <a:xfrm>
-                  <a:off x="2743195" y="1298575"/>
-                  <a:ext cx="2387744" cy="246221"/>
-                </a:xfrm>
-                <a:prstGeom prst="rect">
-                  <a:avLst/>
-                </a:prstGeom>
-                <a:noFill/>
-                <a:ln>
-                  <a:noFill/>
-                </a:ln>
-                <a:extLst>
-                  <a:ext uri="{909E8E84-426E-40dd-AFC4-6F175D3DCCD1}">
-                    <a14:hiddenFill xmlns:a14="http://schemas.microsoft.com/office/drawing/2010/main" xmlns="">
-                      <a:solidFill>
-                        <a:srgbClr val="FFFFFF"/>
-                      </a:solidFill>
-                    </a14:hiddenFill>
-                  </a:ext>
-                  <a:ext uri="{91240B29-F687-4f45-9708-019B960494DF}">
-                    <a14:hiddenLine xmlns:a14="http://schemas.microsoft.com/office/drawing/2010/main" xmlns="" w="9525">
-                      <a:solidFill>
-                        <a:srgbClr val="000000"/>
-                      </a:solidFill>
-                      <a:miter lim="800000"/>
-                      <a:headEnd/>
-                      <a:tailEnd/>
-                    </a14:hiddenLine>
-                  </a:ext>
-                </a:extLst>
-              </p:spPr>
-              <p:txBody>
-                <a:bodyPr wrap="none">
-                  <a:spAutoFit/>
-                </a:bodyPr>
-                <a:lstStyle>
-                  <a:lvl1pPr eaLnBrk="0" hangingPunct="0">
-                    <a:defRPr sz="2400">
-                      <a:solidFill>
-                        <a:schemeClr val="tx1"/>
-                      </a:solidFill>
-                      <a:latin typeface="Arial" charset="0"/>
-                      <a:ea typeface="ＭＳ Ｐゴシック" charset="0"/>
-                      <a:cs typeface="ＭＳ Ｐゴシック" charset="0"/>
-                    </a:defRPr>
-                  </a:lvl1pPr>
-                  <a:lvl2pPr marL="742950" indent="-285750" eaLnBrk="0" hangingPunct="0">
-                    <a:defRPr sz="2400">
-                      <a:solidFill>
-                        <a:schemeClr val="tx1"/>
-                      </a:solidFill>
-                      <a:latin typeface="Arial" charset="0"/>
-                      <a:ea typeface="ＭＳ Ｐゴシック" charset="0"/>
-                    </a:defRPr>
-                  </a:lvl2pPr>
-                  <a:lvl3pPr marL="1143000" indent="-228600" eaLnBrk="0" hangingPunct="0">
-                    <a:defRPr sz="2400">
-                      <a:solidFill>
-                        <a:schemeClr val="tx1"/>
-                      </a:solidFill>
-                      <a:latin typeface="Arial" charset="0"/>
-                      <a:ea typeface="ＭＳ Ｐゴシック" charset="0"/>
-                    </a:defRPr>
-                  </a:lvl3pPr>
-                  <a:lvl4pPr marL="1600200" indent="-228600" eaLnBrk="0" hangingPunct="0">
-                    <a:defRPr sz="2400">
-                      <a:solidFill>
-                        <a:schemeClr val="tx1"/>
-                      </a:solidFill>
-                      <a:latin typeface="Arial" charset="0"/>
-                      <a:ea typeface="ＭＳ Ｐゴシック" charset="0"/>
-                    </a:defRPr>
-                  </a:lvl4pPr>
-                  <a:lvl5pPr marL="2057400" indent="-228600" eaLnBrk="0" hangingPunct="0">
-                    <a:defRPr sz="2400">
-                      <a:solidFill>
-                        <a:schemeClr val="tx1"/>
-                      </a:solidFill>
-                      <a:latin typeface="Arial" charset="0"/>
-                      <a:ea typeface="ＭＳ Ｐゴシック" charset="0"/>
-                    </a:defRPr>
-                  </a:lvl5pPr>
-                  <a:lvl6pPr marL="2514600" indent="-228600" eaLnBrk="0" fontAlgn="base" hangingPunct="0">
-                    <a:spcBef>
-                      <a:spcPct val="0"/>
-                    </a:spcBef>
-                    <a:spcAft>
-                      <a:spcPct val="0"/>
-                    </a:spcAft>
-                    <a:defRPr sz="2400">
-                      <a:solidFill>
-                        <a:schemeClr val="tx1"/>
-                      </a:solidFill>
-                      <a:latin typeface="Arial" charset="0"/>
-                      <a:ea typeface="ＭＳ Ｐゴシック" charset="0"/>
-                    </a:defRPr>
-                  </a:lvl6pPr>
-                  <a:lvl7pPr marL="2971800" indent="-228600" eaLnBrk="0" fontAlgn="base" hangingPunct="0">
-                    <a:spcBef>
-                      <a:spcPct val="0"/>
-                    </a:spcBef>
-                    <a:spcAft>
-                      <a:spcPct val="0"/>
-                    </a:spcAft>
-                    <a:defRPr sz="2400">
-                      <a:solidFill>
-                        <a:schemeClr val="tx1"/>
-                      </a:solidFill>
-                      <a:latin typeface="Arial" charset="0"/>
-                      <a:ea typeface="ＭＳ Ｐゴシック" charset="0"/>
-                    </a:defRPr>
-                  </a:lvl7pPr>
-                  <a:lvl8pPr marL="3429000" indent="-228600" eaLnBrk="0" fontAlgn="base" hangingPunct="0">
-                    <a:spcBef>
-                      <a:spcPct val="0"/>
-                    </a:spcBef>
-                    <a:spcAft>
-                      <a:spcPct val="0"/>
-                    </a:spcAft>
-                    <a:defRPr sz="2400">
-                      <a:solidFill>
-                        <a:schemeClr val="tx1"/>
-                      </a:solidFill>
-                      <a:latin typeface="Arial" charset="0"/>
-                      <a:ea typeface="ＭＳ Ｐゴシック" charset="0"/>
-                    </a:defRPr>
-                  </a:lvl8pPr>
-                  <a:lvl9pPr marL="3886200" indent="-228600" eaLnBrk="0" fontAlgn="base" hangingPunct="0">
-                    <a:spcBef>
-                      <a:spcPct val="0"/>
-                    </a:spcBef>
-                    <a:spcAft>
-                      <a:spcPct val="0"/>
-                    </a:spcAft>
-                    <a:defRPr sz="2400">
-                      <a:solidFill>
-                        <a:schemeClr val="tx1"/>
-                      </a:solidFill>
-                      <a:latin typeface="Arial" charset="0"/>
-                      <a:ea typeface="ＭＳ Ｐゴシック" charset="0"/>
-                    </a:defRPr>
-                  </a:lvl9pPr>
-                </a:lstStyle>
-                <a:p>
-                  <a:pPr eaLnBrk="1" hangingPunct="1"/>
-                  <a:r>
-                    <a:rPr lang="en-US" sz="1000">
-                      <a:latin typeface="Calibri" charset="0"/>
-                    </a:rPr>
-                    <a:t>Yellow	  	Green</a:t>
-                  </a:r>
-                </a:p>
-              </p:txBody>
-            </p:sp>
-            <p:sp>
-              <p:nvSpPr>
-                <p:cNvPr id="27672" name="Text Box 19"/>
-                <p:cNvSpPr txBox="1">
-                  <a:spLocks noChangeArrowheads="1"/>
-                </p:cNvSpPr>
-                <p:nvPr/>
-              </p:nvSpPr>
-              <p:spPr bwMode="auto">
-                <a:xfrm>
-                  <a:off x="3505200" y="4267200"/>
-                  <a:ext cx="889987" cy="276999"/>
-                </a:xfrm>
-                <a:prstGeom prst="rect">
-                  <a:avLst/>
-                </a:prstGeom>
-                <a:noFill/>
-                <a:ln>
-                  <a:noFill/>
-                </a:ln>
-                <a:extLst>
-                  <a:ext uri="{909E8E84-426E-40dd-AFC4-6F175D3DCCD1}">
-                    <a14:hiddenFill xmlns:a14="http://schemas.microsoft.com/office/drawing/2010/main" xmlns="">
-                      <a:solidFill>
-                        <a:srgbClr val="FFFFFF"/>
-                      </a:solidFill>
-                    </a14:hiddenFill>
-                  </a:ext>
-                  <a:ext uri="{91240B29-F687-4f45-9708-019B960494DF}">
-                    <a14:hiddenLine xmlns:a14="http://schemas.microsoft.com/office/drawing/2010/main" xmlns="" w="9525">
-                      <a:solidFill>
-                        <a:srgbClr val="000000"/>
-                      </a:solidFill>
-                      <a:miter lim="800000"/>
-                      <a:headEnd/>
-                      <a:tailEnd/>
-                    </a14:hiddenLine>
-                  </a:ext>
-                </a:extLst>
-              </p:spPr>
-              <p:txBody>
-                <a:bodyPr wrap="none">
-                  <a:spAutoFit/>
-                </a:bodyPr>
-                <a:lstStyle>
-                  <a:lvl1pPr eaLnBrk="0" hangingPunct="0">
-                    <a:defRPr sz="2400">
-                      <a:solidFill>
-                        <a:schemeClr val="tx1"/>
-                      </a:solidFill>
-                      <a:latin typeface="Arial" charset="0"/>
-                      <a:ea typeface="ＭＳ Ｐゴシック" charset="0"/>
-                      <a:cs typeface="ＭＳ Ｐゴシック" charset="0"/>
-                    </a:defRPr>
-                  </a:lvl1pPr>
-                  <a:lvl2pPr marL="742950" indent="-285750" eaLnBrk="0" hangingPunct="0">
-                    <a:defRPr sz="2400">
-                      <a:solidFill>
-                        <a:schemeClr val="tx1"/>
-                      </a:solidFill>
-                      <a:latin typeface="Arial" charset="0"/>
-                      <a:ea typeface="ＭＳ Ｐゴシック" charset="0"/>
-                    </a:defRPr>
-                  </a:lvl2pPr>
-                  <a:lvl3pPr marL="1143000" indent="-228600" eaLnBrk="0" hangingPunct="0">
-                    <a:defRPr sz="2400">
-                      <a:solidFill>
-                        <a:schemeClr val="tx1"/>
-                      </a:solidFill>
-                      <a:latin typeface="Arial" charset="0"/>
-                      <a:ea typeface="ＭＳ Ｐゴシック" charset="0"/>
-                    </a:defRPr>
-                  </a:lvl3pPr>
-                  <a:lvl4pPr marL="1600200" indent="-228600" eaLnBrk="0" hangingPunct="0">
-                    <a:defRPr sz="2400">
-                      <a:solidFill>
-                        <a:schemeClr val="tx1"/>
-                      </a:solidFill>
-                      <a:latin typeface="Arial" charset="0"/>
-                      <a:ea typeface="ＭＳ Ｐゴシック" charset="0"/>
-                    </a:defRPr>
-                  </a:lvl4pPr>
-                  <a:lvl5pPr marL="2057400" indent="-228600" eaLnBrk="0" hangingPunct="0">
-                    <a:defRPr sz="2400">
-                      <a:solidFill>
-                        <a:schemeClr val="tx1"/>
-                      </a:solidFill>
-                      <a:latin typeface="Arial" charset="0"/>
-                      <a:ea typeface="ＭＳ Ｐゴシック" charset="0"/>
-                    </a:defRPr>
-                  </a:lvl5pPr>
-                  <a:lvl6pPr marL="2514600" indent="-228600" eaLnBrk="0" fontAlgn="base" hangingPunct="0">
-                    <a:spcBef>
-                      <a:spcPct val="0"/>
-                    </a:spcBef>
-                    <a:spcAft>
-                      <a:spcPct val="0"/>
-                    </a:spcAft>
-                    <a:defRPr sz="2400">
-                      <a:solidFill>
-                        <a:schemeClr val="tx1"/>
-                      </a:solidFill>
-                      <a:latin typeface="Arial" charset="0"/>
-                      <a:ea typeface="ＭＳ Ｐゴシック" charset="0"/>
-                    </a:defRPr>
-                  </a:lvl6pPr>
-                  <a:lvl7pPr marL="2971800" indent="-228600" eaLnBrk="0" fontAlgn="base" hangingPunct="0">
-                    <a:spcBef>
-                      <a:spcPct val="0"/>
-                    </a:spcBef>
-                    <a:spcAft>
-                      <a:spcPct val="0"/>
-                    </a:spcAft>
-                    <a:defRPr sz="2400">
-                      <a:solidFill>
-                        <a:schemeClr val="tx1"/>
-                      </a:solidFill>
-                      <a:latin typeface="Arial" charset="0"/>
-                      <a:ea typeface="ＭＳ Ｐゴシック" charset="0"/>
-                    </a:defRPr>
-                  </a:lvl7pPr>
-                  <a:lvl8pPr marL="3429000" indent="-228600" eaLnBrk="0" fontAlgn="base" hangingPunct="0">
-                    <a:spcBef>
-                      <a:spcPct val="0"/>
-                    </a:spcBef>
-                    <a:spcAft>
-                      <a:spcPct val="0"/>
-                    </a:spcAft>
-                    <a:defRPr sz="2400">
-                      <a:solidFill>
-                        <a:schemeClr val="tx1"/>
-                      </a:solidFill>
-                      <a:latin typeface="Arial" charset="0"/>
-                      <a:ea typeface="ＭＳ Ｐゴシック" charset="0"/>
-                    </a:defRPr>
-                  </a:lvl8pPr>
-                  <a:lvl9pPr marL="3886200" indent="-228600" eaLnBrk="0" fontAlgn="base" hangingPunct="0">
-                    <a:spcBef>
-                      <a:spcPct val="0"/>
-                    </a:spcBef>
-                    <a:spcAft>
-                      <a:spcPct val="0"/>
-                    </a:spcAft>
-                    <a:defRPr sz="2400">
-                      <a:solidFill>
-                        <a:schemeClr val="tx1"/>
-                      </a:solidFill>
-                      <a:latin typeface="Arial" charset="0"/>
-                      <a:ea typeface="ＭＳ Ｐゴシック" charset="0"/>
-                    </a:defRPr>
-                  </a:lvl9pPr>
-                </a:lstStyle>
-                <a:p>
-                  <a:pPr eaLnBrk="1" hangingPunct="1"/>
-                  <a:r>
-                    <a:rPr lang="en-US" sz="1200">
-                      <a:latin typeface="Calibri" charset="0"/>
-                    </a:rPr>
-                    <a:t>30 samples</a:t>
-                  </a:r>
-                </a:p>
-              </p:txBody>
-            </p:sp>
-          </p:grpSp>
-          <p:sp>
-            <p:nvSpPr>
-              <p:cNvPr id="27669" name="Line 16"/>
-              <p:cNvSpPr>
-                <a:spLocks noChangeShapeType="1"/>
-              </p:cNvSpPr>
-              <p:nvPr/>
-            </p:nvSpPr>
-            <p:spPr bwMode="auto">
-              <a:xfrm flipH="1">
-                <a:off x="3962469" y="1343025"/>
-                <a:ext cx="0" cy="161925"/>
-              </a:xfrm>
-              <a:prstGeom prst="line">
-                <a:avLst/>
-              </a:prstGeom>
-              <a:noFill/>
-              <a:ln w="9525">
-                <a:solidFill>
-                  <a:schemeClr val="tx1"/>
-                </a:solidFill>
-                <a:round/>
-                <a:headEnd/>
-                <a:tailEnd/>
-              </a:ln>
-              <a:extLst>
-                <a:ext uri="{909E8E84-426E-40dd-AFC4-6F175D3DCCD1}">
-                  <a14:hiddenFill xmlns:a14="http://schemas.microsoft.com/office/drawing/2010/main" xmlns="">
-                    <a:noFill/>
-                  </a14:hiddenFill>
-                </a:ext>
-              </a:extLst>
-            </p:spPr>
-            <p:txBody>
-              <a:bodyPr/>
-              <a:lstStyle/>
-              <a:p>
-                <a:endParaRPr lang="en-US"/>
-              </a:p>
-            </p:txBody>
-          </p:sp>
-        </p:grpSp>
-        <p:sp>
-          <p:nvSpPr>
-            <p:cNvPr id="33" name="Rectangle 32"/>
-            <p:cNvSpPr/>
-            <p:nvPr/>
-          </p:nvSpPr>
-          <p:spPr>
-            <a:xfrm>
-              <a:off x="2871788" y="3200400"/>
-              <a:ext cx="1090612" cy="46038"/>
-            </a:xfrm>
-            <a:prstGeom prst="rect">
-              <a:avLst/>
-            </a:prstGeom>
-            <a:solidFill>
-              <a:srgbClr val="FFFF00"/>
-            </a:solidFill>
-            <a:ln w="38100" cap="flat" cmpd="sng" algn="ctr">
-              <a:noFill/>
-              <a:prstDash val="solid"/>
-              <a:round/>
-              <a:headEnd type="none" w="med" len="med"/>
-              <a:tailEnd type="none" w="med" len="med"/>
-            </a:ln>
-            <a:effectLst/>
-          </p:spPr>
-          <p:style>
-            <a:lnRef idx="1">
-              <a:schemeClr val="accent1"/>
-            </a:lnRef>
-            <a:fillRef idx="3">
-              <a:schemeClr val="accent1"/>
-            </a:fillRef>
-            <a:effectRef idx="2">
-              <a:schemeClr val="accent1"/>
-            </a:effectRef>
-            <a:fontRef idx="minor">
-              <a:schemeClr val="lt1"/>
-            </a:fontRef>
-          </p:style>
-          <p:txBody>
-            <a:bodyPr anchor="ctr"/>
-            <a:lstStyle/>
-            <a:p>
-              <a:pPr algn="ctr">
-                <a:defRPr/>
-              </a:pPr>
-              <a:endParaRPr lang="en-US"/>
-            </a:p>
-          </p:txBody>
-        </p:sp>
-        <p:sp>
-          <p:nvSpPr>
-            <p:cNvPr id="39" name="Rectangle 38"/>
-            <p:cNvSpPr/>
-            <p:nvPr/>
-          </p:nvSpPr>
-          <p:spPr>
-            <a:xfrm>
-              <a:off x="3962400" y="3200400"/>
-              <a:ext cx="1060450" cy="46038"/>
-            </a:xfrm>
-            <a:prstGeom prst="rect">
-              <a:avLst/>
-            </a:prstGeom>
-            <a:solidFill>
-              <a:srgbClr val="008000"/>
-            </a:solidFill>
-            <a:ln w="38100" cap="flat" cmpd="sng" algn="ctr">
-              <a:noFill/>
-              <a:prstDash val="solid"/>
-              <a:round/>
-              <a:headEnd type="none" w="med" len="med"/>
-              <a:tailEnd type="none" w="med" len="med"/>
-            </a:ln>
-            <a:effectLst/>
-          </p:spPr>
-          <p:style>
-            <a:lnRef idx="1">
-              <a:schemeClr val="accent1"/>
-            </a:lnRef>
-            <a:fillRef idx="3">
-              <a:schemeClr val="accent1"/>
-            </a:fillRef>
-            <a:effectRef idx="2">
-              <a:schemeClr val="accent1"/>
-            </a:effectRef>
-            <a:fontRef idx="minor">
-              <a:schemeClr val="lt1"/>
-            </a:fontRef>
-          </p:style>
-          <p:txBody>
-            <a:bodyPr anchor="ctr"/>
-            <a:lstStyle/>
-            <a:p>
-              <a:pPr algn="ctr">
-                <a:defRPr/>
-              </a:pPr>
-              <a:endParaRPr lang="en-US"/>
-            </a:p>
-          </p:txBody>
-        </p:sp>
-      </p:grpSp>
-      <p:grpSp>
-        <p:nvGrpSpPr>
-          <p:cNvPr id="27656" name="Group 41"/>
-          <p:cNvGrpSpPr>
-            <a:grpSpLocks/>
-          </p:cNvGrpSpPr>
-          <p:nvPr/>
-        </p:nvGrpSpPr>
-        <p:grpSpPr bwMode="auto">
-          <a:xfrm>
-            <a:off x="5230813" y="2971800"/>
-            <a:ext cx="3913187" cy="3473450"/>
-            <a:chOff x="5230812" y="2971800"/>
-            <a:chExt cx="3913632" cy="3473450"/>
-          </a:xfrm>
-        </p:grpSpPr>
-        <p:grpSp>
-          <p:nvGrpSpPr>
-            <p:cNvPr id="27657" name="Group 33"/>
-            <p:cNvGrpSpPr>
-              <a:grpSpLocks/>
-            </p:cNvGrpSpPr>
-            <p:nvPr/>
-          </p:nvGrpSpPr>
-          <p:grpSpPr bwMode="auto">
-            <a:xfrm>
-              <a:off x="5230812" y="2971800"/>
-              <a:ext cx="3913632" cy="3473450"/>
-              <a:chOff x="5230813" y="1298575"/>
-              <a:chExt cx="3913188" cy="3473451"/>
-            </a:xfrm>
-          </p:grpSpPr>
-          <p:grpSp>
-            <p:nvGrpSpPr>
-              <p:cNvPr id="27660" name="Group 30"/>
-              <p:cNvGrpSpPr>
-                <a:grpSpLocks/>
-              </p:cNvGrpSpPr>
-              <p:nvPr/>
-            </p:nvGrpSpPr>
-            <p:grpSpPr bwMode="auto">
-              <a:xfrm>
-                <a:off x="5230813" y="1298575"/>
-                <a:ext cx="3913188" cy="3473451"/>
-                <a:chOff x="5230813" y="1298575"/>
-                <a:chExt cx="3913188" cy="3473451"/>
-              </a:xfrm>
-            </p:grpSpPr>
-            <p:pic>
-              <p:nvPicPr>
-                <p:cNvPr id="27662" name="Picture 7" descr="heatmap"/>
-                <p:cNvPicPr>
-                  <a:picLocks noChangeAspect="1" noChangeArrowheads="1"/>
-                </p:cNvPicPr>
-                <p:nvPr/>
-              </p:nvPicPr>
-              <p:blipFill>
-                <a:blip r:embed="rId6" cstate="email">
-                  <a:extLst>
-                    <a:ext uri="{28A0092B-C50C-407E-A947-70E740481C1C}">
-                      <a14:useLocalDpi xmlns:a14="http://schemas.microsoft.com/office/drawing/2010/main" val="0"/>
-                    </a:ext>
-                  </a:extLst>
-                </a:blip>
-                <a:srcRect r="14410"/>
-                <a:stretch>
-                  <a:fillRect/>
-                </a:stretch>
-              </p:blipFill>
-              <p:spPr bwMode="auto">
-                <a:xfrm>
-                  <a:off x="5230813" y="1490663"/>
-                  <a:ext cx="3913188" cy="3281363"/>
-                </a:xfrm>
-                <a:prstGeom prst="rect">
-                  <a:avLst/>
-                </a:prstGeom>
-                <a:noFill/>
-                <a:ln>
-                  <a:noFill/>
-                </a:ln>
-                <a:extLst>
-                  <a:ext uri="{909E8E84-426E-40dd-AFC4-6F175D3DCCD1}">
-                    <a14:hiddenFill xmlns:a14="http://schemas.microsoft.com/office/drawing/2010/main" xmlns="">
-                      <a:solidFill>
-                        <a:srgbClr val="FFFFFF"/>
-                      </a:solidFill>
-                    </a14:hiddenFill>
-                  </a:ext>
-                  <a:ext uri="{91240B29-F687-4f45-9708-019B960494DF}">
-                    <a14:hiddenLine xmlns:a14="http://schemas.microsoft.com/office/drawing/2010/main" xmlns="" w="9525">
-                      <a:solidFill>
-                        <a:srgbClr val="000000"/>
-                      </a:solidFill>
-                      <a:miter lim="800000"/>
-                      <a:headEnd/>
-                      <a:tailEnd/>
-                    </a14:hiddenLine>
-                  </a:ext>
-                </a:extLst>
-              </p:spPr>
-            </p:pic>
-            <p:sp>
-              <p:nvSpPr>
-                <p:cNvPr id="27663" name="Text Box 13"/>
-                <p:cNvSpPr txBox="1">
-                  <a:spLocks noChangeArrowheads="1"/>
-                </p:cNvSpPr>
-                <p:nvPr/>
-              </p:nvSpPr>
-              <p:spPr bwMode="auto">
-                <a:xfrm>
-                  <a:off x="5803900" y="1298575"/>
-                  <a:ext cx="2993441" cy="246221"/>
-                </a:xfrm>
-                <a:prstGeom prst="rect">
-                  <a:avLst/>
-                </a:prstGeom>
-                <a:noFill/>
-                <a:ln>
-                  <a:noFill/>
-                </a:ln>
-                <a:extLst>
-                  <a:ext uri="{909E8E84-426E-40dd-AFC4-6F175D3DCCD1}">
-                    <a14:hiddenFill xmlns:a14="http://schemas.microsoft.com/office/drawing/2010/main" xmlns="">
-                      <a:solidFill>
-                        <a:srgbClr val="FFFFFF"/>
-                      </a:solidFill>
-                    </a14:hiddenFill>
-                  </a:ext>
-                  <a:ext uri="{91240B29-F687-4f45-9708-019B960494DF}">
-                    <a14:hiddenLine xmlns:a14="http://schemas.microsoft.com/office/drawing/2010/main" xmlns="" w="9525">
-                      <a:solidFill>
-                        <a:srgbClr val="000000"/>
-                      </a:solidFill>
-                      <a:miter lim="800000"/>
-                      <a:headEnd/>
-                      <a:tailEnd/>
-                    </a14:hiddenLine>
-                  </a:ext>
-                </a:extLst>
-              </p:spPr>
-              <p:txBody>
-                <a:bodyPr wrap="none">
-                  <a:spAutoFit/>
-                </a:bodyPr>
-                <a:lstStyle>
-                  <a:lvl1pPr eaLnBrk="0" hangingPunct="0">
-                    <a:defRPr sz="2400">
-                      <a:solidFill>
-                        <a:schemeClr val="tx1"/>
-                      </a:solidFill>
-                      <a:latin typeface="Arial" charset="0"/>
-                      <a:ea typeface="ＭＳ Ｐゴシック" charset="0"/>
-                      <a:cs typeface="ＭＳ Ｐゴシック" charset="0"/>
-                    </a:defRPr>
-                  </a:lvl1pPr>
-                  <a:lvl2pPr marL="742950" indent="-285750" eaLnBrk="0" hangingPunct="0">
-                    <a:defRPr sz="2400">
-                      <a:solidFill>
-                        <a:schemeClr val="tx1"/>
-                      </a:solidFill>
-                      <a:latin typeface="Arial" charset="0"/>
-                      <a:ea typeface="ＭＳ Ｐゴシック" charset="0"/>
-                    </a:defRPr>
-                  </a:lvl2pPr>
-                  <a:lvl3pPr marL="1143000" indent="-228600" eaLnBrk="0" hangingPunct="0">
-                    <a:defRPr sz="2400">
-                      <a:solidFill>
-                        <a:schemeClr val="tx1"/>
-                      </a:solidFill>
-                      <a:latin typeface="Arial" charset="0"/>
-                      <a:ea typeface="ＭＳ Ｐゴシック" charset="0"/>
-                    </a:defRPr>
-                  </a:lvl3pPr>
-                  <a:lvl4pPr marL="1600200" indent="-228600" eaLnBrk="0" hangingPunct="0">
-                    <a:defRPr sz="2400">
-                      <a:solidFill>
-                        <a:schemeClr val="tx1"/>
-                      </a:solidFill>
-                      <a:latin typeface="Arial" charset="0"/>
-                      <a:ea typeface="ＭＳ Ｐゴシック" charset="0"/>
-                    </a:defRPr>
-                  </a:lvl4pPr>
-                  <a:lvl5pPr marL="2057400" indent="-228600" eaLnBrk="0" hangingPunct="0">
-                    <a:defRPr sz="2400">
-                      <a:solidFill>
-                        <a:schemeClr val="tx1"/>
-                      </a:solidFill>
-                      <a:latin typeface="Arial" charset="0"/>
-                      <a:ea typeface="ＭＳ Ｐゴシック" charset="0"/>
-                    </a:defRPr>
-                  </a:lvl5pPr>
-                  <a:lvl6pPr marL="2514600" indent="-228600" eaLnBrk="0" fontAlgn="base" hangingPunct="0">
-                    <a:spcBef>
-                      <a:spcPct val="0"/>
-                    </a:spcBef>
-                    <a:spcAft>
-                      <a:spcPct val="0"/>
-                    </a:spcAft>
-                    <a:defRPr sz="2400">
-                      <a:solidFill>
-                        <a:schemeClr val="tx1"/>
-                      </a:solidFill>
-                      <a:latin typeface="Arial" charset="0"/>
-                      <a:ea typeface="ＭＳ Ｐゴシック" charset="0"/>
-                    </a:defRPr>
-                  </a:lvl6pPr>
-                  <a:lvl7pPr marL="2971800" indent="-228600" eaLnBrk="0" fontAlgn="base" hangingPunct="0">
-                    <a:spcBef>
-                      <a:spcPct val="0"/>
-                    </a:spcBef>
-                    <a:spcAft>
-                      <a:spcPct val="0"/>
-                    </a:spcAft>
-                    <a:defRPr sz="2400">
-                      <a:solidFill>
-                        <a:schemeClr val="tx1"/>
-                      </a:solidFill>
-                      <a:latin typeface="Arial" charset="0"/>
-                      <a:ea typeface="ＭＳ Ｐゴシック" charset="0"/>
-                    </a:defRPr>
-                  </a:lvl7pPr>
-                  <a:lvl8pPr marL="3429000" indent="-228600" eaLnBrk="0" fontAlgn="base" hangingPunct="0">
-                    <a:spcBef>
-                      <a:spcPct val="0"/>
-                    </a:spcBef>
-                    <a:spcAft>
-                      <a:spcPct val="0"/>
-                    </a:spcAft>
-                    <a:defRPr sz="2400">
-                      <a:solidFill>
-                        <a:schemeClr val="tx1"/>
-                      </a:solidFill>
-                      <a:latin typeface="Arial" charset="0"/>
-                      <a:ea typeface="ＭＳ Ｐゴシック" charset="0"/>
-                    </a:defRPr>
-                  </a:lvl8pPr>
-                  <a:lvl9pPr marL="3886200" indent="-228600" eaLnBrk="0" fontAlgn="base" hangingPunct="0">
-                    <a:spcBef>
-                      <a:spcPct val="0"/>
-                    </a:spcBef>
-                    <a:spcAft>
-                      <a:spcPct val="0"/>
-                    </a:spcAft>
-                    <a:defRPr sz="2400">
-                      <a:solidFill>
-                        <a:schemeClr val="tx1"/>
-                      </a:solidFill>
-                      <a:latin typeface="Arial" charset="0"/>
-                      <a:ea typeface="ＭＳ Ｐゴシック" charset="0"/>
-                    </a:defRPr>
-                  </a:lvl9pPr>
-                </a:lstStyle>
-                <a:p>
-                  <a:pPr eaLnBrk="1" hangingPunct="1"/>
-                  <a:r>
-                    <a:rPr lang="en-US" sz="1000">
-                      <a:latin typeface="Calibri" charset="0"/>
-                    </a:rPr>
-                    <a:t>Yellow		                 Green</a:t>
-                  </a:r>
-                </a:p>
-              </p:txBody>
-            </p:sp>
-            <p:sp>
-              <p:nvSpPr>
-                <p:cNvPr id="27664" name="Text Box 19"/>
-                <p:cNvSpPr txBox="1">
-                  <a:spLocks noChangeArrowheads="1"/>
-                </p:cNvSpPr>
-                <p:nvPr/>
-              </p:nvSpPr>
-              <p:spPr bwMode="auto">
-                <a:xfrm>
-                  <a:off x="6703942" y="4267200"/>
-                  <a:ext cx="966931" cy="276999"/>
-                </a:xfrm>
-                <a:prstGeom prst="rect">
-                  <a:avLst/>
-                </a:prstGeom>
-                <a:noFill/>
-                <a:ln>
-                  <a:noFill/>
-                </a:ln>
-                <a:extLst>
-                  <a:ext uri="{909E8E84-426E-40dd-AFC4-6F175D3DCCD1}">
-                    <a14:hiddenFill xmlns:a14="http://schemas.microsoft.com/office/drawing/2010/main" xmlns="">
-                      <a:solidFill>
-                        <a:srgbClr val="FFFFFF"/>
-                      </a:solidFill>
-                    </a14:hiddenFill>
-                  </a:ext>
-                  <a:ext uri="{91240B29-F687-4f45-9708-019B960494DF}">
-                    <a14:hiddenLine xmlns:a14="http://schemas.microsoft.com/office/drawing/2010/main" xmlns="" w="9525">
-                      <a:solidFill>
-                        <a:srgbClr val="000000"/>
-                      </a:solidFill>
-                      <a:miter lim="800000"/>
-                      <a:headEnd/>
-                      <a:tailEnd/>
-                    </a14:hiddenLine>
-                  </a:ext>
-                </a:extLst>
-              </p:spPr>
-              <p:txBody>
-                <a:bodyPr wrap="none">
-                  <a:spAutoFit/>
-                </a:bodyPr>
-                <a:lstStyle>
-                  <a:lvl1pPr eaLnBrk="0" hangingPunct="0">
-                    <a:defRPr sz="2400">
-                      <a:solidFill>
-                        <a:schemeClr val="tx1"/>
-                      </a:solidFill>
-                      <a:latin typeface="Arial" charset="0"/>
-                      <a:ea typeface="ＭＳ Ｐゴシック" charset="0"/>
-                      <a:cs typeface="ＭＳ Ｐゴシック" charset="0"/>
-                    </a:defRPr>
-                  </a:lvl1pPr>
-                  <a:lvl2pPr marL="742950" indent="-285750" eaLnBrk="0" hangingPunct="0">
-                    <a:defRPr sz="2400">
-                      <a:solidFill>
-                        <a:schemeClr val="tx1"/>
-                      </a:solidFill>
-                      <a:latin typeface="Arial" charset="0"/>
-                      <a:ea typeface="ＭＳ Ｐゴシック" charset="0"/>
-                    </a:defRPr>
-                  </a:lvl2pPr>
-                  <a:lvl3pPr marL="1143000" indent="-228600" eaLnBrk="0" hangingPunct="0">
-                    <a:defRPr sz="2400">
-                      <a:solidFill>
-                        <a:schemeClr val="tx1"/>
-                      </a:solidFill>
-                      <a:latin typeface="Arial" charset="0"/>
-                      <a:ea typeface="ＭＳ Ｐゴシック" charset="0"/>
-                    </a:defRPr>
-                  </a:lvl3pPr>
-                  <a:lvl4pPr marL="1600200" indent="-228600" eaLnBrk="0" hangingPunct="0">
-                    <a:defRPr sz="2400">
-                      <a:solidFill>
-                        <a:schemeClr val="tx1"/>
-                      </a:solidFill>
-                      <a:latin typeface="Arial" charset="0"/>
-                      <a:ea typeface="ＭＳ Ｐゴシック" charset="0"/>
-                    </a:defRPr>
-                  </a:lvl4pPr>
-                  <a:lvl5pPr marL="2057400" indent="-228600" eaLnBrk="0" hangingPunct="0">
-                    <a:defRPr sz="2400">
-                      <a:solidFill>
-                        <a:schemeClr val="tx1"/>
-                      </a:solidFill>
-                      <a:latin typeface="Arial" charset="0"/>
-                      <a:ea typeface="ＭＳ Ｐゴシック" charset="0"/>
-                    </a:defRPr>
-                  </a:lvl5pPr>
-                  <a:lvl6pPr marL="2514600" indent="-228600" eaLnBrk="0" fontAlgn="base" hangingPunct="0">
-                    <a:spcBef>
-                      <a:spcPct val="0"/>
-                    </a:spcBef>
-                    <a:spcAft>
-                      <a:spcPct val="0"/>
-                    </a:spcAft>
-                    <a:defRPr sz="2400">
-                      <a:solidFill>
-                        <a:schemeClr val="tx1"/>
-                      </a:solidFill>
-                      <a:latin typeface="Arial" charset="0"/>
-                      <a:ea typeface="ＭＳ Ｐゴシック" charset="0"/>
-                    </a:defRPr>
-                  </a:lvl6pPr>
-                  <a:lvl7pPr marL="2971800" indent="-228600" eaLnBrk="0" fontAlgn="base" hangingPunct="0">
-                    <a:spcBef>
-                      <a:spcPct val="0"/>
-                    </a:spcBef>
-                    <a:spcAft>
-                      <a:spcPct val="0"/>
-                    </a:spcAft>
-                    <a:defRPr sz="2400">
-                      <a:solidFill>
-                        <a:schemeClr val="tx1"/>
-                      </a:solidFill>
-                      <a:latin typeface="Arial" charset="0"/>
-                      <a:ea typeface="ＭＳ Ｐゴシック" charset="0"/>
-                    </a:defRPr>
-                  </a:lvl7pPr>
-                  <a:lvl8pPr marL="3429000" indent="-228600" eaLnBrk="0" fontAlgn="base" hangingPunct="0">
-                    <a:spcBef>
-                      <a:spcPct val="0"/>
-                    </a:spcBef>
-                    <a:spcAft>
-                      <a:spcPct val="0"/>
-                    </a:spcAft>
-                    <a:defRPr sz="2400">
-                      <a:solidFill>
-                        <a:schemeClr val="tx1"/>
-                      </a:solidFill>
-                      <a:latin typeface="Arial" charset="0"/>
-                      <a:ea typeface="ＭＳ Ｐゴシック" charset="0"/>
-                    </a:defRPr>
-                  </a:lvl8pPr>
-                  <a:lvl9pPr marL="3886200" indent="-228600" eaLnBrk="0" fontAlgn="base" hangingPunct="0">
-                    <a:spcBef>
-                      <a:spcPct val="0"/>
-                    </a:spcBef>
-                    <a:spcAft>
-                      <a:spcPct val="0"/>
-                    </a:spcAft>
-                    <a:defRPr sz="2400">
-                      <a:solidFill>
-                        <a:schemeClr val="tx1"/>
-                      </a:solidFill>
-                      <a:latin typeface="Arial" charset="0"/>
-                      <a:ea typeface="ＭＳ Ｐゴシック" charset="0"/>
-                    </a:defRPr>
-                  </a:lvl9pPr>
-                </a:lstStyle>
-                <a:p>
-                  <a:pPr eaLnBrk="1" hangingPunct="1"/>
-                  <a:r>
-                    <a:rPr lang="en-US" sz="1200">
-                      <a:latin typeface="Calibri" charset="0"/>
-                    </a:rPr>
-                    <a:t>100 samples</a:t>
-                  </a:r>
-                </a:p>
-              </p:txBody>
-            </p:sp>
-          </p:grpSp>
-          <p:sp>
-            <p:nvSpPr>
-              <p:cNvPr id="27661" name="Line 17"/>
-              <p:cNvSpPr>
-                <a:spLocks noChangeShapeType="1"/>
-              </p:cNvSpPr>
-              <p:nvPr/>
-            </p:nvSpPr>
-            <p:spPr bwMode="auto">
-              <a:xfrm flipH="1">
-                <a:off x="7169150" y="1336675"/>
-                <a:ext cx="0" cy="161925"/>
-              </a:xfrm>
-              <a:prstGeom prst="line">
-                <a:avLst/>
-              </a:prstGeom>
-              <a:noFill/>
-              <a:ln w="9525">
-                <a:solidFill>
-                  <a:schemeClr val="tx1"/>
-                </a:solidFill>
-                <a:round/>
-                <a:headEnd/>
-                <a:tailEnd/>
-              </a:ln>
-              <a:extLst>
-                <a:ext uri="{909E8E84-426E-40dd-AFC4-6F175D3DCCD1}">
-                  <a14:hiddenFill xmlns:a14="http://schemas.microsoft.com/office/drawing/2010/main" xmlns="">
-                    <a:noFill/>
-                  </a14:hiddenFill>
-                </a:ext>
-              </a:extLst>
-            </p:spPr>
-            <p:txBody>
-              <a:bodyPr/>
-              <a:lstStyle/>
-              <a:p>
-                <a:endParaRPr lang="en-US"/>
-              </a:p>
-            </p:txBody>
-          </p:sp>
-        </p:grpSp>
-        <p:sp>
-          <p:nvSpPr>
-            <p:cNvPr id="34" name="Rectangle 33"/>
-            <p:cNvSpPr/>
-            <p:nvPr/>
-          </p:nvSpPr>
-          <p:spPr>
-            <a:xfrm>
-              <a:off x="5270504" y="3200400"/>
-              <a:ext cx="1892515" cy="46038"/>
-            </a:xfrm>
-            <a:prstGeom prst="rect">
-              <a:avLst/>
-            </a:prstGeom>
-            <a:solidFill>
-              <a:srgbClr val="FFFF00"/>
-            </a:solidFill>
-            <a:ln w="38100" cap="flat" cmpd="sng" algn="ctr">
-              <a:noFill/>
-              <a:prstDash val="solid"/>
-              <a:round/>
-              <a:headEnd type="none" w="med" len="med"/>
-              <a:tailEnd type="none" w="med" len="med"/>
-            </a:ln>
-            <a:effectLst/>
-          </p:spPr>
-          <p:style>
-            <a:lnRef idx="1">
-              <a:schemeClr val="accent1"/>
-            </a:lnRef>
-            <a:fillRef idx="3">
-              <a:schemeClr val="accent1"/>
-            </a:fillRef>
-            <a:effectRef idx="2">
-              <a:schemeClr val="accent1"/>
-            </a:effectRef>
-            <a:fontRef idx="minor">
-              <a:schemeClr val="lt1"/>
-            </a:fontRef>
-          </p:style>
-          <p:txBody>
-            <a:bodyPr anchor="ctr"/>
-            <a:lstStyle/>
-            <a:p>
-              <a:pPr algn="ctr">
-                <a:defRPr/>
-              </a:pPr>
-              <a:endParaRPr lang="en-US"/>
-            </a:p>
-          </p:txBody>
-        </p:sp>
-        <p:sp>
-          <p:nvSpPr>
-            <p:cNvPr id="41" name="Rectangle 40"/>
-            <p:cNvSpPr/>
-            <p:nvPr/>
-          </p:nvSpPr>
-          <p:spPr>
-            <a:xfrm>
-              <a:off x="7163019" y="3200400"/>
-              <a:ext cx="1882989" cy="46038"/>
-            </a:xfrm>
-            <a:prstGeom prst="rect">
-              <a:avLst/>
-            </a:prstGeom>
-            <a:solidFill>
-              <a:srgbClr val="008000"/>
-            </a:solidFill>
-            <a:ln w="38100" cap="flat" cmpd="sng" algn="ctr">
-              <a:noFill/>
-              <a:prstDash val="solid"/>
-              <a:round/>
-              <a:headEnd type="none" w="med" len="med"/>
-              <a:tailEnd type="none" w="med" len="med"/>
-            </a:ln>
-            <a:effectLst/>
-          </p:spPr>
-          <p:style>
-            <a:lnRef idx="1">
-              <a:schemeClr val="accent1"/>
-            </a:lnRef>
-            <a:fillRef idx="3">
-              <a:schemeClr val="accent1"/>
-            </a:fillRef>
-            <a:effectRef idx="2">
-              <a:schemeClr val="accent1"/>
-            </a:effectRef>
-            <a:fontRef idx="minor">
-              <a:schemeClr val="lt1"/>
-            </a:fontRef>
-          </p:style>
-          <p:txBody>
-            <a:bodyPr anchor="ctr"/>
-            <a:lstStyle/>
-            <a:p>
-              <a:pPr algn="ctr">
-                <a:defRPr/>
-              </a:pPr>
-              <a:endParaRPr lang="en-US"/>
-            </a:p>
-          </p:txBody>
-        </p:sp>
-      </p:grpSp>
+              <a:t>6</a:t>
+            </a:fld>
+            <a:r>
+              <a:rPr lang="en-US"/>
+              <a:t>/10</a:t>
+            </a:r>
+            <a:endParaRPr lang="en-US" dirty="0"/>
+          </a:p>
+        </p:txBody>
+      </p:sp>
     </p:spTree>
+    <p:extLst>
+      <p:ext uri="{BB962C8B-B14F-4D97-AF65-F5344CB8AC3E}">
+        <p14:creationId xmlns:p14="http://schemas.microsoft.com/office/powerpoint/2010/main" val="413131678"/>
+      </p:ext>
+    </p:extLst>
   </p:cSld>
   <p:clrMapOvr>
     <a:masterClrMapping/>
@@ -21573,7 +22073,7 @@
                             </p:stCondLst>
                             <p:childTnLst>
                               <p:par>
-                                <p:cTn id="5" presetID="1" presetClass="entr" presetSubtype="0" fill="hold" nodeType="clickEffect">
+                                <p:cTn id="5" presetID="12" presetClass="entr" presetSubtype="1" fill="hold" grpId="0" nodeType="clickEffect">
                                   <p:stCondLst>
                                     <p:cond delay="0"/>
                                   </p:stCondLst>
@@ -21586,7 +22086,9 @@
                                           </p:stCondLst>
                                         </p:cTn>
                                         <p:tgtEl>
-                                          <p:spTgt spid="27653"/>
+                                          <p:spTgt spid="27651">
+                                            <p:bg/>
+                                          </p:spTgt>
                                         </p:tgtEl>
                                         <p:attrNameLst>
                                           <p:attrName>style.visibility</p:attrName>
@@ -21596,6 +22098,111 @@
                                         <p:strVal val="visible"/>
                                       </p:to>
                                     </p:set>
+                                    <p:anim calcmode="lin" valueType="num">
+                                      <p:cBhvr additive="base">
+                                        <p:cTn id="7" dur="500"/>
+                                        <p:tgtEl>
+                                          <p:spTgt spid="27651">
+                                            <p:bg/>
+                                          </p:spTgt>
+                                        </p:tgtEl>
+                                        <p:attrNameLst>
+                                          <p:attrName>ppt_y</p:attrName>
+                                        </p:attrNameLst>
+                                      </p:cBhvr>
+                                      <p:tavLst>
+                                        <p:tav tm="0">
+                                          <p:val>
+                                            <p:strVal val="#ppt_y-#ppt_h*1.125000"/>
+                                          </p:val>
+                                        </p:tav>
+                                        <p:tav tm="100000">
+                                          <p:val>
+                                            <p:strVal val="#ppt_y"/>
+                                          </p:val>
+                                        </p:tav>
+                                      </p:tavLst>
+                                    </p:anim>
+                                    <p:animEffect transition="in" filter="wipe(down)">
+                                      <p:cBhvr>
+                                        <p:cTn id="8" dur="500"/>
+                                        <p:tgtEl>
+                                          <p:spTgt spid="27651">
+                                            <p:bg/>
+                                          </p:spTgt>
+                                        </p:tgtEl>
+                                      </p:cBhvr>
+                                    </p:animEffect>
+                                  </p:childTnLst>
+                                </p:cTn>
+                              </p:par>
+                              <p:par>
+                                <p:cTn id="9" presetID="12" presetClass="entr" presetSubtype="1" fill="hold" grpId="0" nodeType="withEffect">
+                                  <p:stCondLst>
+                                    <p:cond delay="330"/>
+                                  </p:stCondLst>
+                                  <p:childTnLst>
+                                    <p:set>
+                                      <p:cBhvr>
+                                        <p:cTn id="10" dur="1" fill="hold">
+                                          <p:stCondLst>
+                                            <p:cond delay="0"/>
+                                          </p:stCondLst>
+                                        </p:cTn>
+                                        <p:tgtEl>
+                                          <p:spTgt spid="27651">
+                                            <p:txEl>
+                                              <p:pRg st="0" end="0"/>
+                                            </p:txEl>
+                                          </p:spTgt>
+                                        </p:tgtEl>
+                                        <p:attrNameLst>
+                                          <p:attrName>style.visibility</p:attrName>
+                                        </p:attrNameLst>
+                                      </p:cBhvr>
+                                      <p:to>
+                                        <p:strVal val="visible"/>
+                                      </p:to>
+                                    </p:set>
+                                    <p:anim calcmode="lin" valueType="num">
+                                      <p:cBhvr additive="base">
+                                        <p:cTn id="11" dur="500"/>
+                                        <p:tgtEl>
+                                          <p:spTgt spid="27651">
+                                            <p:txEl>
+                                              <p:pRg st="0" end="0"/>
+                                            </p:txEl>
+                                          </p:spTgt>
+                                        </p:tgtEl>
+                                        <p:attrNameLst>
+                                          <p:attrName>ppt_y</p:attrName>
+                                        </p:attrNameLst>
+                                      </p:cBhvr>
+                                      <p:tavLst>
+                                        <p:tav tm="0">
+                                          <p:val>
+                                            <p:strVal val="#ppt_y-#ppt_h*1.125000"/>
+                                          </p:val>
+                                        </p:tav>
+                                        <p:tav tm="100000">
+                                          <p:val>
+                                            <p:strVal val="#ppt_y"/>
+                                          </p:val>
+                                        </p:tav>
+                                      </p:tavLst>
+                                    </p:anim>
+                                    <p:animEffect transition="in" filter="wipe(down)">
+                                      <p:cBhvr>
+                                        <p:cTn id="12" dur="500"/>
+                                        <p:tgtEl>
+                                          <p:spTgt spid="27651">
+                                            <p:txEl>
+                                              <p:pRg st="0" end="0"/>
+                                            </p:txEl>
+                                          </p:spTgt>
+                                        </p:tgtEl>
+                                      </p:cBhvr>
+                                    </p:animEffect>
                                   </p:childTnLst>
                                 </p:cTn>
                               </p:par>
@@ -21606,32 +22213,36 @@
                     </p:cTn>
                   </p:par>
                   <p:par>
-                    <p:cTn id="7" fill="hold">
+                    <p:cTn id="13" fill="hold">
                       <p:stCondLst>
                         <p:cond delay="indefinite"/>
                       </p:stCondLst>
                       <p:childTnLst>
                         <p:par>
-                          <p:cTn id="8" fill="hold">
+                          <p:cTn id="14" fill="hold">
                             <p:stCondLst>
                               <p:cond delay="0"/>
                             </p:stCondLst>
                             <p:childTnLst>
                               <p:par>
-                                <p:cTn id="9" presetID="1" presetClass="entr" presetSubtype="0" fill="hold" nodeType="clickEffect">
+                                <p:cTn id="15" presetID="12" presetClass="entr" presetSubtype="1" fill="hold" grpId="0" nodeType="clickEffect">
                                   <p:stCondLst>
                                     <p:cond delay="0"/>
                                   </p:stCondLst>
                                   <p:childTnLst>
                                     <p:set>
                                       <p:cBhvr>
-                                        <p:cTn id="10" dur="1" fill="hold">
+                                        <p:cTn id="16" dur="1" fill="hold">
                                           <p:stCondLst>
                                             <p:cond delay="0"/>
                                           </p:stCondLst>
                                         </p:cTn>
                                         <p:tgtEl>
-                                          <p:spTgt spid="27654"/>
+                                          <p:spTgt spid="27651">
+                                            <p:txEl>
+                                              <p:pRg st="1" end="1"/>
+                                            </p:txEl>
+                                          </p:spTgt>
                                         </p:tgtEl>
                                         <p:attrNameLst>
                                           <p:attrName>style.visibility</p:attrName>
@@ -21641,96 +22252,45 @@
                                         <p:strVal val="visible"/>
                                       </p:to>
                                     </p:set>
-                                  </p:childTnLst>
-                                </p:cTn>
-                              </p:par>
-                            </p:childTnLst>
-                          </p:cTn>
-                        </p:par>
-                      </p:childTnLst>
-                    </p:cTn>
-                  </p:par>
-                  <p:par>
-                    <p:cTn id="11" fill="hold">
-                      <p:stCondLst>
-                        <p:cond delay="indefinite"/>
-                      </p:stCondLst>
-                      <p:childTnLst>
-                        <p:par>
-                          <p:cTn id="12" fill="hold">
-                            <p:stCondLst>
-                              <p:cond delay="0"/>
-                            </p:stCondLst>
-                            <p:childTnLst>
-                              <p:par>
-                                <p:cTn id="13" presetID="1" presetClass="entr" presetSubtype="0" fill="hold" nodeType="clickEffect">
-                                  <p:stCondLst>
-                                    <p:cond delay="0"/>
-                                  </p:stCondLst>
-                                  <p:childTnLst>
-                                    <p:set>
-                                      <p:cBhvr>
-                                        <p:cTn id="14" dur="1" fill="hold">
-                                          <p:stCondLst>
-                                            <p:cond delay="0"/>
-                                          </p:stCondLst>
-                                        </p:cTn>
+                                    <p:anim calcmode="lin" valueType="num">
+                                      <p:cBhvr additive="base">
+                                        <p:cTn id="17" dur="500"/>
                                         <p:tgtEl>
-                                          <p:spTgt spid="27655"/>
+                                          <p:spTgt spid="27651">
+                                            <p:txEl>
+                                              <p:pRg st="1" end="1"/>
+                                            </p:txEl>
+                                          </p:spTgt>
                                         </p:tgtEl>
                                         <p:attrNameLst>
-                                          <p:attrName>style.visibility</p:attrName>
+                                          <p:attrName>ppt_y</p:attrName>
                                         </p:attrNameLst>
                                       </p:cBhvr>
-                                      <p:to>
-                                        <p:strVal val="visible"/>
-                                      </p:to>
-                                    </p:set>
-                                  </p:childTnLst>
-                                </p:cTn>
-                              </p:par>
-                            </p:childTnLst>
-                          </p:cTn>
-                        </p:par>
-                      </p:childTnLst>
-                    </p:cTn>
-                  </p:par>
-                  <p:par>
-                    <p:cTn id="15" fill="hold">
-                      <p:stCondLst>
-                        <p:cond delay="indefinite"/>
-                      </p:stCondLst>
-                      <p:childTnLst>
-                        <p:par>
-                          <p:cTn id="16" fill="hold">
-                            <p:stCondLst>
-                              <p:cond delay="0"/>
-                            </p:stCondLst>
-                            <p:childTnLst>
-                              <p:par>
-                                <p:cTn id="17" presetID="1" presetClass="entr" presetSubtype="0" fill="hold" nodeType="clickEffect">
-                                  <p:stCondLst>
-                                    <p:cond delay="0"/>
-                                  </p:stCondLst>
-                                  <p:childTnLst>
-                                    <p:set>
+                                      <p:tavLst>
+                                        <p:tav tm="0">
+                                          <p:val>
+                                            <p:strVal val="#ppt_y-#ppt_h*1.125000"/>
+                                          </p:val>
+                                        </p:tav>
+                                        <p:tav tm="100000">
+                                          <p:val>
+                                            <p:strVal val="#ppt_y"/>
+                                          </p:val>
+                                        </p:tav>
+                                      </p:tavLst>
+                                    </p:anim>
+                                    <p:animEffect transition="in" filter="wipe(down)">
                                       <p:cBhvr>
-                                        <p:cTn id="18" dur="1" fill="hold">
-                                          <p:stCondLst>
-                                            <p:cond delay="0"/>
-                                          </p:stCondLst>
-                                        </p:cTn>
+                                        <p:cTn id="18" dur="500"/>
                                         <p:tgtEl>
-                                          <p:spTgt spid="27656"/>
+                                          <p:spTgt spid="27651">
+                                            <p:txEl>
+                                              <p:pRg st="1" end="1"/>
+                                            </p:txEl>
+                                          </p:spTgt>
                                         </p:tgtEl>
-                                        <p:attrNameLst>
-                                          <p:attrName>style.visibility</p:attrName>
-                                        </p:attrNameLst>
                                       </p:cBhvr>
-                                      <p:to>
-                                        <p:strVal val="visible"/>
-                                      </p:to>
-                                    </p:set>
+                                    </p:animEffect>
                                   </p:childTnLst>
                                 </p:cTn>
                               </p:par>
@@ -21753,7 +22313,7 @@
                             </p:stCondLst>
                             <p:childTnLst>
                               <p:par>
-                                <p:cTn id="21" presetID="1" presetClass="entr" presetSubtype="0" fill="hold" grpId="0" nodeType="clickEffect">
+                                <p:cTn id="21" presetID="12" presetClass="entr" presetSubtype="1" fill="hold" grpId="0" nodeType="clickEffect">
                                   <p:stCondLst>
                                     <p:cond delay="0"/>
                                   </p:stCondLst>
@@ -21761,6 +22321,455 @@
                                     <p:set>
                                       <p:cBhvr>
                                         <p:cTn id="22" dur="1" fill="hold">
+                                          <p:stCondLst>
+                                            <p:cond delay="0"/>
+                                          </p:stCondLst>
+                                        </p:cTn>
+                                        <p:tgtEl>
+                                          <p:spTgt spid="27651">
+                                            <p:txEl>
+                                              <p:pRg st="2" end="2"/>
+                                            </p:txEl>
+                                          </p:spTgt>
+                                        </p:tgtEl>
+                                        <p:attrNameLst>
+                                          <p:attrName>style.visibility</p:attrName>
+                                        </p:attrNameLst>
+                                      </p:cBhvr>
+                                      <p:to>
+                                        <p:strVal val="visible"/>
+                                      </p:to>
+                                    </p:set>
+                                    <p:anim calcmode="lin" valueType="num">
+                                      <p:cBhvr additive="base">
+                                        <p:cTn id="23" dur="500"/>
+                                        <p:tgtEl>
+                                          <p:spTgt spid="27651">
+                                            <p:txEl>
+                                              <p:pRg st="2" end="2"/>
+                                            </p:txEl>
+                                          </p:spTgt>
+                                        </p:tgtEl>
+                                        <p:attrNameLst>
+                                          <p:attrName>ppt_y</p:attrName>
+                                        </p:attrNameLst>
+                                      </p:cBhvr>
+                                      <p:tavLst>
+                                        <p:tav tm="0">
+                                          <p:val>
+                                            <p:strVal val="#ppt_y-#ppt_h*1.125000"/>
+                                          </p:val>
+                                        </p:tav>
+                                        <p:tav tm="100000">
+                                          <p:val>
+                                            <p:strVal val="#ppt_y"/>
+                                          </p:val>
+                                        </p:tav>
+                                      </p:tavLst>
+                                    </p:anim>
+                                    <p:animEffect transition="in" filter="wipe(down)">
+                                      <p:cBhvr>
+                                        <p:cTn id="24" dur="500"/>
+                                        <p:tgtEl>
+                                          <p:spTgt spid="27651">
+                                            <p:txEl>
+                                              <p:pRg st="2" end="2"/>
+                                            </p:txEl>
+                                          </p:spTgt>
+                                        </p:tgtEl>
+                                      </p:cBhvr>
+                                    </p:animEffect>
+                                  </p:childTnLst>
+                                </p:cTn>
+                              </p:par>
+                            </p:childTnLst>
+                          </p:cTn>
+                        </p:par>
+                      </p:childTnLst>
+                    </p:cTn>
+                  </p:par>
+                  <p:par>
+                    <p:cTn id="25" fill="hold">
+                      <p:stCondLst>
+                        <p:cond delay="indefinite"/>
+                      </p:stCondLst>
+                      <p:childTnLst>
+                        <p:par>
+                          <p:cTn id="26" fill="hold">
+                            <p:stCondLst>
+                              <p:cond delay="0"/>
+                            </p:stCondLst>
+                            <p:childTnLst>
+                              <p:par>
+                                <p:cTn id="27" presetID="12" presetClass="entr" presetSubtype="1" fill="hold" grpId="0" nodeType="clickEffect">
+                                  <p:stCondLst>
+                                    <p:cond delay="0"/>
+                                  </p:stCondLst>
+                                  <p:childTnLst>
+                                    <p:set>
+                                      <p:cBhvr>
+                                        <p:cTn id="28" dur="1" fill="hold">
+                                          <p:stCondLst>
+                                            <p:cond delay="0"/>
+                                          </p:stCondLst>
+                                        </p:cTn>
+                                        <p:tgtEl>
+                                          <p:spTgt spid="27651">
+                                            <p:txEl>
+                                              <p:pRg st="3" end="3"/>
+                                            </p:txEl>
+                                          </p:spTgt>
+                                        </p:tgtEl>
+                                        <p:attrNameLst>
+                                          <p:attrName>style.visibility</p:attrName>
+                                        </p:attrNameLst>
+                                      </p:cBhvr>
+                                      <p:to>
+                                        <p:strVal val="visible"/>
+                                      </p:to>
+                                    </p:set>
+                                    <p:anim calcmode="lin" valueType="num">
+                                      <p:cBhvr additive="base">
+                                        <p:cTn id="29" dur="500"/>
+                                        <p:tgtEl>
+                                          <p:spTgt spid="27651">
+                                            <p:txEl>
+                                              <p:pRg st="3" end="3"/>
+                                            </p:txEl>
+                                          </p:spTgt>
+                                        </p:tgtEl>
+                                        <p:attrNameLst>
+                                          <p:attrName>ppt_y</p:attrName>
+                                        </p:attrNameLst>
+                                      </p:cBhvr>
+                                      <p:tavLst>
+                                        <p:tav tm="0">
+                                          <p:val>
+                                            <p:strVal val="#ppt_y-#ppt_h*1.125000"/>
+                                          </p:val>
+                                        </p:tav>
+                                        <p:tav tm="100000">
+                                          <p:val>
+                                            <p:strVal val="#ppt_y"/>
+                                          </p:val>
+                                        </p:tav>
+                                      </p:tavLst>
+                                    </p:anim>
+                                    <p:animEffect transition="in" filter="wipe(down)">
+                                      <p:cBhvr>
+                                        <p:cTn id="30" dur="500"/>
+                                        <p:tgtEl>
+                                          <p:spTgt spid="27651">
+                                            <p:txEl>
+                                              <p:pRg st="3" end="3"/>
+                                            </p:txEl>
+                                          </p:spTgt>
+                                        </p:tgtEl>
+                                      </p:cBhvr>
+                                    </p:animEffect>
+                                  </p:childTnLst>
+                                </p:cTn>
+                              </p:par>
+                            </p:childTnLst>
+                          </p:cTn>
+                        </p:par>
+                      </p:childTnLst>
+                    </p:cTn>
+                  </p:par>
+                  <p:par>
+                    <p:cTn id="31" fill="hold">
+                      <p:stCondLst>
+                        <p:cond delay="indefinite"/>
+                      </p:stCondLst>
+                      <p:childTnLst>
+                        <p:par>
+                          <p:cTn id="32" fill="hold">
+                            <p:stCondLst>
+                              <p:cond delay="0"/>
+                            </p:stCondLst>
+                            <p:childTnLst>
+                              <p:par>
+                                <p:cTn id="33" presetID="22" presetClass="entr" presetSubtype="8" fill="hold" nodeType="clickEffect">
+                                  <p:stCondLst>
+                                    <p:cond delay="0"/>
+                                  </p:stCondLst>
+                                  <p:childTnLst>
+                                    <p:set>
+                                      <p:cBhvr>
+                                        <p:cTn id="34" dur="1" fill="hold">
+                                          <p:stCondLst>
+                                            <p:cond delay="0"/>
+                                          </p:stCondLst>
+                                        </p:cTn>
+                                        <p:tgtEl>
+                                          <p:spTgt spid="27656"/>
+                                        </p:tgtEl>
+                                        <p:attrNameLst>
+                                          <p:attrName>style.visibility</p:attrName>
+                                        </p:attrNameLst>
+                                      </p:cBhvr>
+                                      <p:to>
+                                        <p:strVal val="visible"/>
+                                      </p:to>
+                                    </p:set>
+                                    <p:animEffect transition="in" filter="wipe(left)">
+                                      <p:cBhvr>
+                                        <p:cTn id="35" dur="500"/>
+                                        <p:tgtEl>
+                                          <p:spTgt spid="27656"/>
+                                        </p:tgtEl>
+                                      </p:cBhvr>
+                                    </p:animEffect>
+                                  </p:childTnLst>
+                                </p:cTn>
+                              </p:par>
+                              <p:par>
+                                <p:cTn id="36" presetID="9" presetClass="entr" presetSubtype="0" fill="hold" nodeType="withEffect">
+                                  <p:stCondLst>
+                                    <p:cond delay="0"/>
+                                  </p:stCondLst>
+                                  <p:childTnLst>
+                                    <p:set>
+                                      <p:cBhvr>
+                                        <p:cTn id="37" dur="1" fill="hold">
+                                          <p:stCondLst>
+                                            <p:cond delay="0"/>
+                                          </p:stCondLst>
+                                        </p:cTn>
+                                        <p:tgtEl>
+                                          <p:spTgt spid="7"/>
+                                        </p:tgtEl>
+                                        <p:attrNameLst>
+                                          <p:attrName>style.visibility</p:attrName>
+                                        </p:attrNameLst>
+                                      </p:cBhvr>
+                                      <p:to>
+                                        <p:strVal val="visible"/>
+                                      </p:to>
+                                    </p:set>
+                                    <p:animEffect transition="in" filter="dissolve">
+                                      <p:cBhvr>
+                                        <p:cTn id="38" dur="500"/>
+                                        <p:tgtEl>
+                                          <p:spTgt spid="7"/>
+                                        </p:tgtEl>
+                                      </p:cBhvr>
+                                    </p:animEffect>
+                                  </p:childTnLst>
+                                </p:cTn>
+                              </p:par>
+                              <p:par>
+                                <p:cTn id="39" presetID="9" presetClass="entr" presetSubtype="0" fill="hold" nodeType="withEffect">
+                                  <p:stCondLst>
+                                    <p:cond delay="0"/>
+                                  </p:stCondLst>
+                                  <p:childTnLst>
+                                    <p:set>
+                                      <p:cBhvr>
+                                        <p:cTn id="40" dur="1" fill="hold">
+                                          <p:stCondLst>
+                                            <p:cond delay="0"/>
+                                          </p:stCondLst>
+                                        </p:cTn>
+                                        <p:tgtEl>
+                                          <p:spTgt spid="8"/>
+                                        </p:tgtEl>
+                                        <p:attrNameLst>
+                                          <p:attrName>style.visibility</p:attrName>
+                                        </p:attrNameLst>
+                                      </p:cBhvr>
+                                      <p:to>
+                                        <p:strVal val="visible"/>
+                                      </p:to>
+                                    </p:set>
+                                    <p:animEffect transition="in" filter="dissolve">
+                                      <p:cBhvr>
+                                        <p:cTn id="41" dur="500"/>
+                                        <p:tgtEl>
+                                          <p:spTgt spid="8"/>
+                                        </p:tgtEl>
+                                      </p:cBhvr>
+                                    </p:animEffect>
+                                  </p:childTnLst>
+                                </p:cTn>
+                              </p:par>
+                            </p:childTnLst>
+                          </p:cTn>
+                        </p:par>
+                      </p:childTnLst>
+                    </p:cTn>
+                  </p:par>
+                  <p:par>
+                    <p:cTn id="42" fill="hold">
+                      <p:stCondLst>
+                        <p:cond delay="indefinite"/>
+                      </p:stCondLst>
+                      <p:childTnLst>
+                        <p:par>
+                          <p:cTn id="43" fill="hold">
+                            <p:stCondLst>
+                              <p:cond delay="0"/>
+                            </p:stCondLst>
+                            <p:childTnLst>
+                              <p:par>
+                                <p:cTn id="44" presetID="22" presetClass="entr" presetSubtype="8" fill="hold" nodeType="clickEffect">
+                                  <p:stCondLst>
+                                    <p:cond delay="0"/>
+                                  </p:stCondLst>
+                                  <p:childTnLst>
+                                    <p:set>
+                                      <p:cBhvr>
+                                        <p:cTn id="45" dur="1" fill="hold">
+                                          <p:stCondLst>
+                                            <p:cond delay="0"/>
+                                          </p:stCondLst>
+                                        </p:cTn>
+                                        <p:tgtEl>
+                                          <p:spTgt spid="27655"/>
+                                        </p:tgtEl>
+                                        <p:attrNameLst>
+                                          <p:attrName>style.visibility</p:attrName>
+                                        </p:attrNameLst>
+                                      </p:cBhvr>
+                                      <p:to>
+                                        <p:strVal val="visible"/>
+                                      </p:to>
+                                    </p:set>
+                                    <p:animEffect transition="in" filter="wipe(left)">
+                                      <p:cBhvr>
+                                        <p:cTn id="46" dur="500"/>
+                                        <p:tgtEl>
+                                          <p:spTgt spid="27655"/>
+                                        </p:tgtEl>
+                                      </p:cBhvr>
+                                    </p:animEffect>
+                                  </p:childTnLst>
+                                </p:cTn>
+                              </p:par>
+                            </p:childTnLst>
+                          </p:cTn>
+                        </p:par>
+                      </p:childTnLst>
+                    </p:cTn>
+                  </p:par>
+                  <p:par>
+                    <p:cTn id="47" fill="hold">
+                      <p:stCondLst>
+                        <p:cond delay="indefinite"/>
+                      </p:stCondLst>
+                      <p:childTnLst>
+                        <p:par>
+                          <p:cTn id="48" fill="hold">
+                            <p:stCondLst>
+                              <p:cond delay="0"/>
+                            </p:stCondLst>
+                            <p:childTnLst>
+                              <p:par>
+                                <p:cTn id="49" presetID="22" presetClass="entr" presetSubtype="8" fill="hold" nodeType="clickEffect">
+                                  <p:stCondLst>
+                                    <p:cond delay="0"/>
+                                  </p:stCondLst>
+                                  <p:childTnLst>
+                                    <p:set>
+                                      <p:cBhvr>
+                                        <p:cTn id="50" dur="1" fill="hold">
+                                          <p:stCondLst>
+                                            <p:cond delay="0"/>
+                                          </p:stCondLst>
+                                        </p:cTn>
+                                        <p:tgtEl>
+                                          <p:spTgt spid="27654"/>
+                                        </p:tgtEl>
+                                        <p:attrNameLst>
+                                          <p:attrName>style.visibility</p:attrName>
+                                        </p:attrNameLst>
+                                      </p:cBhvr>
+                                      <p:to>
+                                        <p:strVal val="visible"/>
+                                      </p:to>
+                                    </p:set>
+                                    <p:animEffect transition="in" filter="wipe(left)">
+                                      <p:cBhvr>
+                                        <p:cTn id="51" dur="500"/>
+                                        <p:tgtEl>
+                                          <p:spTgt spid="27654"/>
+                                        </p:tgtEl>
+                                      </p:cBhvr>
+                                    </p:animEffect>
+                                  </p:childTnLst>
+                                </p:cTn>
+                              </p:par>
+                            </p:childTnLst>
+                          </p:cTn>
+                        </p:par>
+                      </p:childTnLst>
+                    </p:cTn>
+                  </p:par>
+                  <p:par>
+                    <p:cTn id="52" fill="hold">
+                      <p:stCondLst>
+                        <p:cond delay="indefinite"/>
+                      </p:stCondLst>
+                      <p:childTnLst>
+                        <p:par>
+                          <p:cTn id="53" fill="hold">
+                            <p:stCondLst>
+                              <p:cond delay="0"/>
+                            </p:stCondLst>
+                            <p:childTnLst>
+                              <p:par>
+                                <p:cTn id="54" presetID="22" presetClass="entr" presetSubtype="8" fill="hold" nodeType="clickEffect">
+                                  <p:stCondLst>
+                                    <p:cond delay="0"/>
+                                  </p:stCondLst>
+                                  <p:childTnLst>
+                                    <p:set>
+                                      <p:cBhvr>
+                                        <p:cTn id="55" dur="1" fill="hold">
+                                          <p:stCondLst>
+                                            <p:cond delay="0"/>
+                                          </p:stCondLst>
+                                        </p:cTn>
+                                        <p:tgtEl>
+                                          <p:spTgt spid="27653"/>
+                                        </p:tgtEl>
+                                        <p:attrNameLst>
+                                          <p:attrName>style.visibility</p:attrName>
+                                        </p:attrNameLst>
+                                      </p:cBhvr>
+                                      <p:to>
+                                        <p:strVal val="visible"/>
+                                      </p:to>
+                                    </p:set>
+                                    <p:animEffect transition="in" filter="wipe(left)">
+                                      <p:cBhvr>
+                                        <p:cTn id="56" dur="500"/>
+                                        <p:tgtEl>
+                                          <p:spTgt spid="27653"/>
+                                        </p:tgtEl>
+                                      </p:cBhvr>
+                                    </p:animEffect>
+                                  </p:childTnLst>
+                                </p:cTn>
+                              </p:par>
+                            </p:childTnLst>
+                          </p:cTn>
+                        </p:par>
+                        <p:par>
+                          <p:cTn id="57" fill="hold">
+                            <p:stCondLst>
+                              <p:cond delay="500"/>
+                            </p:stCondLst>
+                            <p:childTnLst>
+                              <p:par>
+                                <p:cTn id="58" presetID="1" presetClass="entr" presetSubtype="0" fill="hold" grpId="0" nodeType="afterEffect">
+                                  <p:stCondLst>
+                                    <p:cond delay="0"/>
+                                  </p:stCondLst>
+                                  <p:childTnLst>
+                                    <p:set>
+                                      <p:cBhvr>
+                                        <p:cTn id="59" dur="1" fill="hold">
                                           <p:stCondLst>
                                             <p:cond delay="0"/>
                                           </p:stCondLst>
@@ -21807,6 +22816,7 @@
       </p:par>
     </p:tnLst>
     <p:bldLst>
+      <p:bldP spid="27651" grpId="0" uiExpand="1" build="allAtOnce" animBg="1"/>
       <p:bldP spid="27652" grpId="0"/>
     </p:bldLst>
   </p:timing>
@@ -22026,14 +23036,7 @@
                 <a:latin typeface="Calibri" panose="020F0502020204030204" pitchFamily="34" charset="0"/>
                 <a:cs typeface="Calibri" panose="020F0502020204030204" pitchFamily="34" charset="0"/>
               </a:rPr>
-              <a:t>2018-02-05_05_BroadE_Differential </a:t>
-            </a:r>
-            <a:r>
-              <a:rPr lang="en-US" sz="3200" b="1" dirty="0" smtClean="0">
-                <a:latin typeface="Calibri" panose="020F0502020204030204" pitchFamily="34" charset="0"/>
-                <a:cs typeface="Calibri" panose="020F0502020204030204" pitchFamily="34" charset="0"/>
-              </a:rPr>
-              <a:t>Analysis</a:t>
+              <a:t>2018-02-05_05_BroadE_Differential Analysis</a:t>
             </a:r>
             <a:endParaRPr lang="en-US" sz="3200" b="1" dirty="0">
               <a:latin typeface="Calibri" panose="020F0502020204030204" pitchFamily="34" charset="0"/>
